--- a/presentazione_laurea/Presentazione_Laurea.pptx
+++ b/presentazione_laurea/Presentazione_Laurea.pptx
@@ -114,6 +114,11 @@
       </a:defRPr>
     </a:lvl9pPr>
   </p:defaultTextStyle>
+  <p:extLst>
+    <p:ext uri="{EFAFB233-063F-42B5-8137-9DF3F51BA10A}">
+      <p15:sldGuideLst xmlns:p15="http://schemas.microsoft.com/office/powerpoint/2012/main"/>
+    </p:ext>
+  </p:extLst>
 </p:presentation>
 </file>
 
@@ -9001,15 +9006,7 @@
             </a:pPr>
             <a:r>
               <a:rPr lang="it-IT" sz="2800" dirty="0"/>
-              <a:t>attori </a:t>
-            </a:r>
-            <a:r>
-              <a:rPr lang="it-IT" sz="2800" u="sng" dirty="0"/>
-              <a:t>nella</a:t>
-            </a:r>
-            <a:r>
-              <a:rPr lang="it-IT" sz="2800" dirty="0"/>
-              <a:t> Blockchain</a:t>
+              <a:t>attori nella Blockchain</a:t>
             </a:r>
           </a:p>
           <a:p>
@@ -9028,12 +9025,187 @@
               <a:buChar char="o"/>
             </a:pPr>
             <a:r>
-              <a:rPr lang="it-IT" sz="2400" dirty="0" err="1"/>
+              <a:rPr lang="en-US" sz="2400" dirty="0"/>
               <a:t>Owner</a:t>
             </a:r>
             <a:r>
               <a:rPr lang="it-IT" sz="2400" dirty="0"/>
               <a:t>/ Ente centrale</a:t>
+            </a:r>
+          </a:p>
+        </p:txBody>
+      </p:sp>
+      <p:sp>
+        <p:nvSpPr>
+          <p:cNvPr id="2" name="Freccia a destra 1">
+            <a:extLst>
+              <a:ext uri="{FF2B5EF4-FFF2-40B4-BE49-F238E27FC236}">
+                <a16:creationId xmlns:a16="http://schemas.microsoft.com/office/drawing/2014/main" id="{0688127D-BE5D-4190-8AEE-9285D5A37483}"/>
+              </a:ext>
+            </a:extLst>
+          </p:cNvPr>
+          <p:cNvSpPr/>
+          <p:nvPr/>
+        </p:nvSpPr>
+        <p:spPr>
+          <a:xfrm>
+            <a:off x="4937760" y="1561513"/>
+            <a:ext cx="3233224" cy="731520"/>
+          </a:xfrm>
+          <a:prstGeom prst="rightArrow">
+            <a:avLst/>
+          </a:prstGeom>
+        </p:spPr>
+        <p:style>
+          <a:lnRef idx="2">
+            <a:schemeClr val="accent1">
+              <a:shade val="50000"/>
+            </a:schemeClr>
+          </a:lnRef>
+          <a:fillRef idx="1">
+            <a:schemeClr val="accent1"/>
+          </a:fillRef>
+          <a:effectRef idx="0">
+            <a:schemeClr val="accent1"/>
+          </a:effectRef>
+          <a:fontRef idx="minor">
+            <a:schemeClr val="lt1"/>
+          </a:fontRef>
+        </p:style>
+        <p:txBody>
+          <a:bodyPr rtlCol="0" anchor="ctr"/>
+          <a:lstStyle/>
+          <a:p>
+            <a:pPr algn="ctr"/>
+            <a:endParaRPr lang="it-IT"/>
+          </a:p>
+        </p:txBody>
+      </p:sp>
+      <p:sp>
+        <p:nvSpPr>
+          <p:cNvPr id="8" name="Freccia a destra 7">
+            <a:extLst>
+              <a:ext uri="{FF2B5EF4-FFF2-40B4-BE49-F238E27FC236}">
+                <a16:creationId xmlns:a16="http://schemas.microsoft.com/office/drawing/2014/main" id="{CF6C1128-179E-4FBD-9536-30691200FE3F}"/>
+              </a:ext>
+            </a:extLst>
+          </p:cNvPr>
+          <p:cNvSpPr/>
+          <p:nvPr/>
+        </p:nvSpPr>
+        <p:spPr>
+          <a:xfrm>
+            <a:off x="5899052" y="3554438"/>
+            <a:ext cx="2271932" cy="731520"/>
+          </a:xfrm>
+          <a:prstGeom prst="rightArrow">
+            <a:avLst/>
+          </a:prstGeom>
+        </p:spPr>
+        <p:style>
+          <a:lnRef idx="2">
+            <a:schemeClr val="accent1">
+              <a:shade val="50000"/>
+            </a:schemeClr>
+          </a:lnRef>
+          <a:fillRef idx="1">
+            <a:schemeClr val="accent1"/>
+          </a:fillRef>
+          <a:effectRef idx="0">
+            <a:schemeClr val="accent1"/>
+          </a:effectRef>
+          <a:fontRef idx="minor">
+            <a:schemeClr val="lt1"/>
+          </a:fontRef>
+        </p:style>
+        <p:txBody>
+          <a:bodyPr rtlCol="0" anchor="ctr"/>
+          <a:lstStyle/>
+          <a:p>
+            <a:pPr algn="ctr"/>
+            <a:endParaRPr lang="it-IT"/>
+          </a:p>
+        </p:txBody>
+      </p:sp>
+      <p:sp>
+        <p:nvSpPr>
+          <p:cNvPr id="3" name="CasellaDiTesto 2">
+            <a:extLst>
+              <a:ext uri="{FF2B5EF4-FFF2-40B4-BE49-F238E27FC236}">
+                <a16:creationId xmlns:a16="http://schemas.microsoft.com/office/drawing/2014/main" id="{A74FC5E1-47A2-42DC-A245-BA3850250A63}"/>
+              </a:ext>
+            </a:extLst>
+          </p:cNvPr>
+          <p:cNvSpPr txBox="1"/>
+          <p:nvPr/>
+        </p:nvSpPr>
+        <p:spPr>
+          <a:xfrm>
+            <a:off x="8545378" y="1561513"/>
+            <a:ext cx="2546253" cy="646331"/>
+          </a:xfrm>
+          <a:prstGeom prst="rect">
+            <a:avLst/>
+          </a:prstGeom>
+          <a:noFill/>
+        </p:spPr>
+        <p:txBody>
+          <a:bodyPr wrap="square" rtlCol="0">
+            <a:spAutoFit/>
+          </a:bodyPr>
+          <a:lstStyle/>
+          <a:p>
+            <a:r>
+              <a:rPr lang="en-US" dirty="0"/>
+              <a:t>Mail: nome@mail.it</a:t>
+            </a:r>
+          </a:p>
+          <a:p>
+            <a:r>
+              <a:rPr lang="en-US" dirty="0"/>
+              <a:t>Password: ****</a:t>
+            </a:r>
+            <a:endParaRPr lang="it-IT" dirty="0"/>
+          </a:p>
+        </p:txBody>
+      </p:sp>
+      <p:sp>
+        <p:nvSpPr>
+          <p:cNvPr id="9" name="CasellaDiTesto 8">
+            <a:extLst>
+              <a:ext uri="{FF2B5EF4-FFF2-40B4-BE49-F238E27FC236}">
+                <a16:creationId xmlns:a16="http://schemas.microsoft.com/office/drawing/2014/main" id="{E858B5B5-0E72-45EC-947A-69A0F3E19106}"/>
+              </a:ext>
+            </a:extLst>
+          </p:cNvPr>
+          <p:cNvSpPr txBox="1"/>
+          <p:nvPr/>
+        </p:nvSpPr>
+        <p:spPr>
+          <a:xfrm>
+            <a:off x="8545378" y="3597032"/>
+            <a:ext cx="3408217" cy="646331"/>
+          </a:xfrm>
+          <a:prstGeom prst="rect">
+            <a:avLst/>
+          </a:prstGeom>
+          <a:noFill/>
+        </p:spPr>
+        <p:txBody>
+          <a:bodyPr wrap="square" rtlCol="0">
+            <a:spAutoFit/>
+          </a:bodyPr>
+          <a:lstStyle/>
+          <a:p>
+            <a:r>
+              <a:rPr lang="it-IT" dirty="0"/>
+              <a:t>indirizzo: 0x67…(*40)</a:t>
+            </a:r>
+          </a:p>
+          <a:p>
+            <a:r>
+              <a:rPr lang="it-IT" dirty="0"/>
+              <a:t>Chiave privata: 0x34…(*64)</a:t>
             </a:r>
           </a:p>
         </p:txBody>

--- a/presentazione_laurea/Presentazione_Laurea.pptx
+++ b/presentazione_laurea/Presentazione_Laurea.pptx
@@ -6,7 +6,7 @@
     <p:sldMasterId id="2147483661" r:id="rId2"/>
   </p:sldMasterIdLst>
   <p:notesMasterIdLst>
-    <p:notesMasterId r:id="rId13"/>
+    <p:notesMasterId r:id="rId14"/>
   </p:notesMasterIdLst>
   <p:sldIdLst>
     <p:sldId id="256" r:id="rId3"/>
@@ -18,7 +18,8 @@
     <p:sldId id="262" r:id="rId9"/>
     <p:sldId id="263" r:id="rId10"/>
     <p:sldId id="264" r:id="rId11"/>
-    <p:sldId id="265" r:id="rId12"/>
+    <p:sldId id="266" r:id="rId12"/>
+    <p:sldId id="265" r:id="rId13"/>
   </p:sldIdLst>
   <p:sldSz cx="12192000" cy="6858000"/>
   <p:notesSz cx="7559675" cy="10691813"/>
@@ -117,6 +118,11 @@
       </a:defRPr>
     </a:lvl9pPr>
   </p:defaultTextStyle>
+  <p:extLst>
+    <p:ext uri="{EFAFB233-063F-42B5-8137-9DF3F51BA10A}">
+      <p15:sldGuideLst xmlns:p15="http://schemas.microsoft.com/office/powerpoint/2012/main"/>
+    </p:ext>
+  </p:extLst>
 </p:presentation>
 </file>
 
@@ -4839,9 +4845,9 @@
           <a:stretch/>
         </p:blipFill>
         <p:spPr>
-          <a:xfrm rot="20507400">
-            <a:off x="-2001960" y="-954360"/>
-            <a:ext cx="12427200" cy="7848720"/>
+          <a:xfrm rot="20976304">
+            <a:off x="-1869137" y="-534900"/>
+            <a:ext cx="11143121" cy="7433953"/>
           </a:xfrm>
           <a:prstGeom prst="rect">
             <a:avLst/>
@@ -4859,8 +4865,8 @@
         </p:nvSpPr>
         <p:spPr>
           <a:xfrm>
-            <a:off x="7152120" y="360000"/>
-            <a:ext cx="5040000" cy="1796760"/>
+            <a:off x="7152000" y="1121427"/>
+            <a:ext cx="5040000" cy="2060649"/>
           </a:xfrm>
           <a:prstGeom prst="rect">
             <a:avLst/>
@@ -4894,16 +4900,56 @@
               </a:lnSpc>
             </a:pPr>
             <a:r>
-              <a:rPr lang="it-IT" sz="2800" b="0" strike="noStrike" spc="-1">
+              <a:rPr lang="it-IT" sz="3200" b="0" strike="noStrike" spc="-1" dirty="0">
                 <a:solidFill>
                   <a:srgbClr val="000000"/>
                 </a:solidFill>
                 <a:latin typeface="Arial"/>
                 <a:ea typeface="DejaVu Sans"/>
               </a:rPr>
-              <a:t>Studio e realizzazione di un prototipo di un sistema basato su blockchain per il mobility as a service</a:t>
+              <a:t>Studio e realizzazione di un prototipo di un sistema basato su blockchain per il </a:t>
             </a:r>
-            <a:endParaRPr lang="it-IT" sz="2800" b="0" strike="noStrike" spc="-1">
+            <a:r>
+              <a:rPr lang="it-IT" sz="3200" b="0" strike="noStrike" spc="-1" dirty="0" err="1">
+                <a:solidFill>
+                  <a:srgbClr val="000000"/>
+                </a:solidFill>
+                <a:latin typeface="Arial"/>
+                <a:ea typeface="DejaVu Sans"/>
+              </a:rPr>
+              <a:t>mobility</a:t>
+            </a:r>
+            <a:r>
+              <a:rPr lang="it-IT" sz="3200" b="0" strike="noStrike" spc="-1" dirty="0">
+                <a:solidFill>
+                  <a:srgbClr val="000000"/>
+                </a:solidFill>
+                <a:latin typeface="Arial"/>
+                <a:ea typeface="DejaVu Sans"/>
+              </a:rPr>
+              <a:t> </a:t>
+            </a:r>
+            <a:r>
+              <a:rPr lang="it-IT" sz="3200" b="0" strike="noStrike" spc="-1" dirty="0" err="1">
+                <a:solidFill>
+                  <a:srgbClr val="000000"/>
+                </a:solidFill>
+                <a:latin typeface="Arial"/>
+                <a:ea typeface="DejaVu Sans"/>
+              </a:rPr>
+              <a:t>as</a:t>
+            </a:r>
+            <a:r>
+              <a:rPr lang="it-IT" sz="3200" b="0" strike="noStrike" spc="-1" dirty="0">
+                <a:solidFill>
+                  <a:srgbClr val="000000"/>
+                </a:solidFill>
+                <a:latin typeface="Arial"/>
+                <a:ea typeface="DejaVu Sans"/>
+              </a:rPr>
+              <a:t> a service</a:t>
+            </a:r>
+            <a:endParaRPr lang="it-IT" sz="3200" b="0" strike="noStrike" spc="-1" dirty="0">
               <a:latin typeface="Arial"/>
             </a:endParaRPr>
           </a:p>
@@ -5052,6 +5098,356 @@
       </p:grpSpPr>
       <p:pic>
         <p:nvPicPr>
+          <p:cNvPr id="212" name="Immagine 19"/>
+          <p:cNvPicPr/>
+          <p:nvPr/>
+        </p:nvPicPr>
+        <p:blipFill>
+          <a:blip r:embed="rId2"/>
+          <a:srcRect r="2174" b="31141"/>
+          <a:stretch/>
+        </p:blipFill>
+        <p:spPr>
+          <a:xfrm rot="5400000" flipH="1">
+            <a:off x="-2368440" y="2372760"/>
+            <a:ext cx="6855840" cy="2114640"/>
+          </a:xfrm>
+          <a:prstGeom prst="rect">
+            <a:avLst/>
+          </a:prstGeom>
+          <a:ln w="0">
+            <a:noFill/>
+          </a:ln>
+        </p:spPr>
+      </p:pic>
+      <p:sp>
+        <p:nvSpPr>
+          <p:cNvPr id="213" name="CustomShape 1"/>
+          <p:cNvSpPr/>
+          <p:nvPr/>
+        </p:nvSpPr>
+        <p:spPr>
+          <a:xfrm>
+            <a:off x="0" y="6492240"/>
+            <a:ext cx="455760" cy="367878"/>
+          </a:xfrm>
+          <a:prstGeom prst="rect">
+            <a:avLst/>
+          </a:prstGeom>
+          <a:noFill/>
+          <a:ln w="0">
+            <a:noFill/>
+          </a:ln>
+        </p:spPr>
+        <p:style>
+          <a:lnRef idx="0">
+            <a:scrgbClr r="0" g="0" b="0"/>
+          </a:lnRef>
+          <a:fillRef idx="0">
+            <a:scrgbClr r="0" g="0" b="0"/>
+          </a:fillRef>
+          <a:effectRef idx="0">
+            <a:scrgbClr r="0" g="0" b="0"/>
+          </a:effectRef>
+          <a:fontRef idx="minor"/>
+        </p:style>
+        <p:txBody>
+          <a:bodyPr lIns="90000" tIns="45000" rIns="90000" bIns="45000" anchor="t">
+            <a:spAutoFit/>
+          </a:bodyPr>
+          <a:lstStyle/>
+          <a:p>
+            <a:pPr>
+              <a:lnSpc>
+                <a:spcPct val="100000"/>
+              </a:lnSpc>
+            </a:pPr>
+            <a:r>
+              <a:rPr lang="en-US" spc="-1" dirty="0">
+                <a:solidFill>
+                  <a:srgbClr val="000000"/>
+                </a:solidFill>
+                <a:latin typeface="Calibri"/>
+                <a:ea typeface="DejaVu Sans"/>
+              </a:rPr>
+              <a:t>1</a:t>
+            </a:r>
+            <a:r>
+              <a:rPr lang="it-IT" spc="-1" dirty="0">
+                <a:solidFill>
+                  <a:srgbClr val="000000"/>
+                </a:solidFill>
+                <a:latin typeface="Calibri"/>
+                <a:ea typeface="DejaVu Sans"/>
+              </a:rPr>
+              <a:t>0</a:t>
+            </a:r>
+            <a:endParaRPr lang="it-IT" sz="1800" b="0" strike="noStrike" spc="-1" dirty="0">
+              <a:latin typeface="Arial"/>
+            </a:endParaRPr>
+          </a:p>
+        </p:txBody>
+      </p:sp>
+      <p:sp>
+        <p:nvSpPr>
+          <p:cNvPr id="225" name="CustomShape 10"/>
+          <p:cNvSpPr/>
+          <p:nvPr/>
+        </p:nvSpPr>
+        <p:spPr>
+          <a:xfrm>
+            <a:off x="1253188" y="163828"/>
+            <a:ext cx="4602960" cy="767987"/>
+          </a:xfrm>
+          <a:prstGeom prst="rect">
+            <a:avLst/>
+          </a:prstGeom>
+          <a:noFill/>
+          <a:ln w="0">
+            <a:noFill/>
+          </a:ln>
+        </p:spPr>
+        <p:style>
+          <a:lnRef idx="0">
+            <a:scrgbClr r="0" g="0" b="0"/>
+          </a:lnRef>
+          <a:fillRef idx="0">
+            <a:scrgbClr r="0" g="0" b="0"/>
+          </a:fillRef>
+          <a:effectRef idx="0">
+            <a:scrgbClr r="0" g="0" b="0"/>
+          </a:effectRef>
+          <a:fontRef idx="minor"/>
+        </p:style>
+        <p:txBody>
+          <a:bodyPr lIns="90000" tIns="45000" rIns="90000" bIns="45000" anchor="t" anchorCtr="1">
+            <a:spAutoFit/>
+          </a:bodyPr>
+          <a:lstStyle/>
+          <a:p>
+            <a:pPr algn="ctr">
+              <a:lnSpc>
+                <a:spcPct val="100000"/>
+              </a:lnSpc>
+            </a:pPr>
+            <a:r>
+              <a:rPr lang="it-IT" sz="4400" b="1" strike="noStrike" spc="-1" dirty="0">
+                <a:solidFill>
+                  <a:srgbClr val="000000"/>
+                </a:solidFill>
+                <a:latin typeface="Calibri"/>
+                <a:ea typeface="DejaVu Sans"/>
+              </a:rPr>
+              <a:t>Sviluppi futuri</a:t>
+            </a:r>
+            <a:endParaRPr lang="it-IT" sz="4400" b="0" strike="noStrike" spc="-1" dirty="0">
+              <a:latin typeface="Arial"/>
+            </a:endParaRPr>
+          </a:p>
+        </p:txBody>
+      </p:sp>
+      <p:sp>
+        <p:nvSpPr>
+          <p:cNvPr id="2" name="CasellaDiTesto 1">
+            <a:extLst>
+              <a:ext uri="{FF2B5EF4-FFF2-40B4-BE49-F238E27FC236}">
+                <a16:creationId xmlns:a16="http://schemas.microsoft.com/office/drawing/2014/main" id="{A4CA72F0-93EA-4505-BA3C-88A774802542}"/>
+              </a:ext>
+            </a:extLst>
+          </p:cNvPr>
+          <p:cNvSpPr txBox="1"/>
+          <p:nvPr/>
+        </p:nvSpPr>
+        <p:spPr>
+          <a:xfrm>
+            <a:off x="2021152" y="1311661"/>
+            <a:ext cx="5824025" cy="2677656"/>
+          </a:xfrm>
+          <a:prstGeom prst="rect">
+            <a:avLst/>
+          </a:prstGeom>
+          <a:noFill/>
+        </p:spPr>
+        <p:txBody>
+          <a:bodyPr wrap="square" rtlCol="0">
+            <a:spAutoFit/>
+          </a:bodyPr>
+          <a:lstStyle/>
+          <a:p>
+            <a:pPr marL="285750" indent="-285750">
+              <a:buFont typeface="Arial" panose="020B0604020202020204" pitchFamily="34" charset="0"/>
+              <a:buChar char="•"/>
+            </a:pPr>
+            <a:r>
+              <a:rPr lang="it-IT" sz="2400" dirty="0"/>
+              <a:t>Portare tutti i dati all’interno della blockchain privata</a:t>
+            </a:r>
+          </a:p>
+          <a:p>
+            <a:pPr marL="285750" indent="-285750">
+              <a:buFont typeface="Arial" panose="020B0604020202020204" pitchFamily="34" charset="0"/>
+              <a:buChar char="•"/>
+            </a:pPr>
+            <a:endParaRPr lang="it-IT" sz="2400" dirty="0"/>
+          </a:p>
+          <a:p>
+            <a:pPr marL="285750" indent="-285750">
+              <a:buFont typeface="Arial" panose="020B0604020202020204" pitchFamily="34" charset="0"/>
+              <a:buChar char="•"/>
+            </a:pPr>
+            <a:endParaRPr lang="it-IT" sz="2400" dirty="0"/>
+          </a:p>
+          <a:p>
+            <a:pPr marL="285750" indent="-285750">
+              <a:buFont typeface="Arial" panose="020B0604020202020204" pitchFamily="34" charset="0"/>
+              <a:buChar char="•"/>
+            </a:pPr>
+            <a:endParaRPr lang="it-IT" sz="2400" dirty="0"/>
+          </a:p>
+          <a:p>
+            <a:pPr marL="285750" indent="-285750">
+              <a:buFont typeface="Arial" panose="020B0604020202020204" pitchFamily="34" charset="0"/>
+              <a:buChar char="•"/>
+            </a:pPr>
+            <a:r>
+              <a:rPr lang="it-IT" sz="2400" dirty="0"/>
+              <a:t>Utilizzare una blockchain pubblica per validare la blockchain privata </a:t>
+            </a:r>
+          </a:p>
+        </p:txBody>
+      </p:sp>
+      <p:pic>
+        <p:nvPicPr>
+          <p:cNvPr id="18" name="Immagine 17">
+            <a:extLst>
+              <a:ext uri="{FF2B5EF4-FFF2-40B4-BE49-F238E27FC236}">
+                <a16:creationId xmlns:a16="http://schemas.microsoft.com/office/drawing/2014/main" id="{48131412-19EA-463C-8421-040DEEEE5900}"/>
+              </a:ext>
+            </a:extLst>
+          </p:cNvPr>
+          <p:cNvPicPr/>
+          <p:nvPr/>
+        </p:nvPicPr>
+        <p:blipFill>
+          <a:blip r:embed="rId3"/>
+          <a:stretch/>
+        </p:blipFill>
+        <p:spPr>
+          <a:xfrm>
+            <a:off x="3192404" y="4623136"/>
+            <a:ext cx="1588140" cy="1601044"/>
+          </a:xfrm>
+          <a:prstGeom prst="rect">
+            <a:avLst/>
+          </a:prstGeom>
+          <a:ln w="0">
+            <a:noFill/>
+          </a:ln>
+        </p:spPr>
+      </p:pic>
+      <p:pic>
+        <p:nvPicPr>
+          <p:cNvPr id="10" name="Immagine 9">
+            <a:extLst>
+              <a:ext uri="{FF2B5EF4-FFF2-40B4-BE49-F238E27FC236}">
+                <a16:creationId xmlns:a16="http://schemas.microsoft.com/office/drawing/2014/main" id="{7F0E2270-89A8-41B8-B0E7-B345A19483A7}"/>
+              </a:ext>
+            </a:extLst>
+          </p:cNvPr>
+          <p:cNvPicPr>
+            <a:picLocks noChangeAspect="1"/>
+          </p:cNvPicPr>
+          <p:nvPr/>
+        </p:nvPicPr>
+        <p:blipFill rotWithShape="1">
+          <a:blip r:embed="rId4" cstate="print">
+            <a:extLst>
+              <a:ext uri="{28A0092B-C50C-407E-A947-70E740481C1C}">
+                <a14:useLocalDpi xmlns:a14="http://schemas.microsoft.com/office/drawing/2010/main" val="0"/>
+              </a:ext>
+            </a:extLst>
+          </a:blip>
+          <a:srcRect r="3016"/>
+          <a:stretch/>
+        </p:blipFill>
+        <p:spPr>
+          <a:xfrm rot="5400000">
+            <a:off x="6927197" y="1593201"/>
+            <a:ext cx="6855842" cy="3669444"/>
+          </a:xfrm>
+          <a:prstGeom prst="rect">
+            <a:avLst/>
+          </a:prstGeom>
+        </p:spPr>
+      </p:pic>
+      <p:pic>
+        <p:nvPicPr>
+          <p:cNvPr id="4" name="Immagine 3">
+            <a:extLst>
+              <a:ext uri="{FF2B5EF4-FFF2-40B4-BE49-F238E27FC236}">
+                <a16:creationId xmlns:a16="http://schemas.microsoft.com/office/drawing/2014/main" id="{11BDF5E6-1336-49AA-9DB9-9B5B5F81B3DE}"/>
+              </a:ext>
+            </a:extLst>
+          </p:cNvPr>
+          <p:cNvPicPr>
+            <a:picLocks noChangeAspect="1"/>
+          </p:cNvPicPr>
+          <p:nvPr/>
+        </p:nvPicPr>
+        <p:blipFill>
+          <a:blip r:embed="rId5" cstate="print">
+            <a:extLst>
+              <a:ext uri="{28A0092B-C50C-407E-A947-70E740481C1C}">
+                <a14:useLocalDpi xmlns:a14="http://schemas.microsoft.com/office/drawing/2010/main" val="0"/>
+              </a:ext>
+            </a:extLst>
+          </a:blip>
+          <a:stretch>
+            <a:fillRect/>
+          </a:stretch>
+        </p:blipFill>
+        <p:spPr>
+          <a:xfrm>
+            <a:off x="4522196" y="4518595"/>
+            <a:ext cx="4621804" cy="905063"/>
+          </a:xfrm>
+          <a:prstGeom prst="rect">
+            <a:avLst/>
+          </a:prstGeom>
+        </p:spPr>
+      </p:pic>
+    </p:spTree>
+    <p:extLst>
+      <p:ext uri="{BB962C8B-B14F-4D97-AF65-F5344CB8AC3E}">
+        <p14:creationId xmlns:p14="http://schemas.microsoft.com/office/powerpoint/2010/main" val="3872001436"/>
+      </p:ext>
+    </p:extLst>
+  </p:cSld>
+  <p:clrMapOvr>
+    <a:masterClrMapping/>
+  </p:clrMapOvr>
+</p:sld>
+</file>
+
+<file path=ppt/slides/slide11.xml><?xml version="1.0" encoding="utf-8"?>
+<p:sld xmlns:a="http://schemas.openxmlformats.org/drawingml/2006/main" xmlns:r="http://schemas.openxmlformats.org/officeDocument/2006/relationships" xmlns:p="http://schemas.openxmlformats.org/presentationml/2006/main">
+  <p:cSld>
+    <p:spTree>
+      <p:nvGrpSpPr>
+        <p:cNvPr id="1" name=""/>
+        <p:cNvGrpSpPr/>
+        <p:nvPr/>
+      </p:nvGrpSpPr>
+      <p:grpSpPr>
+        <a:xfrm>
+          <a:off x="0" y="0"/>
+          <a:ext cx="0" cy="0"/>
+          <a:chOff x="0" y="0"/>
+          <a:chExt cx="0" cy="0"/>
+        </a:xfrm>
+      </p:grpSpPr>
+      <p:pic>
+        <p:nvPicPr>
           <p:cNvPr id="227" name="Immagine 226"/>
           <p:cNvPicPr/>
           <p:nvPr/>
@@ -5091,9 +5487,7 @@
             <a:srgbClr val="8D1D75"/>
           </a:solidFill>
           <a:ln w="0">
-            <a:solidFill>
-              <a:srgbClr val="3465A4"/>
-            </a:solidFill>
+            <a:noFill/>
           </a:ln>
         </p:spPr>
         <p:style>
@@ -6100,7 +6494,7 @@
             </a:r>
           </a:p>
           <a:p>
-            <a:pPr marL="216000" indent="-216000">
+            <a:pPr>
               <a:lnSpc>
                 <a:spcPct val="100000"/>
               </a:lnSpc>
@@ -6108,14 +6502,12 @@
                 <a:srgbClr val="000000"/>
               </a:buClr>
               <a:buSzPct val="45000"/>
-              <a:buFont typeface="Wingdings" charset="2"/>
-              <a:buChar char=""/>
             </a:pPr>
             <a:r>
               <a:rPr lang="it-IT" sz="2200" b="0" strike="noStrike" spc="-1" dirty="0">
                 <a:latin typeface="Arial"/>
               </a:rPr>
-              <a:t>(Centralizzato/Decentralizzato)</a:t>
+              <a:t>   (Centralizzato/Decentralizzato)</a:t>
             </a:r>
           </a:p>
           <a:p>
@@ -11540,10 +11932,10 @@
       </p:grpSpPr>
       <p:pic>
         <p:nvPicPr>
-          <p:cNvPr id="5" name="Immagine 4">
+          <p:cNvPr id="3" name="Immagine 2">
             <a:extLst>
               <a:ext uri="{FF2B5EF4-FFF2-40B4-BE49-F238E27FC236}">
-                <a16:creationId xmlns:a16="http://schemas.microsoft.com/office/drawing/2014/main" id="{BFE89B4D-E5A6-48FA-8ADF-3E1630A7C6AF}"/>
+                <a16:creationId xmlns:a16="http://schemas.microsoft.com/office/drawing/2014/main" id="{C29AF612-8F27-464F-BA89-45BF3338E89B}"/>
               </a:ext>
             </a:extLst>
           </p:cNvPr>
@@ -11565,9 +11957,9 @@
           </a:stretch>
         </p:blipFill>
         <p:spPr>
-          <a:xfrm>
-            <a:off x="4515358" y="4135164"/>
-            <a:ext cx="1560594" cy="946416"/>
+          <a:xfrm rot="5400000">
+            <a:off x="4920602" y="3872962"/>
+            <a:ext cx="666678" cy="1474353"/>
           </a:xfrm>
           <a:prstGeom prst="rect">
             <a:avLst/>
@@ -12246,10 +12638,46 @@
       </p:sp>
       <p:pic>
         <p:nvPicPr>
-          <p:cNvPr id="22" name="Immagine 21">
+          <p:cNvPr id="7" name="Immagine 6">
             <a:extLst>
               <a:ext uri="{FF2B5EF4-FFF2-40B4-BE49-F238E27FC236}">
-                <a16:creationId xmlns:a16="http://schemas.microsoft.com/office/drawing/2014/main" id="{707D244D-1227-4318-A429-130C2FF492BF}"/>
+                <a16:creationId xmlns:a16="http://schemas.microsoft.com/office/drawing/2014/main" id="{40206E40-A6A3-4A9D-820D-4B9048F125F2}"/>
+              </a:ext>
+            </a:extLst>
+          </p:cNvPr>
+          <p:cNvPicPr>
+            <a:picLocks noChangeAspect="1"/>
+          </p:cNvPicPr>
+          <p:nvPr/>
+        </p:nvPicPr>
+        <p:blipFill>
+          <a:blip r:embed="rId8" cstate="print">
+            <a:extLst>
+              <a:ext uri="{28A0092B-C50C-407E-A947-70E740481C1C}">
+                <a14:useLocalDpi xmlns:a14="http://schemas.microsoft.com/office/drawing/2010/main" val="0"/>
+              </a:ext>
+            </a:extLst>
+          </a:blip>
+          <a:stretch>
+            <a:fillRect/>
+          </a:stretch>
+        </p:blipFill>
+        <p:spPr>
+          <a:xfrm rot="10800000">
+            <a:off x="5764278" y="4749968"/>
+            <a:ext cx="1474352" cy="1474352"/>
+          </a:xfrm>
+          <a:prstGeom prst="rect">
+            <a:avLst/>
+          </a:prstGeom>
+        </p:spPr>
+      </p:pic>
+      <p:pic>
+        <p:nvPicPr>
+          <p:cNvPr id="20" name="Immagine 19">
+            <a:extLst>
+              <a:ext uri="{FF2B5EF4-FFF2-40B4-BE49-F238E27FC236}">
+                <a16:creationId xmlns:a16="http://schemas.microsoft.com/office/drawing/2014/main" id="{AE7F45A7-B598-4F8C-8B75-61B9B1979A3F}"/>
               </a:ext>
             </a:extLst>
           </p:cNvPr>
@@ -12271,45 +12699,9 @@
           </a:stretch>
         </p:blipFill>
         <p:spPr>
-          <a:xfrm>
-            <a:off x="6901926" y="4135164"/>
-            <a:ext cx="1617840" cy="946416"/>
-          </a:xfrm>
-          <a:prstGeom prst="rect">
-            <a:avLst/>
-          </a:prstGeom>
-        </p:spPr>
-      </p:pic>
-      <p:pic>
-        <p:nvPicPr>
-          <p:cNvPr id="7" name="Immagine 6">
-            <a:extLst>
-              <a:ext uri="{FF2B5EF4-FFF2-40B4-BE49-F238E27FC236}">
-                <a16:creationId xmlns:a16="http://schemas.microsoft.com/office/drawing/2014/main" id="{40206E40-A6A3-4A9D-820D-4B9048F125F2}"/>
-              </a:ext>
-            </a:extLst>
-          </p:cNvPr>
-          <p:cNvPicPr>
-            <a:picLocks noChangeAspect="1"/>
-          </p:cNvPicPr>
-          <p:nvPr/>
-        </p:nvPicPr>
-        <p:blipFill>
-          <a:blip r:embed="rId8" cstate="print">
-            <a:extLst>
-              <a:ext uri="{28A0092B-C50C-407E-A947-70E740481C1C}">
-                <a14:useLocalDpi xmlns:a14="http://schemas.microsoft.com/office/drawing/2010/main" val="0"/>
-              </a:ext>
-            </a:extLst>
-          </a:blip>
-          <a:stretch>
-            <a:fillRect/>
-          </a:stretch>
-        </p:blipFill>
-        <p:spPr>
-          <a:xfrm rot="10800000">
-            <a:off x="5764278" y="4749968"/>
-            <a:ext cx="1474352" cy="1474352"/>
+          <a:xfrm rot="5400000">
+            <a:off x="7370154" y="3811236"/>
+            <a:ext cx="666678" cy="1474353"/>
           </a:xfrm>
           <a:prstGeom prst="rect">
             <a:avLst/>

--- a/presentazione_laurea/Presentazione_Laurea.pptx
+++ b/presentazione_laurea/Presentazione_Laurea.pptx
@@ -6,7 +6,7 @@
     <p:sldMasterId id="2147483661" r:id="rId2"/>
   </p:sldMasterIdLst>
   <p:notesMasterIdLst>
-    <p:notesMasterId r:id="rId23"/>
+    <p:notesMasterId r:id="rId25"/>
   </p:notesMasterIdLst>
   <p:sldIdLst>
     <p:sldId id="256" r:id="rId3"/>
@@ -16,19 +16,21 @@
     <p:sldId id="260" r:id="rId7"/>
     <p:sldId id="261" r:id="rId8"/>
     <p:sldId id="268" r:id="rId9"/>
-    <p:sldId id="269" r:id="rId10"/>
-    <p:sldId id="262" r:id="rId11"/>
-    <p:sldId id="271" r:id="rId12"/>
-    <p:sldId id="263" r:id="rId13"/>
-    <p:sldId id="272" r:id="rId14"/>
-    <p:sldId id="264" r:id="rId15"/>
-    <p:sldId id="267" r:id="rId16"/>
-    <p:sldId id="273" r:id="rId17"/>
-    <p:sldId id="274" r:id="rId18"/>
-    <p:sldId id="275" r:id="rId19"/>
-    <p:sldId id="276" r:id="rId20"/>
-    <p:sldId id="266" r:id="rId21"/>
-    <p:sldId id="265" r:id="rId22"/>
+    <p:sldId id="279" r:id="rId10"/>
+    <p:sldId id="269" r:id="rId11"/>
+    <p:sldId id="262" r:id="rId12"/>
+    <p:sldId id="271" r:id="rId13"/>
+    <p:sldId id="263" r:id="rId14"/>
+    <p:sldId id="272" r:id="rId15"/>
+    <p:sldId id="278" r:id="rId16"/>
+    <p:sldId id="264" r:id="rId17"/>
+    <p:sldId id="267" r:id="rId18"/>
+    <p:sldId id="273" r:id="rId19"/>
+    <p:sldId id="277" r:id="rId20"/>
+    <p:sldId id="274" r:id="rId21"/>
+    <p:sldId id="275" r:id="rId22"/>
+    <p:sldId id="266" r:id="rId23"/>
+    <p:sldId id="265" r:id="rId24"/>
   </p:sldIdLst>
   <p:sldSz cx="12192000" cy="6858000"/>
   <p:notesSz cx="7559675" cy="10691813"/>
@@ -3043,7 +3045,246 @@
     </p:spTree>
     <p:extLst>
       <p:ext uri="{BB962C8B-B14F-4D97-AF65-F5344CB8AC3E}">
+        <p14:creationId xmlns:p14="http://schemas.microsoft.com/office/powerpoint/2010/main" val="1040502518"/>
+      </p:ext>
+    </p:extLst>
+  </p:cSld>
+  <p:clrMapOvr>
+    <a:masterClrMapping/>
+  </p:clrMapOvr>
+</p:notes>
+</file>
+
+<file path=ppt/notesSlides/notesSlide4.xml><?xml version="1.0" encoding="utf-8"?>
+<p:notes xmlns:a="http://schemas.openxmlformats.org/drawingml/2006/main" xmlns:r="http://schemas.openxmlformats.org/officeDocument/2006/relationships" xmlns:p="http://schemas.openxmlformats.org/presentationml/2006/main">
+  <p:cSld>
+    <p:spTree>
+      <p:nvGrpSpPr>
+        <p:cNvPr id="1" name=""/>
+        <p:cNvGrpSpPr/>
+        <p:nvPr/>
+      </p:nvGrpSpPr>
+      <p:grpSpPr>
+        <a:xfrm>
+          <a:off x="0" y="0"/>
+          <a:ext cx="0" cy="0"/>
+          <a:chOff x="0" y="0"/>
+          <a:chExt cx="0" cy="0"/>
+        </a:xfrm>
+      </p:grpSpPr>
+      <p:sp>
+        <p:nvSpPr>
+          <p:cNvPr id="233" name="PlaceHolder 1"/>
+          <p:cNvSpPr>
+            <a:spLocks noGrp="1" noRot="1" noChangeAspect="1"/>
+          </p:cNvSpPr>
+          <p:nvPr>
+            <p:ph type="sldImg"/>
+          </p:nvPr>
+        </p:nvSpPr>
+        <p:spPr>
+          <a:xfrm>
+            <a:off x="573088" y="1336675"/>
+            <a:ext cx="6411912" cy="3606800"/>
+          </a:xfrm>
+          <a:prstGeom prst="rect">
+            <a:avLst/>
+          </a:prstGeom>
+          <a:ln w="0">
+            <a:noFill/>
+          </a:ln>
+        </p:spPr>
+      </p:sp>
+      <p:sp>
+        <p:nvSpPr>
+          <p:cNvPr id="234" name="PlaceHolder 2"/>
+          <p:cNvSpPr>
+            <a:spLocks noGrp="1"/>
+          </p:cNvSpPr>
+          <p:nvPr>
+            <p:ph type="body"/>
+          </p:nvPr>
+        </p:nvSpPr>
+        <p:spPr>
+          <a:xfrm>
+            <a:off x="755640" y="5145120"/>
+            <a:ext cx="6046560" cy="4208400"/>
+          </a:xfrm>
+          <a:prstGeom prst="rect">
+            <a:avLst/>
+          </a:prstGeom>
+          <a:noFill/>
+          <a:ln w="0">
+            <a:noFill/>
+          </a:ln>
+        </p:spPr>
+        <p:txBody>
+          <a:bodyPr lIns="0" tIns="0" rIns="0" bIns="0" anchor="t">
+            <a:noAutofit/>
+          </a:bodyPr>
+          <a:lstStyle/>
+          <a:p>
+            <a:endParaRPr lang="it-IT" sz="2000" b="0" strike="noStrike" spc="-1">
+              <a:latin typeface="Arial"/>
+            </a:endParaRPr>
+          </a:p>
+        </p:txBody>
+      </p:sp>
+      <p:sp>
+        <p:nvSpPr>
+          <p:cNvPr id="235" name="CustomShape 3"/>
+          <p:cNvSpPr/>
+          <p:nvPr/>
+        </p:nvSpPr>
+        <p:spPr>
+          <a:xfrm>
+            <a:off x="4281480" y="10155240"/>
+            <a:ext cx="3274920" cy="534600"/>
+          </a:xfrm>
+          <a:prstGeom prst="rect">
+            <a:avLst/>
+          </a:prstGeom>
+          <a:noFill/>
+          <a:ln w="0">
+            <a:noFill/>
+          </a:ln>
+        </p:spPr>
+        <p:style>
+          <a:lnRef idx="0">
+            <a:scrgbClr r="0" g="0" b="0"/>
+          </a:lnRef>
+          <a:fillRef idx="0">
+            <a:scrgbClr r="0" g="0" b="0"/>
+          </a:fillRef>
+          <a:effectRef idx="0">
+            <a:scrgbClr r="0" g="0" b="0"/>
+          </a:effectRef>
+          <a:fontRef idx="minor"/>
+        </p:style>
+        <p:txBody>
+          <a:bodyPr lIns="90000" tIns="45000" rIns="90000" bIns="45000" anchor="b">
+            <a:noAutofit/>
+          </a:bodyPr>
+          <a:lstStyle/>
+          <a:p>
+            <a:pPr algn="r">
+              <a:lnSpc>
+                <a:spcPct val="100000"/>
+              </a:lnSpc>
+            </a:pPr>
+            <a:fld id="{773A8D42-CB83-43D6-9316-9F0F60C111E8}" type="slidenum">
+              <a:rPr lang="it-IT" sz="1200" b="0" strike="noStrike" spc="-1">
+                <a:solidFill>
+                  <a:srgbClr val="000000"/>
+                </a:solidFill>
+                <a:latin typeface="Times New Roman"/>
+              </a:rPr>
+              <a:t>9</a:t>
+            </a:fld>
+            <a:endParaRPr lang="it-IT" sz="1200" b="0" strike="noStrike" spc="-1">
+              <a:latin typeface="Arial"/>
+            </a:endParaRPr>
+          </a:p>
+        </p:txBody>
+      </p:sp>
+    </p:spTree>
+    <p:extLst>
+      <p:ext uri="{BB962C8B-B14F-4D97-AF65-F5344CB8AC3E}">
         <p14:creationId xmlns:p14="http://schemas.microsoft.com/office/powerpoint/2010/main" val="757419931"/>
+      </p:ext>
+    </p:extLst>
+  </p:cSld>
+  <p:clrMapOvr>
+    <a:masterClrMapping/>
+  </p:clrMapOvr>
+</p:notes>
+</file>
+
+<file path=ppt/notesSlides/notesSlide5.xml><?xml version="1.0" encoding="utf-8"?>
+<p:notes xmlns:a="http://schemas.openxmlformats.org/drawingml/2006/main" xmlns:r="http://schemas.openxmlformats.org/officeDocument/2006/relationships" xmlns:p="http://schemas.openxmlformats.org/presentationml/2006/main">
+  <p:cSld>
+    <p:spTree>
+      <p:nvGrpSpPr>
+        <p:cNvPr id="1" name=""/>
+        <p:cNvGrpSpPr/>
+        <p:nvPr/>
+      </p:nvGrpSpPr>
+      <p:grpSpPr>
+        <a:xfrm>
+          <a:off x="0" y="0"/>
+          <a:ext cx="0" cy="0"/>
+          <a:chOff x="0" y="0"/>
+          <a:chExt cx="0" cy="0"/>
+        </a:xfrm>
+      </p:grpSpPr>
+      <p:sp>
+        <p:nvSpPr>
+          <p:cNvPr id="2" name="Segnaposto immagine diapositiva 1"/>
+          <p:cNvSpPr>
+            <a:spLocks noGrp="1" noRot="1" noChangeAspect="1"/>
+          </p:cNvSpPr>
+          <p:nvPr>
+            <p:ph type="sldImg"/>
+          </p:nvPr>
+        </p:nvSpPr>
+        <p:spPr>
+          <a:xfrm>
+            <a:off x="217488" y="812800"/>
+            <a:ext cx="7124700" cy="4008438"/>
+          </a:xfrm>
+        </p:spPr>
+      </p:sp>
+      <p:sp>
+        <p:nvSpPr>
+          <p:cNvPr id="3" name="Segnaposto note 2"/>
+          <p:cNvSpPr>
+            <a:spLocks noGrp="1"/>
+          </p:cNvSpPr>
+          <p:nvPr>
+            <p:ph type="body" idx="1"/>
+          </p:nvPr>
+        </p:nvSpPr>
+        <p:spPr/>
+        <p:txBody>
+          <a:bodyPr/>
+          <a:lstStyle/>
+          <a:p>
+            <a:endParaRPr lang="it-IT" dirty="0"/>
+          </a:p>
+        </p:txBody>
+      </p:sp>
+      <p:sp>
+        <p:nvSpPr>
+          <p:cNvPr id="4" name="Segnaposto numero diapositiva 3"/>
+          <p:cNvSpPr>
+            <a:spLocks noGrp="1"/>
+          </p:cNvSpPr>
+          <p:nvPr>
+            <p:ph type="sldNum"/>
+          </p:nvPr>
+        </p:nvSpPr>
+        <p:spPr/>
+        <p:txBody>
+          <a:bodyPr/>
+          <a:lstStyle/>
+          <a:p>
+            <a:pPr algn="r"/>
+            <a:fld id="{1E16F4BD-C5C6-48F1-9C49-4F1CFA4D679F}" type="slidenum">
+              <a:rPr lang="it-IT" sz="1400" b="0" strike="noStrike" spc="-1" smtClean="0">
+                <a:latin typeface="Times New Roman"/>
+              </a:rPr>
+              <a:t>20</a:t>
+            </a:fld>
+            <a:endParaRPr lang="it-IT" sz="1400" b="0" strike="noStrike" spc="-1">
+              <a:latin typeface="Times New Roman"/>
+            </a:endParaRPr>
+          </a:p>
+        </p:txBody>
+      </p:sp>
+    </p:spTree>
+    <p:extLst>
+      <p:ext uri="{BB962C8B-B14F-4D97-AF65-F5344CB8AC3E}">
+        <p14:creationId xmlns:p14="http://schemas.microsoft.com/office/powerpoint/2010/main" val="2558257631"/>
       </p:ext>
     </p:extLst>
   </p:cSld>
@@ -7367,64 +7608,6 @@
       </p:sp>
       <p:sp>
         <p:nvSpPr>
-          <p:cNvPr id="84" name="CustomShape 5"/>
-          <p:cNvSpPr/>
-          <p:nvPr/>
-        </p:nvSpPr>
-        <p:spPr>
-          <a:xfrm>
-            <a:off x="0" y="6492240"/>
-            <a:ext cx="455760" cy="363960"/>
-          </a:xfrm>
-          <a:prstGeom prst="rect">
-            <a:avLst/>
-          </a:prstGeom>
-          <a:noFill/>
-          <a:ln w="0">
-            <a:noFill/>
-          </a:ln>
-        </p:spPr>
-        <p:style>
-          <a:lnRef idx="0">
-            <a:scrgbClr r="0" g="0" b="0"/>
-          </a:lnRef>
-          <a:fillRef idx="0">
-            <a:scrgbClr r="0" g="0" b="0"/>
-          </a:fillRef>
-          <a:effectRef idx="0">
-            <a:scrgbClr r="0" g="0" b="0"/>
-          </a:effectRef>
-          <a:fontRef idx="minor"/>
-        </p:style>
-        <p:txBody>
-          <a:bodyPr lIns="90000" tIns="45000" rIns="90000" bIns="45000" anchor="t">
-            <a:spAutoFit/>
-          </a:bodyPr>
-          <a:lstStyle/>
-          <a:p>
-            <a:pPr>
-              <a:lnSpc>
-                <a:spcPct val="100000"/>
-              </a:lnSpc>
-            </a:pPr>
-            <a:r>
-              <a:rPr lang="it-IT" sz="1800" b="0" strike="noStrike" spc="-1">
-                <a:solidFill>
-                  <a:srgbClr val="000000"/>
-                </a:solidFill>
-                <a:latin typeface="Calibri"/>
-                <a:ea typeface="DejaVu Sans"/>
-              </a:rPr>
-              <a:t>1</a:t>
-            </a:r>
-            <a:endParaRPr lang="it-IT" sz="1800" b="0" strike="noStrike" spc="-1">
-              <a:latin typeface="Arial"/>
-            </a:endParaRPr>
-          </a:p>
-        </p:txBody>
-      </p:sp>
-      <p:sp>
-        <p:nvSpPr>
           <p:cNvPr id="85" name="Rettangolo 84"/>
           <p:cNvSpPr/>
           <p:nvPr/>
@@ -7659,12 +7842,48 @@
       </p:grpSpPr>
       <p:pic>
         <p:nvPicPr>
+          <p:cNvPr id="5" name="Immagine 4">
+            <a:extLst>
+              <a:ext uri="{FF2B5EF4-FFF2-40B4-BE49-F238E27FC236}">
+                <a16:creationId xmlns:a16="http://schemas.microsoft.com/office/drawing/2014/main" id="{5C5CE8B5-F40B-4E9E-BAD6-82C776F9BC5E}"/>
+              </a:ext>
+            </a:extLst>
+          </p:cNvPr>
+          <p:cNvPicPr>
+            <a:picLocks noChangeAspect="1"/>
+          </p:cNvPicPr>
+          <p:nvPr/>
+        </p:nvPicPr>
+        <p:blipFill>
+          <a:blip r:embed="rId2" cstate="print">
+            <a:extLst>
+              <a:ext uri="{28A0092B-C50C-407E-A947-70E740481C1C}">
+                <a14:useLocalDpi xmlns:a14="http://schemas.microsoft.com/office/drawing/2010/main" val="0"/>
+              </a:ext>
+            </a:extLst>
+          </a:blip>
+          <a:stretch>
+            <a:fillRect/>
+          </a:stretch>
+        </p:blipFill>
+        <p:spPr>
+          <a:xfrm rot="19140000" flipH="1" flipV="1">
+            <a:off x="5551064" y="2081157"/>
+            <a:ext cx="1571984" cy="1415559"/>
+          </a:xfrm>
+          <a:prstGeom prst="rect">
+            <a:avLst/>
+          </a:prstGeom>
+        </p:spPr>
+      </p:pic>
+      <p:pic>
+        <p:nvPicPr>
           <p:cNvPr id="179" name="Immagine 19"/>
           <p:cNvPicPr/>
           <p:nvPr/>
         </p:nvPicPr>
         <p:blipFill>
-          <a:blip r:embed="rId2"/>
+          <a:blip r:embed="rId3"/>
           <a:srcRect r="2174" b="31141"/>
           <a:stretch/>
         </p:blipFill>
@@ -7724,15 +7943,752 @@
               </a:lnSpc>
             </a:pPr>
             <a:r>
-              <a:rPr lang="it-IT" spc="-1">
+              <a:rPr lang="en-US" sz="1800" b="0" strike="noStrike" spc="-1" dirty="0">
                 <a:solidFill>
                   <a:srgbClr val="000000"/>
                 </a:solidFill>
                 <a:latin typeface="Calibri"/>
               </a:rPr>
-              <a:t>10</a:t>
+              <a:t>1</a:t>
+            </a:r>
+            <a:r>
+              <a:rPr lang="it-IT" sz="1800" b="0" strike="noStrike" spc="-1" dirty="0">
+                <a:solidFill>
+                  <a:srgbClr val="000000"/>
+                </a:solidFill>
+                <a:latin typeface="Calibri"/>
+              </a:rPr>
+              <a:t>0</a:t>
+            </a:r>
+            <a:endParaRPr lang="it-IT" sz="1800" b="0" strike="noStrike" spc="-1" dirty="0">
+              <a:latin typeface="Calibri"/>
+            </a:endParaRPr>
+          </a:p>
+        </p:txBody>
+      </p:sp>
+      <p:sp>
+        <p:nvSpPr>
+          <p:cNvPr id="181" name="CustomShape 2"/>
+          <p:cNvSpPr/>
+          <p:nvPr/>
+        </p:nvSpPr>
+        <p:spPr>
+          <a:xfrm>
+            <a:off x="7854480" y="475920"/>
+            <a:ext cx="2230560" cy="911520"/>
+          </a:xfrm>
+          <a:prstGeom prst="rect">
+            <a:avLst/>
+          </a:prstGeom>
+          <a:noFill/>
+          <a:ln w="0">
+            <a:noFill/>
+          </a:ln>
+        </p:spPr>
+        <p:style>
+          <a:lnRef idx="0">
+            <a:scrgbClr r="0" g="0" b="0"/>
+          </a:lnRef>
+          <a:fillRef idx="0">
+            <a:scrgbClr r="0" g="0" b="0"/>
+          </a:fillRef>
+          <a:effectRef idx="0">
+            <a:scrgbClr r="0" g="0" b="0"/>
+          </a:effectRef>
+          <a:fontRef idx="minor"/>
+        </p:style>
+      </p:sp>
+      <p:sp>
+        <p:nvSpPr>
+          <p:cNvPr id="182" name="CustomShape 3"/>
+          <p:cNvSpPr/>
+          <p:nvPr/>
+        </p:nvSpPr>
+        <p:spPr>
+          <a:xfrm>
+            <a:off x="1239120" y="149760"/>
+            <a:ext cx="4602960" cy="759960"/>
+          </a:xfrm>
+          <a:prstGeom prst="rect">
+            <a:avLst/>
+          </a:prstGeom>
+          <a:noFill/>
+          <a:ln w="0">
+            <a:noFill/>
+          </a:ln>
+        </p:spPr>
+        <p:style>
+          <a:lnRef idx="0">
+            <a:scrgbClr r="0" g="0" b="0"/>
+          </a:lnRef>
+          <a:fillRef idx="0">
+            <a:scrgbClr r="0" g="0" b="0"/>
+          </a:fillRef>
+          <a:effectRef idx="0">
+            <a:scrgbClr r="0" g="0" b="0"/>
+          </a:effectRef>
+          <a:fontRef idx="minor"/>
+        </p:style>
+        <p:txBody>
+          <a:bodyPr lIns="90000" tIns="45000" rIns="90000" bIns="45000" anchor="t" anchorCtr="1">
+            <a:spAutoFit/>
+          </a:bodyPr>
+          <a:lstStyle/>
+          <a:p>
+            <a:pPr algn="ctr">
+              <a:lnSpc>
+                <a:spcPct val="100000"/>
+              </a:lnSpc>
+            </a:pPr>
+            <a:r>
+              <a:rPr lang="it-IT" sz="4400" b="1" strike="noStrike" spc="-1">
+                <a:solidFill>
+                  <a:srgbClr val="000000"/>
+                </a:solidFill>
+                <a:latin typeface="Calibri"/>
+                <a:ea typeface="DejaVu Sans"/>
+              </a:rPr>
+              <a:t>Informazioni</a:t>
+            </a:r>
+            <a:endParaRPr lang="it-IT" sz="4400" b="0" strike="noStrike" spc="-1">
+              <a:latin typeface="Arial"/>
+            </a:endParaRPr>
+          </a:p>
+        </p:txBody>
+      </p:sp>
+      <p:pic>
+        <p:nvPicPr>
+          <p:cNvPr id="183" name="Immagine 182"/>
+          <p:cNvPicPr/>
+          <p:nvPr/>
+        </p:nvPicPr>
+        <p:blipFill>
+          <a:blip r:embed="rId4"/>
+          <a:stretch/>
+        </p:blipFill>
+        <p:spPr>
+          <a:xfrm>
+            <a:off x="5755680" y="905040"/>
+            <a:ext cx="1161360" cy="649800"/>
+          </a:xfrm>
+          <a:prstGeom prst="rect">
+            <a:avLst/>
+          </a:prstGeom>
+          <a:ln w="0">
+            <a:noFill/>
+          </a:ln>
+        </p:spPr>
+      </p:pic>
+      <p:pic>
+        <p:nvPicPr>
+          <p:cNvPr id="184" name="Immagine 7"/>
+          <p:cNvPicPr/>
+          <p:nvPr/>
+        </p:nvPicPr>
+        <p:blipFill>
+          <a:blip r:embed="rId5"/>
+          <a:stretch/>
+        </p:blipFill>
+        <p:spPr>
+          <a:xfrm>
+            <a:off x="5724000" y="1555920"/>
+            <a:ext cx="1193040" cy="894240"/>
+          </a:xfrm>
+          <a:prstGeom prst="rect">
+            <a:avLst/>
+          </a:prstGeom>
+          <a:ln w="0">
+            <a:noFill/>
+          </a:ln>
+        </p:spPr>
+      </p:pic>
+      <p:pic>
+        <p:nvPicPr>
+          <p:cNvPr id="185" name="Immagine 7"/>
+          <p:cNvPicPr/>
+          <p:nvPr/>
+        </p:nvPicPr>
+        <p:blipFill>
+          <a:blip r:embed="rId5"/>
+          <a:stretch/>
+        </p:blipFill>
+        <p:spPr>
+          <a:xfrm>
+            <a:off x="1823525" y="1537439"/>
+            <a:ext cx="1193040" cy="894240"/>
+          </a:xfrm>
+          <a:prstGeom prst="rect">
+            <a:avLst/>
+          </a:prstGeom>
+          <a:ln w="0">
+            <a:noFill/>
+          </a:ln>
+        </p:spPr>
+      </p:pic>
+      <p:pic>
+        <p:nvPicPr>
+          <p:cNvPr id="186" name="Immagine 7"/>
+          <p:cNvPicPr/>
+          <p:nvPr/>
+        </p:nvPicPr>
+        <p:blipFill>
+          <a:blip r:embed="rId5"/>
+          <a:stretch/>
+        </p:blipFill>
+        <p:spPr>
+          <a:xfrm>
+            <a:off x="9828000" y="1555920"/>
+            <a:ext cx="1193040" cy="894240"/>
+          </a:xfrm>
+          <a:prstGeom prst="rect">
+            <a:avLst/>
+          </a:prstGeom>
+          <a:ln w="0">
+            <a:noFill/>
+          </a:ln>
+        </p:spPr>
+      </p:pic>
+      <p:sp>
+        <p:nvSpPr>
+          <p:cNvPr id="189" name="TextShape 6"/>
+          <p:cNvSpPr/>
+          <p:nvPr/>
+        </p:nvSpPr>
+        <p:spPr>
+          <a:xfrm>
+            <a:off x="1980000" y="2491920"/>
+            <a:ext cx="1265040" cy="363960"/>
+          </a:xfrm>
+          <a:prstGeom prst="rect">
+            <a:avLst/>
+          </a:prstGeom>
+          <a:noFill/>
+          <a:ln w="0">
+            <a:noFill/>
+          </a:ln>
+        </p:spPr>
+        <p:style>
+          <a:lnRef idx="0">
+            <a:scrgbClr r="0" g="0" b="0"/>
+          </a:lnRef>
+          <a:fillRef idx="0">
+            <a:scrgbClr r="0" g="0" b="0"/>
+          </a:fillRef>
+          <a:effectRef idx="0">
+            <a:scrgbClr r="0" g="0" b="0"/>
+          </a:effectRef>
+          <a:fontRef idx="minor"/>
+        </p:style>
+        <p:txBody>
+          <a:bodyPr lIns="90000" tIns="45000" rIns="90000" bIns="45000" anchor="t">
+            <a:spAutoFit/>
+          </a:bodyPr>
+          <a:lstStyle/>
+          <a:p>
+            <a:pPr>
+              <a:lnSpc>
+                <a:spcPct val="100000"/>
+              </a:lnSpc>
+            </a:pPr>
+            <a:r>
+              <a:rPr lang="it-IT" sz="1800" b="0" strike="noStrike" spc="-1">
+                <a:solidFill>
+                  <a:srgbClr val="000000"/>
+                </a:solidFill>
+                <a:latin typeface="Arial"/>
+                <a:ea typeface="DejaVu Sans"/>
+              </a:rPr>
+              <a:t>START</a:t>
             </a:r>
             <a:endParaRPr lang="it-IT" sz="1800" b="0" strike="noStrike" spc="-1">
+              <a:latin typeface="Arial"/>
+            </a:endParaRPr>
+          </a:p>
+        </p:txBody>
+      </p:sp>
+      <p:sp>
+        <p:nvSpPr>
+          <p:cNvPr id="190" name="TextShape 7"/>
+          <p:cNvSpPr/>
+          <p:nvPr/>
+        </p:nvSpPr>
+        <p:spPr>
+          <a:xfrm>
+            <a:off x="5757092" y="2602093"/>
+            <a:ext cx="1193040" cy="363960"/>
+          </a:xfrm>
+          <a:prstGeom prst="rect">
+            <a:avLst/>
+          </a:prstGeom>
+          <a:noFill/>
+          <a:ln w="0">
+            <a:noFill/>
+          </a:ln>
+        </p:spPr>
+        <p:style>
+          <a:lnRef idx="0">
+            <a:scrgbClr r="0" g="0" b="0"/>
+          </a:lnRef>
+          <a:fillRef idx="0">
+            <a:scrgbClr r="0" g="0" b="0"/>
+          </a:fillRef>
+          <a:effectRef idx="0">
+            <a:scrgbClr r="0" g="0" b="0"/>
+          </a:effectRef>
+          <a:fontRef idx="minor"/>
+        </p:style>
+        <p:txBody>
+          <a:bodyPr lIns="90000" tIns="45000" rIns="90000" bIns="45000" anchor="t">
+            <a:spAutoFit/>
+          </a:bodyPr>
+          <a:lstStyle/>
+          <a:p>
+            <a:pPr>
+              <a:lnSpc>
+                <a:spcPct val="100000"/>
+              </a:lnSpc>
+            </a:pPr>
+            <a:r>
+              <a:rPr lang="it-IT" sz="1800" b="0" strike="noStrike" spc="-1">
+                <a:solidFill>
+                  <a:srgbClr val="000000"/>
+                </a:solidFill>
+                <a:latin typeface="Arial"/>
+                <a:ea typeface="DejaVu Sans"/>
+              </a:rPr>
+              <a:t>STAND</a:t>
+            </a:r>
+            <a:endParaRPr lang="it-IT" sz="1800" b="0" strike="noStrike" spc="-1">
+              <a:latin typeface="Arial"/>
+            </a:endParaRPr>
+          </a:p>
+        </p:txBody>
+      </p:sp>
+      <p:sp>
+        <p:nvSpPr>
+          <p:cNvPr id="191" name="TextShape 8"/>
+          <p:cNvSpPr/>
+          <p:nvPr/>
+        </p:nvSpPr>
+        <p:spPr>
+          <a:xfrm>
+            <a:off x="10014120" y="2347920"/>
+            <a:ext cx="1294920" cy="363960"/>
+          </a:xfrm>
+          <a:prstGeom prst="rect">
+            <a:avLst/>
+          </a:prstGeom>
+          <a:noFill/>
+          <a:ln w="0">
+            <a:noFill/>
+          </a:ln>
+        </p:spPr>
+        <p:style>
+          <a:lnRef idx="0">
+            <a:scrgbClr r="0" g="0" b="0"/>
+          </a:lnRef>
+          <a:fillRef idx="0">
+            <a:scrgbClr r="0" g="0" b="0"/>
+          </a:fillRef>
+          <a:effectRef idx="0">
+            <a:scrgbClr r="0" g="0" b="0"/>
+          </a:effectRef>
+          <a:fontRef idx="minor"/>
+        </p:style>
+        <p:txBody>
+          <a:bodyPr lIns="90000" tIns="45000" rIns="90000" bIns="45000" anchor="t">
+            <a:spAutoFit/>
+          </a:bodyPr>
+          <a:lstStyle/>
+          <a:p>
+            <a:pPr>
+              <a:lnSpc>
+                <a:spcPct val="100000"/>
+              </a:lnSpc>
+            </a:pPr>
+            <a:r>
+              <a:rPr lang="it-IT" sz="1800" b="0" strike="noStrike" spc="-1">
+                <a:solidFill>
+                  <a:srgbClr val="000000"/>
+                </a:solidFill>
+                <a:latin typeface="Arial"/>
+                <a:ea typeface="DejaVu Sans"/>
+              </a:rPr>
+              <a:t>END</a:t>
+            </a:r>
+            <a:endParaRPr lang="it-IT" sz="1800" b="0" strike="noStrike" spc="-1">
+              <a:latin typeface="Arial"/>
+            </a:endParaRPr>
+          </a:p>
+        </p:txBody>
+      </p:sp>
+      <p:sp>
+        <p:nvSpPr>
+          <p:cNvPr id="194" name="Rettangolo 193"/>
+          <p:cNvSpPr/>
+          <p:nvPr/>
+        </p:nvSpPr>
+        <p:spPr>
+          <a:xfrm>
+            <a:off x="1935929" y="3769393"/>
+            <a:ext cx="7019640" cy="2612687"/>
+          </a:xfrm>
+          <a:prstGeom prst="rect">
+            <a:avLst/>
+          </a:prstGeom>
+          <a:noFill/>
+          <a:ln w="0">
+            <a:noFill/>
+          </a:ln>
+        </p:spPr>
+        <p:style>
+          <a:lnRef idx="0">
+            <a:scrgbClr r="0" g="0" b="0"/>
+          </a:lnRef>
+          <a:fillRef idx="0">
+            <a:scrgbClr r="0" g="0" b="0"/>
+          </a:fillRef>
+          <a:effectRef idx="0">
+            <a:scrgbClr r="0" g="0" b="0"/>
+          </a:effectRef>
+          <a:fontRef idx="minor"/>
+        </p:style>
+        <p:txBody>
+          <a:bodyPr lIns="90000" tIns="45000" rIns="90000" bIns="45000" anchor="t">
+            <a:noAutofit/>
+          </a:bodyPr>
+          <a:lstStyle/>
+          <a:p>
+            <a:pPr>
+              <a:lnSpc>
+                <a:spcPct val="100000"/>
+              </a:lnSpc>
+            </a:pPr>
+            <a:r>
+              <a:rPr lang="it-IT" sz="1800" b="0" strike="noStrike" spc="-1" dirty="0">
+                <a:latin typeface="Arial"/>
+              </a:rPr>
+              <a:t>I dati raccolti vengono salvati utilizzando la modalità centralizzata</a:t>
+            </a:r>
+          </a:p>
+          <a:p>
+            <a:pPr>
+              <a:lnSpc>
+                <a:spcPct val="100000"/>
+              </a:lnSpc>
+            </a:pPr>
+            <a:endParaRPr lang="it-IT" sz="1800" b="0" strike="noStrike" spc="-1" dirty="0">
+              <a:latin typeface="Arial"/>
+            </a:endParaRPr>
+          </a:p>
+          <a:p>
+            <a:pPr>
+              <a:lnSpc>
+                <a:spcPct val="100000"/>
+              </a:lnSpc>
+            </a:pPr>
+            <a:r>
+              <a:rPr lang="it-IT" sz="1800" b="0" strike="noStrike" spc="-1" dirty="0">
+                <a:latin typeface="Arial"/>
+              </a:rPr>
+              <a:t>I dati corrispondono ad una Tratta effettuata da:</a:t>
+            </a:r>
+          </a:p>
+          <a:p>
+            <a:pPr marL="215900" indent="-215900">
+              <a:buClr>
+                <a:srgbClr val="000000"/>
+              </a:buClr>
+              <a:buSzPct val="45000"/>
+              <a:buFont typeface="Wingdings" charset="2"/>
+              <a:buChar char=""/>
+            </a:pPr>
+            <a:r>
+              <a:rPr lang="it-IT" sz="1800" b="0" strike="noStrike" spc="-1" dirty="0">
+                <a:latin typeface="Arial"/>
+              </a:rPr>
+              <a:t>Un utente</a:t>
+            </a:r>
+            <a:r>
+              <a:rPr lang="it-IT" spc="-1" dirty="0">
+                <a:latin typeface="Arial"/>
+              </a:rPr>
+              <a:t> </a:t>
+            </a:r>
+            <a:r>
+              <a:rPr lang="it-IT" sz="1800" b="0" strike="noStrike" spc="-1" dirty="0">
+                <a:latin typeface="Arial"/>
+              </a:rPr>
+              <a:t>/ </a:t>
+            </a:r>
+            <a:r>
+              <a:rPr lang="it-IT" spc="-1" dirty="0">
+                <a:latin typeface="Arial"/>
+              </a:rPr>
+              <a:t>dipendente</a:t>
+            </a:r>
+            <a:endParaRPr lang="it-IT" sz="1800" b="0" strike="noStrike" spc="-1" dirty="0">
+              <a:latin typeface="Arial"/>
+            </a:endParaRPr>
+          </a:p>
+          <a:p>
+            <a:pPr marL="215900" indent="-215900">
+              <a:lnSpc>
+                <a:spcPct val="100000"/>
+              </a:lnSpc>
+              <a:buClr>
+                <a:srgbClr val="000000"/>
+              </a:buClr>
+              <a:buSzPct val="45000"/>
+              <a:buFont typeface="Wingdings" charset="2"/>
+              <a:buChar char=""/>
+            </a:pPr>
+            <a:r>
+              <a:rPr lang="it-IT" sz="1800" b="0" strike="noStrike" spc="-1" dirty="0">
+                <a:latin typeface="Arial"/>
+              </a:rPr>
+              <a:t>Un determinato veicolo</a:t>
+            </a:r>
+          </a:p>
+          <a:p>
+            <a:pPr marL="215900" indent="-215900">
+              <a:buClr>
+                <a:srgbClr val="000000"/>
+              </a:buClr>
+              <a:buSzPct val="45000"/>
+              <a:buFont typeface="Wingdings" charset="2"/>
+              <a:buChar char=""/>
+            </a:pPr>
+            <a:r>
+              <a:rPr lang="it-IT" sz="1800" b="0" strike="noStrike" spc="-1" dirty="0">
+                <a:latin typeface="Arial"/>
+              </a:rPr>
+              <a:t>Varie Fermate</a:t>
+            </a:r>
+            <a:r>
+              <a:rPr lang="it-IT" spc="-1" dirty="0">
+                <a:latin typeface="Arial"/>
+              </a:rPr>
+              <a:t> </a:t>
+            </a:r>
+            <a:r>
+              <a:rPr lang="it-IT" sz="1800" b="0" strike="noStrike" spc="-1" dirty="0">
+                <a:latin typeface="Arial"/>
+              </a:rPr>
+              <a:t>/ Stand</a:t>
+            </a:r>
+          </a:p>
+          <a:p>
+            <a:pPr marL="215900" indent="-215900">
+              <a:buClr>
+                <a:srgbClr val="000000"/>
+              </a:buClr>
+              <a:buSzPct val="45000"/>
+              <a:buFont typeface="Wingdings" charset="2"/>
+              <a:buChar char=""/>
+            </a:pPr>
+            <a:endParaRPr lang="it-IT" spc="-1" dirty="0">
+              <a:latin typeface="Arial"/>
+            </a:endParaRPr>
+          </a:p>
+          <a:p>
+            <a:pPr>
+              <a:buClr>
+                <a:srgbClr val="000000"/>
+              </a:buClr>
+              <a:buSzPct val="45000"/>
+            </a:pPr>
+            <a:r>
+              <a:rPr lang="it-IT" sz="1800" b="0" strike="noStrike" spc="-1" dirty="0">
+                <a:latin typeface="Arial"/>
+              </a:rPr>
+              <a:t>Più tratte sono raggruppate da un medesimo identificativo chiamato ID </a:t>
+            </a:r>
+            <a:r>
+              <a:rPr lang="it-IT" sz="1800" b="0" strike="noStrike" spc="-1" dirty="0" err="1">
+                <a:latin typeface="Arial"/>
+              </a:rPr>
+              <a:t>Hash</a:t>
+            </a:r>
+            <a:endParaRPr lang="it-IT" sz="1800" b="0" strike="noStrike" spc="-1" dirty="0">
+              <a:latin typeface="Arial"/>
+            </a:endParaRPr>
+          </a:p>
+        </p:txBody>
+      </p:sp>
+      <p:pic>
+        <p:nvPicPr>
+          <p:cNvPr id="20" name="Immagine 19">
+            <a:extLst>
+              <a:ext uri="{FF2B5EF4-FFF2-40B4-BE49-F238E27FC236}">
+                <a16:creationId xmlns:a16="http://schemas.microsoft.com/office/drawing/2014/main" id="{6D640CF1-71CB-45C5-879B-D35B190DA269}"/>
+              </a:ext>
+            </a:extLst>
+          </p:cNvPr>
+          <p:cNvPicPr>
+            <a:picLocks noChangeAspect="1"/>
+          </p:cNvPicPr>
+          <p:nvPr/>
+        </p:nvPicPr>
+        <p:blipFill>
+          <a:blip r:embed="rId6" cstate="print">
+            <a:extLst>
+              <a:ext uri="{28A0092B-C50C-407E-A947-70E740481C1C}">
+                <a14:useLocalDpi xmlns:a14="http://schemas.microsoft.com/office/drawing/2010/main" val="0"/>
+              </a:ext>
+            </a:extLst>
+          </a:blip>
+          <a:stretch>
+            <a:fillRect/>
+          </a:stretch>
+        </p:blipFill>
+        <p:spPr>
+          <a:xfrm>
+            <a:off x="7062119" y="1637712"/>
+            <a:ext cx="2589068" cy="891042"/>
+          </a:xfrm>
+          <a:prstGeom prst="rect">
+            <a:avLst/>
+          </a:prstGeom>
+        </p:spPr>
+      </p:pic>
+      <p:pic>
+        <p:nvPicPr>
+          <p:cNvPr id="18" name="Immagine 17">
+            <a:extLst>
+              <a:ext uri="{FF2B5EF4-FFF2-40B4-BE49-F238E27FC236}">
+                <a16:creationId xmlns:a16="http://schemas.microsoft.com/office/drawing/2014/main" id="{0306DD27-7214-4FCF-9AB9-737B378FA789}"/>
+              </a:ext>
+            </a:extLst>
+          </p:cNvPr>
+          <p:cNvPicPr>
+            <a:picLocks noChangeAspect="1"/>
+          </p:cNvPicPr>
+          <p:nvPr/>
+        </p:nvPicPr>
+        <p:blipFill>
+          <a:blip r:embed="rId6" cstate="print">
+            <a:extLst>
+              <a:ext uri="{28A0092B-C50C-407E-A947-70E740481C1C}">
+                <a14:useLocalDpi xmlns:a14="http://schemas.microsoft.com/office/drawing/2010/main" val="0"/>
+              </a:ext>
+            </a:extLst>
+          </a:blip>
+          <a:stretch>
+            <a:fillRect/>
+          </a:stretch>
+        </p:blipFill>
+        <p:spPr>
+          <a:xfrm>
+            <a:off x="3085457" y="1603496"/>
+            <a:ext cx="2589068" cy="891042"/>
+          </a:xfrm>
+          <a:prstGeom prst="rect">
+            <a:avLst/>
+          </a:prstGeom>
+        </p:spPr>
+      </p:pic>
+    </p:spTree>
+  </p:cSld>
+  <p:clrMapOvr>
+    <a:masterClrMapping/>
+  </p:clrMapOvr>
+</p:sld>
+</file>
+
+<file path=ppt/slides/slide11.xml><?xml version="1.0" encoding="utf-8"?>
+<p:sld xmlns:a="http://schemas.openxmlformats.org/drawingml/2006/main" xmlns:r="http://schemas.openxmlformats.org/officeDocument/2006/relationships" xmlns:p="http://schemas.openxmlformats.org/presentationml/2006/main">
+  <p:cSld>
+    <p:spTree>
+      <p:nvGrpSpPr>
+        <p:cNvPr id="1" name=""/>
+        <p:cNvGrpSpPr/>
+        <p:nvPr/>
+      </p:nvGrpSpPr>
+      <p:grpSpPr>
+        <a:xfrm>
+          <a:off x="0" y="0"/>
+          <a:ext cx="0" cy="0"/>
+          <a:chOff x="0" y="0"/>
+          <a:chExt cx="0" cy="0"/>
+        </a:xfrm>
+      </p:grpSpPr>
+      <p:pic>
+        <p:nvPicPr>
+          <p:cNvPr id="179" name="Immagine 19"/>
+          <p:cNvPicPr/>
+          <p:nvPr/>
+        </p:nvPicPr>
+        <p:blipFill>
+          <a:blip r:embed="rId2"/>
+          <a:srcRect r="2174" b="31141"/>
+          <a:stretch/>
+        </p:blipFill>
+        <p:spPr>
+          <a:xfrm rot="5400000" flipH="1">
+            <a:off x="-2368440" y="2372760"/>
+            <a:ext cx="6855840" cy="2114640"/>
+          </a:xfrm>
+          <a:prstGeom prst="rect">
+            <a:avLst/>
+          </a:prstGeom>
+          <a:ln w="0">
+            <a:noFill/>
+          </a:ln>
+        </p:spPr>
+      </p:pic>
+      <p:sp>
+        <p:nvSpPr>
+          <p:cNvPr id="180" name="CustomShape 1"/>
+          <p:cNvSpPr/>
+          <p:nvPr/>
+        </p:nvSpPr>
+        <p:spPr>
+          <a:xfrm>
+            <a:off x="0" y="6492240"/>
+            <a:ext cx="455760" cy="367878"/>
+          </a:xfrm>
+          <a:prstGeom prst="rect">
+            <a:avLst/>
+          </a:prstGeom>
+          <a:noFill/>
+          <a:ln w="0">
+            <a:noFill/>
+          </a:ln>
+        </p:spPr>
+        <p:style>
+          <a:lnRef idx="0">
+            <a:scrgbClr r="0" g="0" b="0"/>
+          </a:lnRef>
+          <a:fillRef idx="0">
+            <a:scrgbClr r="0" g="0" b="0"/>
+          </a:fillRef>
+          <a:effectRef idx="0">
+            <a:scrgbClr r="0" g="0" b="0"/>
+          </a:effectRef>
+          <a:fontRef idx="minor"/>
+        </p:style>
+        <p:txBody>
+          <a:bodyPr lIns="90000" tIns="45000" rIns="90000" bIns="45000" anchor="t">
+            <a:spAutoFit/>
+          </a:bodyPr>
+          <a:lstStyle/>
+          <a:p>
+            <a:pPr>
+              <a:lnSpc>
+                <a:spcPct val="100000"/>
+              </a:lnSpc>
+            </a:pPr>
+            <a:r>
+              <a:rPr lang="it-IT" spc="-1" dirty="0">
+                <a:solidFill>
+                  <a:srgbClr val="000000"/>
+                </a:solidFill>
+                <a:latin typeface="Calibri"/>
+              </a:rPr>
+              <a:t>11</a:t>
+            </a:r>
+            <a:endParaRPr lang="it-IT" sz="1800" b="0" strike="noStrike" spc="-1" dirty="0">
               <a:latin typeface="Calibri"/>
             </a:endParaRPr>
           </a:p>
@@ -7753,7 +8709,7 @@
         <p:spPr>
           <a:xfrm>
             <a:off x="1125258" y="202312"/>
-            <a:ext cx="7694753" cy="767987"/>
+            <a:ext cx="7694753" cy="1198875"/>
           </a:xfrm>
           <a:prstGeom prst="rect">
             <a:avLst/>
@@ -7783,7 +8739,7 @@
           <a:p>
             <a:pPr algn="ctr"/>
             <a:r>
-              <a:rPr lang="it-IT" sz="4400" b="1" spc="-1">
+              <a:rPr lang="it-IT" sz="4400" b="1" spc="-1" dirty="0">
                 <a:solidFill>
                   <a:srgbClr val="000000"/>
                 </a:solidFill>
@@ -7791,118 +8747,10 @@
               </a:rPr>
               <a:t>Memorizzazione Centralizzata</a:t>
             </a:r>
-            <a:endParaRPr lang="it-IT" sz="4400" b="0" strike="noStrike" spc="-1">
-              <a:latin typeface="Arial"/>
-            </a:endParaRPr>
-          </a:p>
-        </p:txBody>
-      </p:sp>
-      <p:pic>
-        <p:nvPicPr>
-          <p:cNvPr id="6" name="Immagine 6" descr="Immagine che contiene cielo, filo&#10;&#10;Descrizione generata automaticamente">
-            <a:extLst>
-              <a:ext uri="{FF2B5EF4-FFF2-40B4-BE49-F238E27FC236}">
-                <a16:creationId xmlns:a16="http://schemas.microsoft.com/office/drawing/2014/main" id="{85D10A34-169D-4FCD-A7C8-9E96E8C002C7}"/>
-              </a:ext>
-            </a:extLst>
-          </p:cNvPr>
-          <p:cNvPicPr>
-            <a:picLocks noChangeAspect="1"/>
-          </p:cNvPicPr>
-          <p:nvPr/>
-        </p:nvPicPr>
-        <p:blipFill>
-          <a:blip r:embed="rId3"/>
-          <a:stretch>
-            <a:fillRect/>
-          </a:stretch>
-        </p:blipFill>
-        <p:spPr>
-          <a:xfrm rot="5400000">
-            <a:off x="1955505" y="1328113"/>
-            <a:ext cx="1538177" cy="515818"/>
-          </a:xfrm>
-          <a:prstGeom prst="rect">
-            <a:avLst/>
-          </a:prstGeom>
-        </p:spPr>
-      </p:pic>
-      <p:pic>
-        <p:nvPicPr>
-          <p:cNvPr id="21" name="Immagine 6" descr="Immagine che contiene cielo, filo&#10;&#10;Descrizione generata automaticamente">
-            <a:extLst>
-              <a:ext uri="{FF2B5EF4-FFF2-40B4-BE49-F238E27FC236}">
-                <a16:creationId xmlns:a16="http://schemas.microsoft.com/office/drawing/2014/main" id="{8CBE1E73-E4EF-47F2-90ED-D6DD50B76516}"/>
-              </a:ext>
-            </a:extLst>
-          </p:cNvPr>
-          <p:cNvPicPr>
-            <a:picLocks noChangeAspect="1"/>
-          </p:cNvPicPr>
-          <p:nvPr/>
-        </p:nvPicPr>
-        <p:blipFill>
-          <a:blip r:embed="rId3"/>
-          <a:stretch>
-            <a:fillRect/>
-          </a:stretch>
-        </p:blipFill>
-        <p:spPr>
-          <a:xfrm rot="5400000">
-            <a:off x="2478272" y="1328113"/>
-            <a:ext cx="1538177" cy="515818"/>
-          </a:xfrm>
-          <a:prstGeom prst="rect">
-            <a:avLst/>
-          </a:prstGeom>
-        </p:spPr>
-      </p:pic>
-      <p:sp>
-        <p:nvSpPr>
-          <p:cNvPr id="23" name="CustomShape 3">
-            <a:extLst>
-              <a:ext uri="{FF2B5EF4-FFF2-40B4-BE49-F238E27FC236}">
-                <a16:creationId xmlns:a16="http://schemas.microsoft.com/office/drawing/2014/main" id="{FE2FA310-79C1-4FBA-A1C1-6599E44581A7}"/>
-              </a:ext>
-            </a:extLst>
-          </p:cNvPr>
-          <p:cNvSpPr/>
-          <p:nvPr/>
-        </p:nvSpPr>
-        <p:spPr>
-          <a:xfrm>
-            <a:off x="2117629" y="2355405"/>
-            <a:ext cx="1643056" cy="398655"/>
-          </a:xfrm>
-          <a:prstGeom prst="rect">
-            <a:avLst/>
-          </a:prstGeom>
-          <a:noFill/>
-          <a:ln w="0">
-            <a:noFill/>
-          </a:ln>
-        </p:spPr>
-        <p:style>
-          <a:lnRef idx="0">
-            <a:scrgbClr r="0" g="0" b="0"/>
-          </a:lnRef>
-          <a:fillRef idx="0">
-            <a:scrgbClr r="0" g="0" b="0"/>
-          </a:fillRef>
-          <a:effectRef idx="0">
-            <a:scrgbClr r="0" g="0" b="0"/>
-          </a:effectRef>
-          <a:fontRef idx="minor"/>
-        </p:style>
-        <p:txBody>
-          <a:bodyPr wrap="square" lIns="90000" tIns="45000" rIns="90000" bIns="45000" anchor="t" anchorCtr="1">
-            <a:spAutoFit/>
-          </a:bodyPr>
-          <a:lstStyle/>
-          <a:p>
-            <a:pPr algn="ctr"/>
-            <a:r>
-              <a:rPr lang="it-IT" sz="2000" spc="-1">
+          </a:p>
+          <a:p>
+            <a:r>
+              <a:rPr lang="it-IT" sz="2800" spc="-1" dirty="0">
                 <a:solidFill>
                   <a:srgbClr val="000000"/>
                 </a:solidFill>
@@ -7910,7 +8758,7 @@
               </a:rPr>
               <a:t>Database SQL</a:t>
             </a:r>
-            <a:endParaRPr lang="it-IT" sz="2000"/>
+            <a:endParaRPr lang="it-IT" sz="2800" dirty="0"/>
           </a:p>
         </p:txBody>
       </p:sp>
@@ -7929,13 +8777,13 @@
           <p:nvPr>
             <p:extLst>
               <p:ext uri="{D42A27DB-BD31-4B8C-83A1-F6EECF244321}">
-                <p14:modId xmlns:p14="http://schemas.microsoft.com/office/powerpoint/2010/main" val="3239871226"/>
+                <p14:modId xmlns:p14="http://schemas.microsoft.com/office/powerpoint/2010/main" val="1850466987"/>
               </p:ext>
             </p:extLst>
           </p:nvPr>
         </p:nvGraphicFramePr>
         <p:xfrm>
-          <a:off x="1967022" y="3003697"/>
+          <a:off x="1313479" y="3013836"/>
           <a:ext cx="1606644" cy="1463040"/>
         </p:xfrm>
         <a:graphic>
@@ -8000,7 +8848,7 @@
                     <a:lstStyle/>
                     <a:p>
                       <a:r>
-                        <a:rPr lang="it-IT"/>
+                        <a:rPr lang="it-IT" dirty="0"/>
                         <a:t>Mail</a:t>
                       </a:r>
                     </a:p>
@@ -8020,7 +8868,7 @@
                     <a:lstStyle/>
                     <a:p>
                       <a:r>
-                        <a:rPr lang="it-IT"/>
+                        <a:rPr lang="it-IT" dirty="0"/>
                         <a:t>Password</a:t>
                       </a:r>
                     </a:p>
@@ -8052,14 +8900,14 @@
           <p:nvPr>
             <p:extLst>
               <p:ext uri="{D42A27DB-BD31-4B8C-83A1-F6EECF244321}">
-                <p14:modId xmlns:p14="http://schemas.microsoft.com/office/powerpoint/2010/main" val="3798072253"/>
+                <p14:modId xmlns:p14="http://schemas.microsoft.com/office/powerpoint/2010/main" val="2499383433"/>
               </p:ext>
             </p:extLst>
           </p:nvPr>
         </p:nvGraphicFramePr>
         <p:xfrm>
-          <a:off x="5290752" y="1968709"/>
-          <a:ext cx="2431852" cy="3291840"/>
+          <a:off x="4376690" y="2031325"/>
+          <a:ext cx="2431852" cy="3347475"/>
         </p:xfrm>
         <a:graphic>
           <a:graphicData uri="http://schemas.openxmlformats.org/drawingml/2006/table">
@@ -8119,7 +8967,7 @@
                   </a:ext>
                 </a:extLst>
               </a:tr>
-              <a:tr h="341228">
+              <a:tr h="421395">
                 <a:tc>
                   <a:txBody>
                     <a:bodyPr/>
@@ -8220,7 +9068,7 @@
                         <a:buNone/>
                       </a:pPr>
                       <a:r>
-                        <a:rPr lang="it-IT"/>
+                        <a:rPr lang="it-IT" dirty="0"/>
                         <a:t>Data Partenza</a:t>
                       </a:r>
                     </a:p>
@@ -8266,13 +9114,14 @@
                     <a:lstStyle/>
                     <a:p>
                       <a:r>
-                        <a:rPr lang="it-IT"/>
+                        <a:rPr lang="it-IT" dirty="0"/>
                         <a:t>ID </a:t>
                       </a:r>
                       <a:r>
-                        <a:rPr lang="it-IT" err="1"/>
+                        <a:rPr lang="it-IT" dirty="0" err="1"/>
                         <a:t>Hash</a:t>
                       </a:r>
+                      <a:endParaRPr lang="it-IT" dirty="0"/>
                     </a:p>
                   </a:txBody>
                   <a:tcPr/>
@@ -8302,14 +9151,14 @@
           <p:nvPr/>
         </p:nvPicPr>
         <p:blipFill rotWithShape="1">
-          <a:blip r:embed="rId4"/>
+          <a:blip r:embed="rId3"/>
           <a:srcRect l="17515" t="41944" r="21463" b="27609"/>
           <a:stretch/>
         </p:blipFill>
         <p:spPr>
           <a:xfrm rot="20940000">
-            <a:off x="3398272" y="3145855"/>
-            <a:ext cx="1970129" cy="558823"/>
+            <a:off x="2692278" y="3238378"/>
+            <a:ext cx="1797194" cy="558823"/>
           </a:xfrm>
           <a:prstGeom prst="rect">
             <a:avLst/>
@@ -8484,7 +9333,7 @@
                         <a:buNone/>
                       </a:pPr>
                       <a:r>
-                        <a:rPr lang="it-IT" sz="1800" b="0" i="0" u="none" strike="noStrike" noProof="0"/>
+                        <a:rPr lang="it-IT" sz="1800" b="0" i="0" u="none" strike="noStrike" noProof="0" dirty="0"/>
                         <a:t>Data</a:t>
                       </a:r>
                     </a:p>
@@ -8516,14 +9365,14 @@
           <p:nvPr/>
         </p:nvPicPr>
         <p:blipFill rotWithShape="1">
-          <a:blip r:embed="rId4"/>
+          <a:blip r:embed="rId3"/>
           <a:srcRect l="18085" t="41278" r="18600" b="25863"/>
           <a:stretch/>
         </p:blipFill>
         <p:spPr>
-          <a:xfrm rot="1080000">
-            <a:off x="6221089" y="5051732"/>
-            <a:ext cx="1950047" cy="603094"/>
+          <a:xfrm rot="516914">
+            <a:off x="5518331" y="5157254"/>
+            <a:ext cx="2632626" cy="603094"/>
           </a:xfrm>
           <a:prstGeom prst="rect">
             <a:avLst/>
@@ -8552,6 +9401,164 @@
         </p:nvGraphicFramePr>
         <p:xfrm>
           <a:off x="8864893" y="825709"/>
+          <a:ext cx="2431852" cy="1463040"/>
+        </p:xfrm>
+        <a:graphic>
+          <a:graphicData uri="http://schemas.openxmlformats.org/drawingml/2006/table">
+            <a:tbl>
+              <a:tblPr firstRow="1" bandRow="1">
+                <a:tableStyleId>{5C22544A-7EE6-4342-B048-85BDC9FD1C3A}</a:tableStyleId>
+              </a:tblPr>
+              <a:tblGrid>
+                <a:gridCol w="2431852">
+                  <a:extLst>
+                    <a:ext uri="{9D8B030D-6E8A-4147-A177-3AD203B41FA5}">
+                      <a16:colId xmlns:a16="http://schemas.microsoft.com/office/drawing/2014/main" val="3445391210"/>
+                    </a:ext>
+                  </a:extLst>
+                </a:gridCol>
+              </a:tblGrid>
+              <a:tr h="348487">
+                <a:tc>
+                  <a:txBody>
+                    <a:bodyPr/>
+                    <a:lstStyle/>
+                    <a:p>
+                      <a:r>
+                        <a:rPr lang="it-IT"/>
+                        <a:t>Fermata</a:t>
+                      </a:r>
+                    </a:p>
+                  </a:txBody>
+                  <a:tcPr/>
+                </a:tc>
+                <a:extLst>
+                  <a:ext uri="{0D108BD9-81ED-4DB2-BD59-A6C34878D82A}">
+                    <a16:rowId xmlns:a16="http://schemas.microsoft.com/office/drawing/2014/main" val="1953708649"/>
+                  </a:ext>
+                </a:extLst>
+              </a:tr>
+              <a:tr h="341228">
+                <a:tc>
+                  <a:txBody>
+                    <a:bodyPr/>
+                    <a:lstStyle/>
+                    <a:p>
+                      <a:r>
+                        <a:rPr lang="it-IT" dirty="0"/>
+                        <a:t>Identificativo Tratta</a:t>
+                      </a:r>
+                    </a:p>
+                  </a:txBody>
+                  <a:tcPr/>
+                </a:tc>
+                <a:extLst>
+                  <a:ext uri="{0D108BD9-81ED-4DB2-BD59-A6C34878D82A}">
+                    <a16:rowId xmlns:a16="http://schemas.microsoft.com/office/drawing/2014/main" val="1637987118"/>
+                  </a:ext>
+                </a:extLst>
+              </a:tr>
+              <a:tr h="341228">
+                <a:tc>
+                  <a:txBody>
+                    <a:bodyPr/>
+                    <a:lstStyle/>
+                    <a:p>
+                      <a:pPr lvl="0">
+                        <a:buNone/>
+                      </a:pPr>
+                      <a:r>
+                        <a:rPr lang="it-IT"/>
+                        <a:t>Posizione</a:t>
+                      </a:r>
+                    </a:p>
+                  </a:txBody>
+                  <a:tcPr/>
+                </a:tc>
+                <a:extLst>
+                  <a:ext uri="{0D108BD9-81ED-4DB2-BD59-A6C34878D82A}">
+                    <a16:rowId xmlns:a16="http://schemas.microsoft.com/office/drawing/2014/main" val="3996526993"/>
+                  </a:ext>
+                </a:extLst>
+              </a:tr>
+              <a:tr h="341228">
+                <a:tc>
+                  <a:txBody>
+                    <a:bodyPr/>
+                    <a:lstStyle/>
+                    <a:p>
+                      <a:pPr lvl="0">
+                        <a:buNone/>
+                      </a:pPr>
+                      <a:r>
+                        <a:rPr lang="it-IT" dirty="0"/>
+                        <a:t>Data </a:t>
+                      </a:r>
+                    </a:p>
+                  </a:txBody>
+                  <a:tcPr/>
+                </a:tc>
+                <a:extLst>
+                  <a:ext uri="{0D108BD9-81ED-4DB2-BD59-A6C34878D82A}">
+                    <a16:rowId xmlns:a16="http://schemas.microsoft.com/office/drawing/2014/main" val="1939062575"/>
+                  </a:ext>
+                </a:extLst>
+              </a:tr>
+            </a:tbl>
+          </a:graphicData>
+        </a:graphic>
+      </p:graphicFrame>
+      <p:pic>
+        <p:nvPicPr>
+          <p:cNvPr id="32" name="Immagine 8">
+            <a:extLst>
+              <a:ext uri="{FF2B5EF4-FFF2-40B4-BE49-F238E27FC236}">
+                <a16:creationId xmlns:a16="http://schemas.microsoft.com/office/drawing/2014/main" id="{12CC0637-F50B-48F5-8126-EFD8B907B20E}"/>
+              </a:ext>
+            </a:extLst>
+          </p:cNvPr>
+          <p:cNvPicPr>
+            <a:picLocks noChangeAspect="1"/>
+          </p:cNvPicPr>
+          <p:nvPr/>
+        </p:nvPicPr>
+        <p:blipFill rotWithShape="1">
+          <a:blip r:embed="rId3"/>
+          <a:srcRect l="18172" t="41105" r="21091" b="27794"/>
+          <a:stretch/>
+        </p:blipFill>
+        <p:spPr>
+          <a:xfrm rot="20085035">
+            <a:off x="6074793" y="1685618"/>
+            <a:ext cx="2992431" cy="570813"/>
+          </a:xfrm>
+          <a:prstGeom prst="rect">
+            <a:avLst/>
+          </a:prstGeom>
+        </p:spPr>
+      </p:pic>
+      <p:graphicFrame>
+        <p:nvGraphicFramePr>
+          <p:cNvPr id="15" name="Tabella 7">
+            <a:extLst>
+              <a:ext uri="{FF2B5EF4-FFF2-40B4-BE49-F238E27FC236}">
+                <a16:creationId xmlns:a16="http://schemas.microsoft.com/office/drawing/2014/main" id="{F4D183CF-DEB4-463F-94BC-4B42F9BADD6D}"/>
+              </a:ext>
+            </a:extLst>
+          </p:cNvPr>
+          <p:cNvGraphicFramePr>
+            <a:graphicFrameLocks noGrp="1"/>
+          </p:cNvGraphicFramePr>
+          <p:nvPr>
+            <p:extLst>
+              <p:ext uri="{D42A27DB-BD31-4B8C-83A1-F6EECF244321}">
+                <p14:modId xmlns:p14="http://schemas.microsoft.com/office/powerpoint/2010/main" val="2611885251"/>
+              </p:ext>
+            </p:extLst>
+          </p:nvPr>
+        </p:nvGraphicFramePr>
+        <p:xfrm>
+          <a:off x="8864893" y="2500488"/>
           <a:ext cx="2431852" cy="1463040"/>
         </p:xfrm>
         <a:graphic>
@@ -8642,7 +9649,7 @@
                         <a:buNone/>
                       </a:pPr>
                       <a:r>
-                        <a:rPr lang="it-IT"/>
+                        <a:rPr lang="it-IT" dirty="0"/>
                         <a:t>Data </a:t>
                       </a:r>
                     </a:p>
@@ -8661,10 +9668,10 @@
       </p:graphicFrame>
       <p:pic>
         <p:nvPicPr>
-          <p:cNvPr id="32" name="Immagine 8">
+          <p:cNvPr id="16" name="Immagine 8">
             <a:extLst>
               <a:ext uri="{FF2B5EF4-FFF2-40B4-BE49-F238E27FC236}">
-                <a16:creationId xmlns:a16="http://schemas.microsoft.com/office/drawing/2014/main" id="{12CC0637-F50B-48F5-8126-EFD8B907B20E}"/>
+                <a16:creationId xmlns:a16="http://schemas.microsoft.com/office/drawing/2014/main" id="{9A643F84-5183-4028-A23C-7216249CA765}"/>
               </a:ext>
             </a:extLst>
           </p:cNvPr>
@@ -8674,14 +9681,14 @@
           <p:nvPr/>
         </p:nvPicPr>
         <p:blipFill rotWithShape="1">
-          <a:blip r:embed="rId4"/>
+          <a:blip r:embed="rId3"/>
           <a:srcRect l="18172" t="41105" r="21091" b="27794"/>
           <a:stretch/>
         </p:blipFill>
         <p:spPr>
-          <a:xfrm rot="19740000">
-            <a:off x="6808372" y="1649518"/>
-            <a:ext cx="2305912" cy="570813"/>
+          <a:xfrm rot="507379">
+            <a:off x="6180412" y="2532060"/>
+            <a:ext cx="2806379" cy="570813"/>
           </a:xfrm>
           <a:prstGeom prst="rect">
             <a:avLst/>
@@ -8701,7 +9708,7 @@
 </p:sld>
 </file>
 
-<file path=ppt/slides/slide11.xml><?xml version="1.0" encoding="utf-8"?>
+<file path=ppt/slides/slide12.xml><?xml version="1.0" encoding="utf-8"?>
 <p:sld xmlns:a="http://schemas.openxmlformats.org/drawingml/2006/main" xmlns:r="http://schemas.openxmlformats.org/officeDocument/2006/relationships" xmlns:p="http://schemas.openxmlformats.org/presentationml/2006/main">
   <p:cSld>
     <p:spTree>
@@ -8745,8 +9752,8 @@
           </a:stretch>
         </p:blipFill>
         <p:spPr>
-          <a:xfrm rot="5835853">
-            <a:off x="5304278" y="2460804"/>
+          <a:xfrm rot="5400000">
+            <a:off x="5220176" y="2832763"/>
             <a:ext cx="1132357" cy="341432"/>
           </a:xfrm>
           <a:prstGeom prst="rect">
@@ -8821,15 +9828,15 @@
               </a:lnSpc>
             </a:pPr>
             <a:r>
-              <a:rPr lang="it-IT" spc="-1">
+              <a:rPr lang="it-IT" spc="-1" dirty="0">
                 <a:solidFill>
                   <a:srgbClr val="000000"/>
                 </a:solidFill>
                 <a:latin typeface="Calibri"/>
               </a:rPr>
-              <a:t>11</a:t>
-            </a:r>
-            <a:endParaRPr lang="it-IT" sz="1800" b="0" strike="noStrike" spc="-1">
+              <a:t>12</a:t>
+            </a:r>
+            <a:endParaRPr lang="it-IT" sz="1800" b="0" strike="noStrike" spc="-1" dirty="0">
               <a:latin typeface="Calibri"/>
             </a:endParaRPr>
           </a:p>
@@ -8847,7 +9854,7 @@
         </p:blipFill>
         <p:spPr>
           <a:xfrm>
-            <a:off x="2327861" y="2915160"/>
+            <a:off x="2374356" y="3287119"/>
             <a:ext cx="961920" cy="1266480"/>
           </a:xfrm>
           <a:prstGeom prst="rect">
@@ -8870,7 +9877,7 @@
         </p:blipFill>
         <p:spPr>
           <a:xfrm>
-            <a:off x="5774442" y="847496"/>
+            <a:off x="5246895" y="1192438"/>
             <a:ext cx="1078920" cy="1201680"/>
           </a:xfrm>
           <a:prstGeom prst="rect">
@@ -8893,7 +9900,7 @@
         </p:blipFill>
         <p:spPr>
           <a:xfrm>
-            <a:off x="3373242" y="3238256"/>
+            <a:off x="3419737" y="3610215"/>
             <a:ext cx="477720" cy="436680"/>
           </a:xfrm>
           <a:prstGeom prst="rect">
@@ -8916,7 +9923,7 @@
         </p:blipFill>
         <p:spPr>
           <a:xfrm>
-            <a:off x="4844922" y="3197698"/>
+            <a:off x="4891417" y="3569657"/>
             <a:ext cx="1709640" cy="1507680"/>
           </a:xfrm>
           <a:prstGeom prst="rect">
@@ -8935,7 +9942,7 @@
         </p:nvSpPr>
         <p:spPr>
           <a:xfrm>
-            <a:off x="5971542" y="2229504"/>
+            <a:off x="6018037" y="2601463"/>
             <a:ext cx="1763640" cy="364320"/>
           </a:xfrm>
           <a:prstGeom prst="rect">
@@ -8997,7 +10004,7 @@
         </p:blipFill>
         <p:spPr>
           <a:xfrm>
-            <a:off x="8083122" y="2875736"/>
+            <a:off x="8129617" y="3247695"/>
             <a:ext cx="3763080" cy="1855440"/>
           </a:xfrm>
           <a:prstGeom prst="rect">
@@ -9016,7 +10023,7 @@
         </p:nvSpPr>
         <p:spPr>
           <a:xfrm>
-            <a:off x="6566442" y="862256"/>
+            <a:off x="6018037" y="1210305"/>
             <a:ext cx="1763640" cy="364320"/>
           </a:xfrm>
           <a:prstGeom prst="rect">
@@ -9051,7 +10058,7 @@
               </a:lnSpc>
             </a:pPr>
             <a:r>
-              <a:rPr lang="it-IT" sz="1800" b="0" strike="noStrike" spc="-1">
+              <a:rPr lang="it-IT" sz="1800" b="0" strike="noStrike" spc="-1" dirty="0">
                 <a:solidFill>
                   <a:srgbClr val="000000"/>
                 </a:solidFill>
@@ -9060,7 +10067,7 @@
               </a:rPr>
               <a:t> Utente Admin</a:t>
             </a:r>
-            <a:endParaRPr lang="it-IT" sz="1800" b="0" strike="noStrike" spc="-1">
+            <a:endParaRPr lang="it-IT" sz="1800" b="0" strike="noStrike" spc="-1" dirty="0">
               <a:latin typeface="Arial"/>
             </a:endParaRPr>
           </a:p>
@@ -9074,7 +10081,7 @@
         </p:nvSpPr>
         <p:spPr>
           <a:xfrm>
-            <a:off x="9155202" y="4124216"/>
+            <a:off x="9201697" y="4496175"/>
             <a:ext cx="1676160" cy="363960"/>
           </a:xfrm>
           <a:prstGeom prst="rect">
@@ -9132,7 +10139,7 @@
         </p:nvSpPr>
         <p:spPr>
           <a:xfrm>
-            <a:off x="2297922" y="4102256"/>
+            <a:off x="2344417" y="4474215"/>
             <a:ext cx="1676160" cy="363960"/>
           </a:xfrm>
           <a:prstGeom prst="rect">
@@ -9225,7 +10232,7 @@
               </a:lnSpc>
             </a:pPr>
             <a:r>
-              <a:rPr lang="it-IT" sz="4400" b="1" strike="noStrike" spc="-1">
+              <a:rPr lang="it-IT" sz="4400" b="1" strike="noStrike" spc="-1" dirty="0">
                 <a:solidFill>
                   <a:srgbClr val="000000"/>
                 </a:solidFill>
@@ -9234,7 +10241,7 @@
               </a:rPr>
               <a:t>Utilizzo Ibrido</a:t>
             </a:r>
-            <a:endParaRPr lang="it-IT" sz="4400" b="0" strike="noStrike" spc="-1">
+            <a:endParaRPr lang="it-IT" sz="4400" b="0" strike="noStrike" spc="-1" dirty="0">
               <a:latin typeface="Arial"/>
             </a:endParaRPr>
           </a:p>
@@ -9268,7 +10275,7 @@
         </p:blipFill>
         <p:spPr>
           <a:xfrm flipV="1">
-            <a:off x="3323562" y="3696760"/>
+            <a:off x="3370057" y="4068719"/>
             <a:ext cx="1796767" cy="282067"/>
           </a:xfrm>
           <a:prstGeom prst="rect">
@@ -9304,98 +10311,8 @@
         </p:blipFill>
         <p:spPr>
           <a:xfrm flipV="1">
-            <a:off x="6279320" y="3620662"/>
+            <a:off x="6325815" y="3992621"/>
             <a:ext cx="1796767" cy="282067"/>
-          </a:xfrm>
-          <a:prstGeom prst="rect">
-            <a:avLst/>
-          </a:prstGeom>
-        </p:spPr>
-      </p:pic>
-      <p:pic>
-        <p:nvPicPr>
-          <p:cNvPr id="4" name="Immagine 5">
-            <a:extLst>
-              <a:ext uri="{FF2B5EF4-FFF2-40B4-BE49-F238E27FC236}">
-                <a16:creationId xmlns:a16="http://schemas.microsoft.com/office/drawing/2014/main" id="{9E7E9645-70E0-48D4-9B90-DB08012D5002}"/>
-              </a:ext>
-            </a:extLst>
-          </p:cNvPr>
-          <p:cNvPicPr>
-            <a:picLocks noChangeAspect="1"/>
-          </p:cNvPicPr>
-          <p:nvPr/>
-        </p:nvPicPr>
-        <p:blipFill>
-          <a:blip r:embed="rId10"/>
-          <a:stretch>
-            <a:fillRect/>
-          </a:stretch>
-        </p:blipFill>
-        <p:spPr>
-          <a:xfrm>
-            <a:off x="5403242" y="5230652"/>
-            <a:ext cx="1295581" cy="1771897"/>
-          </a:xfrm>
-          <a:prstGeom prst="rect">
-            <a:avLst/>
-          </a:prstGeom>
-        </p:spPr>
-      </p:pic>
-      <p:pic>
-        <p:nvPicPr>
-          <p:cNvPr id="6" name="Immagine 6">
-            <a:extLst>
-              <a:ext uri="{FF2B5EF4-FFF2-40B4-BE49-F238E27FC236}">
-                <a16:creationId xmlns:a16="http://schemas.microsoft.com/office/drawing/2014/main" id="{9809FACB-C9C8-440E-A3D3-A00B3A025585}"/>
-              </a:ext>
-            </a:extLst>
-          </p:cNvPr>
-          <p:cNvPicPr>
-            <a:picLocks noChangeAspect="1"/>
-          </p:cNvPicPr>
-          <p:nvPr/>
-        </p:nvPicPr>
-        <p:blipFill>
-          <a:blip r:embed="rId11"/>
-          <a:stretch>
-            <a:fillRect/>
-          </a:stretch>
-        </p:blipFill>
-        <p:spPr>
-          <a:xfrm>
-            <a:off x="6777722" y="5187458"/>
-            <a:ext cx="1295581" cy="1771897"/>
-          </a:xfrm>
-          <a:prstGeom prst="rect">
-            <a:avLst/>
-          </a:prstGeom>
-        </p:spPr>
-      </p:pic>
-      <p:pic>
-        <p:nvPicPr>
-          <p:cNvPr id="7" name="Immagine 7">
-            <a:extLst>
-              <a:ext uri="{FF2B5EF4-FFF2-40B4-BE49-F238E27FC236}">
-                <a16:creationId xmlns:a16="http://schemas.microsoft.com/office/drawing/2014/main" id="{BACA88BD-8835-46E4-9CF5-5093B10B4AD9}"/>
-              </a:ext>
-            </a:extLst>
-          </p:cNvPr>
-          <p:cNvPicPr>
-            <a:picLocks noChangeAspect="1"/>
-          </p:cNvPicPr>
-          <p:nvPr/>
-        </p:nvPicPr>
-        <p:blipFill>
-          <a:blip r:embed="rId12"/>
-          <a:stretch>
-            <a:fillRect/>
-          </a:stretch>
-        </p:blipFill>
-        <p:spPr>
-          <a:xfrm>
-            <a:off x="6096574" y="5188565"/>
-            <a:ext cx="1295581" cy="1771897"/>
           </a:xfrm>
           <a:prstGeom prst="rect">
             <a:avLst/>
@@ -9410,7 +10327,7 @@
 </p:sld>
 </file>
 
-<file path=ppt/slides/slide12.xml><?xml version="1.0" encoding="utf-8"?>
+<file path=ppt/slides/slide13.xml><?xml version="1.0" encoding="utf-8"?>
 <p:sld xmlns:a="http://schemas.openxmlformats.org/drawingml/2006/main" xmlns:r="http://schemas.openxmlformats.org/officeDocument/2006/relationships" xmlns:p="http://schemas.openxmlformats.org/presentationml/2006/main">
   <p:cSld>
     <p:spTree>
@@ -9494,15 +10411,15 @@
               </a:lnSpc>
             </a:pPr>
             <a:r>
-              <a:rPr lang="en-US" spc="-1">
+              <a:rPr lang="en-US" spc="-1" dirty="0">
                 <a:solidFill>
                   <a:srgbClr val="000000"/>
                 </a:solidFill>
                 <a:latin typeface="Calibri"/>
               </a:rPr>
-              <a:t>12</a:t>
-            </a:r>
-            <a:endParaRPr lang="it-IT" sz="1800" b="0" strike="noStrike" spc="-1">
+              <a:t>13</a:t>
+            </a:r>
+            <a:endParaRPr lang="it-IT" sz="1800" b="0" strike="noStrike" spc="-1" dirty="0">
               <a:latin typeface="Calibri"/>
             </a:endParaRPr>
           </a:p>
@@ -9578,7 +10495,7 @@
         <p:spPr>
           <a:xfrm>
             <a:off x="1666605" y="1145791"/>
-            <a:ext cx="6831824" cy="3414866"/>
+            <a:ext cx="6831824" cy="4245863"/>
           </a:xfrm>
           <a:prstGeom prst="rect">
             <a:avLst/>
@@ -9610,7 +10527,7 @@
               <a:buAutoNum type="arabicPeriod"/>
             </a:pPr>
             <a:r>
-              <a:rPr lang="it-IT" spc="-1">
+              <a:rPr lang="it-IT" spc="-1" dirty="0">
                 <a:latin typeface="Arial"/>
               </a:rPr>
               <a:t>Controlla per ogni ente se si sono salvate nuove tratte</a:t>
@@ -9621,7 +10538,7 @@
               <a:buAutoNum type="arabicPeriod"/>
             </a:pPr>
             <a:r>
-              <a:rPr lang="it-IT" spc="-1">
+              <a:rPr lang="it-IT" spc="-1" dirty="0">
                 <a:latin typeface="Arial"/>
               </a:rPr>
               <a:t>(Se passo 1 positivo) "blocca" quest'ente</a:t>
@@ -9631,7 +10548,7 @@
             <a:pPr marL="342900" indent="-342900">
               <a:buAutoNum type="arabicPeriod"/>
             </a:pPr>
-            <a:endParaRPr lang="it-IT" spc="-1">
+            <a:endParaRPr lang="it-IT" spc="-1" dirty="0">
               <a:latin typeface="Arial"/>
             </a:endParaRPr>
           </a:p>
@@ -9639,7 +10556,7 @@
             <a:pPr marL="342900" indent="-342900">
               <a:buAutoNum type="arabicPeriod"/>
             </a:pPr>
-            <a:endParaRPr lang="it-IT" spc="-1">
+            <a:endParaRPr lang="it-IT" spc="-1" dirty="0">
               <a:latin typeface="Arial"/>
             </a:endParaRPr>
           </a:p>
@@ -9647,7 +10564,7 @@
             <a:pPr marL="342900" indent="-342900">
               <a:buAutoNum type="arabicPeriod"/>
             </a:pPr>
-            <a:endParaRPr lang="it-IT" spc="-1">
+            <a:endParaRPr lang="it-IT" spc="-1" dirty="0">
               <a:latin typeface="Arial"/>
             </a:endParaRPr>
           </a:p>
@@ -9655,7 +10572,7 @@
             <a:pPr marL="342900" indent="-342900">
               <a:buAutoNum type="arabicPeriod"/>
             </a:pPr>
-            <a:endParaRPr lang="it-IT" spc="-1">
+            <a:endParaRPr lang="it-IT" spc="-1" dirty="0">
               <a:latin typeface="Arial"/>
             </a:endParaRPr>
           </a:p>
@@ -9663,7 +10580,7 @@
             <a:pPr marL="342900" indent="-342900">
               <a:buAutoNum type="arabicPeriod"/>
             </a:pPr>
-            <a:endParaRPr lang="it-IT" spc="-1">
+            <a:endParaRPr lang="it-IT" spc="-1" dirty="0">
               <a:latin typeface="Arial"/>
             </a:endParaRPr>
           </a:p>
@@ -9671,7 +10588,7 @@
             <a:pPr marL="342900" indent="-342900">
               <a:buAutoNum type="arabicPeriod"/>
             </a:pPr>
-            <a:endParaRPr lang="it-IT" spc="-1">
+            <a:endParaRPr lang="it-IT" spc="-1" dirty="0">
               <a:latin typeface="Arial"/>
             </a:endParaRPr>
           </a:p>
@@ -9679,23 +10596,89 @@
             <a:pPr marL="342900" indent="-342900">
               <a:buAutoNum type="arabicPeriod"/>
             </a:pPr>
-            <a:r>
-              <a:rPr lang="it-IT" spc="-1">
-                <a:latin typeface="Arial"/>
-              </a:rPr>
-              <a:t>Raggruppa le tratte con ID Hash uguale e ne calcola il codice Hash</a:t>
-            </a:r>
+            <a:endParaRPr lang="it-IT" spc="-1" dirty="0">
+              <a:latin typeface="Arial"/>
+            </a:endParaRPr>
           </a:p>
           <a:p>
             <a:pPr marL="342900" indent="-342900">
               <a:buAutoNum type="arabicPeriod"/>
             </a:pPr>
-            <a:r>
-              <a:rPr lang="it-IT" spc="-1">
+            <a:endParaRPr lang="it-IT" spc="-1" dirty="0">
+              <a:latin typeface="Arial"/>
+            </a:endParaRPr>
+          </a:p>
+          <a:p>
+            <a:pPr marL="342900" indent="-342900">
+              <a:buAutoNum type="arabicPeriod"/>
+            </a:pPr>
+            <a:endParaRPr lang="it-IT" spc="-1" dirty="0">
+              <a:latin typeface="Arial"/>
+            </a:endParaRPr>
+          </a:p>
+          <a:p>
+            <a:pPr marL="342900" indent="-342900">
+              <a:buAutoNum type="arabicPeriod"/>
+            </a:pPr>
+            <a:r>
+              <a:rPr lang="it-IT" spc="-1" dirty="0">
                 <a:latin typeface="Arial"/>
               </a:rPr>
-              <a:t>Crea la transazione verso la blockchain e salva il codice hash contrassegnandolo con l'ID Hash</a:t>
-            </a:r>
+              <a:t>Raggruppa le tratte con ID </a:t>
+            </a:r>
+            <a:r>
+              <a:rPr lang="it-IT" spc="-1" dirty="0" err="1">
+                <a:latin typeface="Arial"/>
+              </a:rPr>
+              <a:t>Hash</a:t>
+            </a:r>
+            <a:r>
+              <a:rPr lang="it-IT" spc="-1" dirty="0">
+                <a:latin typeface="Arial"/>
+              </a:rPr>
+              <a:t> uguale e ne calcola il codice </a:t>
+            </a:r>
+            <a:r>
+              <a:rPr lang="it-IT" spc="-1" dirty="0" err="1">
+                <a:latin typeface="Arial"/>
+              </a:rPr>
+              <a:t>Hash</a:t>
+            </a:r>
+            <a:endParaRPr lang="it-IT" spc="-1" dirty="0">
+              <a:latin typeface="Arial"/>
+            </a:endParaRPr>
+          </a:p>
+          <a:p>
+            <a:pPr marL="342900" indent="-342900">
+              <a:buAutoNum type="arabicPeriod"/>
+            </a:pPr>
+            <a:r>
+              <a:rPr lang="it-IT" spc="-1" dirty="0">
+                <a:latin typeface="Arial"/>
+              </a:rPr>
+              <a:t>Crea la transazione verso la blockchain e salva il codice </a:t>
+            </a:r>
+            <a:r>
+              <a:rPr lang="it-IT" spc="-1" dirty="0" err="1">
+                <a:latin typeface="Arial"/>
+              </a:rPr>
+              <a:t>hash</a:t>
+            </a:r>
+            <a:r>
+              <a:rPr lang="it-IT" spc="-1" dirty="0">
+                <a:latin typeface="Arial"/>
+              </a:rPr>
+              <a:t> contrassegnandolo con l'ID </a:t>
+            </a:r>
+            <a:r>
+              <a:rPr lang="it-IT" spc="-1" dirty="0" err="1">
+                <a:latin typeface="Arial"/>
+              </a:rPr>
+              <a:t>Hash</a:t>
+            </a:r>
+            <a:endParaRPr lang="it-IT" spc="-1" dirty="0">
+              <a:latin typeface="Arial"/>
+            </a:endParaRPr>
           </a:p>
         </p:txBody>
       </p:sp>
@@ -9720,9 +10703,9 @@
           </a:stretch>
         </p:blipFill>
         <p:spPr>
-          <a:xfrm rot="1260000">
-            <a:off x="4898870" y="1812902"/>
-            <a:ext cx="1320331" cy="328710"/>
+          <a:xfrm rot="1682294">
+            <a:off x="4493142" y="1954879"/>
+            <a:ext cx="1628946" cy="405543"/>
           </a:xfrm>
           <a:prstGeom prst="rect">
             <a:avLst/>
@@ -9743,7 +10726,7 @@
         </p:nvSpPr>
         <p:spPr>
           <a:xfrm>
-            <a:off x="6185442" y="1943232"/>
+            <a:off x="6096000" y="2346846"/>
             <a:ext cx="4864801" cy="921876"/>
           </a:xfrm>
           <a:prstGeom prst="rect">
@@ -9773,80 +10756,26 @@
           <a:lstStyle/>
           <a:p>
             <a:r>
-              <a:rPr lang="it-IT" spc="-1">
+              <a:rPr lang="it-IT" spc="-1" dirty="0">
                 <a:latin typeface="Arial"/>
               </a:rPr>
-              <a:t>Gli utenti non possono più inserire nuove tratte finchè un utente Admin del medesimo Ente non inserisce la Private Key</a:t>
+              <a:t>Gli utenti non possono più inserire nuove tratte </a:t>
+            </a:r>
+            <a:r>
+              <a:rPr lang="it-IT" spc="-1" dirty="0" err="1">
+                <a:latin typeface="Arial"/>
+              </a:rPr>
+              <a:t>finchè</a:t>
+            </a:r>
+            <a:r>
+              <a:rPr lang="it-IT" spc="-1" dirty="0">
+                <a:latin typeface="Arial"/>
+              </a:rPr>
+              <a:t> un utente Admin del medesimo Ente non inserisce la Private Key</a:t>
             </a:r>
           </a:p>
         </p:txBody>
       </p:sp>
-      <p:pic>
-        <p:nvPicPr>
-          <p:cNvPr id="6" name="Immagine 5" descr="Immagine che contiene interni&#10;&#10;Descrizione generata automaticamente">
-            <a:extLst>
-              <a:ext uri="{FF2B5EF4-FFF2-40B4-BE49-F238E27FC236}">
-                <a16:creationId xmlns:a16="http://schemas.microsoft.com/office/drawing/2014/main" id="{3941BFF9-152D-4FB8-BE5F-F5C8BB2B81CA}"/>
-              </a:ext>
-            </a:extLst>
-          </p:cNvPr>
-          <p:cNvPicPr>
-            <a:picLocks noChangeAspect="1"/>
-          </p:cNvPicPr>
-          <p:nvPr/>
-        </p:nvPicPr>
-        <p:blipFill>
-          <a:blip r:embed="rId4" cstate="print">
-            <a:extLst>
-              <a:ext uri="{28A0092B-C50C-407E-A947-70E740481C1C}">
-                <a14:useLocalDpi xmlns:a14="http://schemas.microsoft.com/office/drawing/2010/main" val="0"/>
-              </a:ext>
-            </a:extLst>
-          </a:blip>
-          <a:stretch>
-            <a:fillRect/>
-          </a:stretch>
-        </p:blipFill>
-        <p:spPr>
-          <a:xfrm rot="7920000" flipV="1">
-            <a:off x="5450401" y="2925291"/>
-            <a:ext cx="857683" cy="261079"/>
-          </a:xfrm>
-          <a:prstGeom prst="rect">
-            <a:avLst/>
-          </a:prstGeom>
-        </p:spPr>
-      </p:pic>
-      <p:pic>
-        <p:nvPicPr>
-          <p:cNvPr id="3" name="Immagine 4" descr="Immagine che contiene testo&#10;&#10;Descrizione generata automaticamente">
-            <a:extLst>
-              <a:ext uri="{FF2B5EF4-FFF2-40B4-BE49-F238E27FC236}">
-                <a16:creationId xmlns:a16="http://schemas.microsoft.com/office/drawing/2014/main" id="{AC821347-12F5-466A-8D31-EA1478B09EC1}"/>
-              </a:ext>
-            </a:extLst>
-          </p:cNvPr>
-          <p:cNvPicPr>
-            <a:picLocks noChangeAspect="1"/>
-          </p:cNvPicPr>
-          <p:nvPr/>
-        </p:nvPicPr>
-        <p:blipFill>
-          <a:blip r:embed="rId5"/>
-          <a:stretch>
-            <a:fillRect/>
-          </a:stretch>
-        </p:blipFill>
-        <p:spPr>
-          <a:xfrm>
-            <a:off x="2053020" y="4681162"/>
-            <a:ext cx="6264165" cy="1848710"/>
-          </a:xfrm>
-          <a:prstGeom prst="rect">
-            <a:avLst/>
-          </a:prstGeom>
-        </p:spPr>
-      </p:pic>
       <p:sp>
         <p:nvSpPr>
           <p:cNvPr id="5" name="CustomShape 30">
@@ -9904,6 +10833,36 @@
           </a:p>
         </p:txBody>
       </p:sp>
+      <p:pic>
+        <p:nvPicPr>
+          <p:cNvPr id="13" name="Immagine 15" descr="Immagine che contiene testo, pianta&#10;&#10;Descrizione generata automaticamente">
+            <a:extLst>
+              <a:ext uri="{FF2B5EF4-FFF2-40B4-BE49-F238E27FC236}">
+                <a16:creationId xmlns:a16="http://schemas.microsoft.com/office/drawing/2014/main" id="{2D38CC62-926E-4414-A680-D2D145209042}"/>
+              </a:ext>
+            </a:extLst>
+          </p:cNvPr>
+          <p:cNvPicPr>
+            <a:picLocks noChangeAspect="1"/>
+          </p:cNvPicPr>
+          <p:nvPr/>
+        </p:nvPicPr>
+        <p:blipFill>
+          <a:blip r:embed="rId3"/>
+          <a:stretch>
+            <a:fillRect/>
+          </a:stretch>
+        </p:blipFill>
+        <p:spPr>
+          <a:xfrm rot="9608786">
+            <a:off x="4353938" y="3347893"/>
+            <a:ext cx="1881541" cy="468429"/>
+          </a:xfrm>
+          <a:prstGeom prst="rect">
+            <a:avLst/>
+          </a:prstGeom>
+        </p:spPr>
+      </p:pic>
     </p:spTree>
     <p:extLst>
       <p:ext uri="{BB962C8B-B14F-4D97-AF65-F5344CB8AC3E}">
@@ -9917,7 +10876,363 @@
 </p:sld>
 </file>
 
-<file path=ppt/slides/slide13.xml><?xml version="1.0" encoding="utf-8"?>
+<file path=ppt/slides/slide14.xml><?xml version="1.0" encoding="utf-8"?>
+<p:sld xmlns:a="http://schemas.openxmlformats.org/drawingml/2006/main" xmlns:r="http://schemas.openxmlformats.org/officeDocument/2006/relationships" xmlns:p="http://schemas.openxmlformats.org/presentationml/2006/main">
+  <p:cSld>
+    <p:spTree>
+      <p:nvGrpSpPr>
+        <p:cNvPr id="1" name=""/>
+        <p:cNvGrpSpPr/>
+        <p:nvPr/>
+      </p:nvGrpSpPr>
+      <p:grpSpPr>
+        <a:xfrm>
+          <a:off x="0" y="0"/>
+          <a:ext cx="0" cy="0"/>
+          <a:chOff x="0" y="0"/>
+          <a:chExt cx="0" cy="0"/>
+        </a:xfrm>
+      </p:grpSpPr>
+      <p:pic>
+        <p:nvPicPr>
+          <p:cNvPr id="212" name="Immagine 19"/>
+          <p:cNvPicPr/>
+          <p:nvPr/>
+        </p:nvPicPr>
+        <p:blipFill>
+          <a:blip r:embed="rId2"/>
+          <a:srcRect r="2174" b="31141"/>
+          <a:stretch/>
+        </p:blipFill>
+        <p:spPr>
+          <a:xfrm rot="5400000" flipH="1">
+            <a:off x="-2368440" y="2372760"/>
+            <a:ext cx="6855840" cy="2114640"/>
+          </a:xfrm>
+          <a:prstGeom prst="rect">
+            <a:avLst/>
+          </a:prstGeom>
+          <a:ln w="0">
+            <a:noFill/>
+          </a:ln>
+        </p:spPr>
+      </p:pic>
+      <p:sp>
+        <p:nvSpPr>
+          <p:cNvPr id="213" name="CustomShape 1"/>
+          <p:cNvSpPr/>
+          <p:nvPr/>
+        </p:nvSpPr>
+        <p:spPr>
+          <a:xfrm>
+            <a:off x="0" y="6492240"/>
+            <a:ext cx="455760" cy="367878"/>
+          </a:xfrm>
+          <a:prstGeom prst="rect">
+            <a:avLst/>
+          </a:prstGeom>
+          <a:noFill/>
+          <a:ln w="0">
+            <a:noFill/>
+          </a:ln>
+        </p:spPr>
+        <p:style>
+          <a:lnRef idx="0">
+            <a:scrgbClr r="0" g="0" b="0"/>
+          </a:lnRef>
+          <a:fillRef idx="0">
+            <a:scrgbClr r="0" g="0" b="0"/>
+          </a:fillRef>
+          <a:effectRef idx="0">
+            <a:scrgbClr r="0" g="0" b="0"/>
+          </a:effectRef>
+          <a:fontRef idx="minor"/>
+        </p:style>
+        <p:txBody>
+          <a:bodyPr lIns="90000" tIns="45000" rIns="90000" bIns="45000" anchor="t">
+            <a:spAutoFit/>
+          </a:bodyPr>
+          <a:lstStyle/>
+          <a:p>
+            <a:pPr>
+              <a:lnSpc>
+                <a:spcPct val="100000"/>
+              </a:lnSpc>
+            </a:pPr>
+            <a:r>
+              <a:rPr lang="en-US" spc="-1" dirty="0">
+                <a:solidFill>
+                  <a:srgbClr val="000000"/>
+                </a:solidFill>
+                <a:latin typeface="Calibri"/>
+              </a:rPr>
+              <a:t>14</a:t>
+            </a:r>
+            <a:endParaRPr lang="it-IT" sz="1800" b="0" strike="noStrike" spc="-1" dirty="0">
+              <a:latin typeface="Calibri"/>
+            </a:endParaRPr>
+          </a:p>
+        </p:txBody>
+      </p:sp>
+      <p:sp>
+        <p:nvSpPr>
+          <p:cNvPr id="2" name="TextShape 1">
+            <a:extLst>
+              <a:ext uri="{FF2B5EF4-FFF2-40B4-BE49-F238E27FC236}">
+                <a16:creationId xmlns:a16="http://schemas.microsoft.com/office/drawing/2014/main" id="{DF7F40B7-0A1E-440E-9ECA-44D167BCE4A4}"/>
+              </a:ext>
+            </a:extLst>
+          </p:cNvPr>
+          <p:cNvSpPr/>
+          <p:nvPr/>
+        </p:nvSpPr>
+        <p:spPr>
+          <a:xfrm>
+            <a:off x="1787090" y="3490261"/>
+            <a:ext cx="5027732" cy="644877"/>
+          </a:xfrm>
+          <a:prstGeom prst="rect">
+            <a:avLst/>
+          </a:prstGeom>
+          <a:noFill/>
+          <a:ln w="0">
+            <a:noFill/>
+          </a:ln>
+        </p:spPr>
+        <p:style>
+          <a:lnRef idx="0">
+            <a:scrgbClr r="0" g="0" b="0"/>
+          </a:lnRef>
+          <a:fillRef idx="0">
+            <a:scrgbClr r="0" g="0" b="0"/>
+          </a:fillRef>
+          <a:effectRef idx="0">
+            <a:scrgbClr r="0" g="0" b="0"/>
+          </a:effectRef>
+          <a:fontRef idx="minor"/>
+        </p:style>
+        <p:txBody>
+          <a:bodyPr wrap="square" lIns="90000" tIns="45000" rIns="90000" bIns="45000" anchor="t">
+            <a:spAutoFit/>
+          </a:bodyPr>
+          <a:lstStyle/>
+          <a:p>
+            <a:r>
+              <a:rPr lang="it-IT" spc="-1" dirty="0">
+                <a:latin typeface="Arial"/>
+              </a:rPr>
+              <a:t>Viene creata una transazione grezza con destinazione l’</a:t>
+            </a:r>
+            <a:r>
+              <a:rPr lang="it-IT" spc="-1" dirty="0" err="1">
+                <a:latin typeface="Arial"/>
+              </a:rPr>
+              <a:t>address</a:t>
+            </a:r>
+            <a:r>
+              <a:rPr lang="it-IT" spc="-1" dirty="0">
+                <a:latin typeface="Arial"/>
+              </a:rPr>
+              <a:t> del contratto  </a:t>
+            </a:r>
+            <a:endParaRPr lang="it-IT" sz="1800" b="0" strike="noStrike" spc="-1" dirty="0">
+              <a:latin typeface="Arial"/>
+            </a:endParaRPr>
+          </a:p>
+        </p:txBody>
+      </p:sp>
+      <p:pic>
+        <p:nvPicPr>
+          <p:cNvPr id="3" name="Immagine 4" descr="Immagine che contiene testo&#10;&#10;Descrizione generata automaticamente">
+            <a:extLst>
+              <a:ext uri="{FF2B5EF4-FFF2-40B4-BE49-F238E27FC236}">
+                <a16:creationId xmlns:a16="http://schemas.microsoft.com/office/drawing/2014/main" id="{AC821347-12F5-466A-8D31-EA1478B09EC1}"/>
+              </a:ext>
+            </a:extLst>
+          </p:cNvPr>
+          <p:cNvPicPr>
+            <a:picLocks noChangeAspect="1"/>
+          </p:cNvPicPr>
+          <p:nvPr/>
+        </p:nvPicPr>
+        <p:blipFill>
+          <a:blip r:embed="rId3"/>
+          <a:stretch>
+            <a:fillRect/>
+          </a:stretch>
+        </p:blipFill>
+        <p:spPr>
+          <a:xfrm>
+            <a:off x="1740603" y="862800"/>
+            <a:ext cx="8695307" cy="2566200"/>
+          </a:xfrm>
+          <a:prstGeom prst="rect">
+            <a:avLst/>
+          </a:prstGeom>
+        </p:spPr>
+      </p:pic>
+      <p:sp>
+        <p:nvSpPr>
+          <p:cNvPr id="5" name="CustomShape 30">
+            <a:extLst>
+              <a:ext uri="{FF2B5EF4-FFF2-40B4-BE49-F238E27FC236}">
+                <a16:creationId xmlns:a16="http://schemas.microsoft.com/office/drawing/2014/main" id="{BF55239B-948E-4CC6-B1D0-AE5B01B1650C}"/>
+              </a:ext>
+            </a:extLst>
+          </p:cNvPr>
+          <p:cNvSpPr/>
+          <p:nvPr/>
+        </p:nvSpPr>
+        <p:spPr>
+          <a:xfrm>
+            <a:off x="900000" y="122523"/>
+            <a:ext cx="6109442" cy="644877"/>
+          </a:xfrm>
+          <a:prstGeom prst="rect">
+            <a:avLst/>
+          </a:prstGeom>
+          <a:noFill/>
+          <a:ln w="0">
+            <a:noFill/>
+          </a:ln>
+        </p:spPr>
+        <p:style>
+          <a:lnRef idx="0">
+            <a:scrgbClr r="0" g="0" b="0"/>
+          </a:lnRef>
+          <a:fillRef idx="0">
+            <a:scrgbClr r="0" g="0" b="0"/>
+          </a:fillRef>
+          <a:effectRef idx="0">
+            <a:scrgbClr r="0" g="0" b="0"/>
+          </a:effectRef>
+          <a:fontRef idx="minor"/>
+        </p:style>
+        <p:txBody>
+          <a:bodyPr wrap="square" lIns="90000" tIns="45000" rIns="90000" bIns="45000" anchor="t" anchorCtr="1">
+            <a:spAutoFit/>
+          </a:bodyPr>
+          <a:lstStyle/>
+          <a:p>
+            <a:pPr algn="ctr"/>
+            <a:r>
+              <a:rPr lang="it-IT" sz="3600" b="1" spc="-1" dirty="0">
+                <a:solidFill>
+                  <a:srgbClr val="000000"/>
+                </a:solidFill>
+                <a:latin typeface="Calibri"/>
+              </a:rPr>
+              <a:t>Esempio di transazione</a:t>
+            </a:r>
+            <a:endParaRPr lang="it-IT" sz="3600" dirty="0"/>
+          </a:p>
+        </p:txBody>
+      </p:sp>
+      <p:pic>
+        <p:nvPicPr>
+          <p:cNvPr id="8" name="Immagine 7">
+            <a:extLst>
+              <a:ext uri="{FF2B5EF4-FFF2-40B4-BE49-F238E27FC236}">
+                <a16:creationId xmlns:a16="http://schemas.microsoft.com/office/drawing/2014/main" id="{3E85C550-6D48-46F0-8F46-E9AB09741D8B}"/>
+              </a:ext>
+            </a:extLst>
+          </p:cNvPr>
+          <p:cNvPicPr>
+            <a:picLocks noChangeAspect="1"/>
+          </p:cNvPicPr>
+          <p:nvPr/>
+        </p:nvPicPr>
+        <p:blipFill>
+          <a:blip r:embed="rId4">
+            <a:extLst>
+              <a:ext uri="{28A0092B-C50C-407E-A947-70E740481C1C}">
+                <a14:useLocalDpi xmlns:a14="http://schemas.microsoft.com/office/drawing/2010/main" val="0"/>
+              </a:ext>
+            </a:extLst>
+          </a:blip>
+          <a:stretch>
+            <a:fillRect/>
+          </a:stretch>
+        </p:blipFill>
+        <p:spPr>
+          <a:xfrm>
+            <a:off x="1787090" y="4250544"/>
+            <a:ext cx="9723366" cy="1315046"/>
+          </a:xfrm>
+          <a:prstGeom prst="rect">
+            <a:avLst/>
+          </a:prstGeom>
+        </p:spPr>
+      </p:pic>
+      <p:sp>
+        <p:nvSpPr>
+          <p:cNvPr id="13" name="TextShape 1">
+            <a:extLst>
+              <a:ext uri="{FF2B5EF4-FFF2-40B4-BE49-F238E27FC236}">
+                <a16:creationId xmlns:a16="http://schemas.microsoft.com/office/drawing/2014/main" id="{6537BFA2-E318-4B2E-8808-262CA3936A94}"/>
+              </a:ext>
+            </a:extLst>
+          </p:cNvPr>
+          <p:cNvSpPr/>
+          <p:nvPr/>
+        </p:nvSpPr>
+        <p:spPr>
+          <a:xfrm>
+            <a:off x="1787089" y="5742257"/>
+            <a:ext cx="5419623" cy="367878"/>
+          </a:xfrm>
+          <a:prstGeom prst="rect">
+            <a:avLst/>
+          </a:prstGeom>
+          <a:noFill/>
+          <a:ln w="0">
+            <a:noFill/>
+          </a:ln>
+        </p:spPr>
+        <p:style>
+          <a:lnRef idx="0">
+            <a:scrgbClr r="0" g="0" b="0"/>
+          </a:lnRef>
+          <a:fillRef idx="0">
+            <a:scrgbClr r="0" g="0" b="0"/>
+          </a:fillRef>
+          <a:effectRef idx="0">
+            <a:scrgbClr r="0" g="0" b="0"/>
+          </a:effectRef>
+          <a:fontRef idx="minor"/>
+        </p:style>
+        <p:txBody>
+          <a:bodyPr wrap="square" lIns="90000" tIns="45000" rIns="90000" bIns="45000" anchor="t">
+            <a:spAutoFit/>
+          </a:bodyPr>
+          <a:lstStyle/>
+          <a:p>
+            <a:r>
+              <a:rPr lang="it-IT" spc="-1" dirty="0">
+                <a:latin typeface="Arial"/>
+              </a:rPr>
+              <a:t>Viene firmata con la chiave privata ed infine inviata </a:t>
+            </a:r>
+            <a:endParaRPr lang="it-IT" sz="1800" b="0" strike="noStrike" spc="-1" dirty="0">
+              <a:latin typeface="Arial"/>
+            </a:endParaRPr>
+          </a:p>
+        </p:txBody>
+      </p:sp>
+    </p:spTree>
+    <p:extLst>
+      <p:ext uri="{BB962C8B-B14F-4D97-AF65-F5344CB8AC3E}">
+        <p14:creationId xmlns:p14="http://schemas.microsoft.com/office/powerpoint/2010/main" val="3052294848"/>
+      </p:ext>
+    </p:extLst>
+  </p:cSld>
+  <p:clrMapOvr>
+    <a:masterClrMapping/>
+  </p:clrMapOvr>
+</p:sld>
+</file>
+
+<file path=ppt/slides/slide15.xml><?xml version="1.0" encoding="utf-8"?>
 <p:sld xmlns:a="http://schemas.openxmlformats.org/drawingml/2006/main" xmlns:r="http://schemas.openxmlformats.org/officeDocument/2006/relationships" xmlns:p="http://schemas.openxmlformats.org/presentationml/2006/main">
   <p:cSld>
     <p:spTree>
@@ -9962,7 +11277,7 @@
         </p:blipFill>
         <p:spPr>
           <a:xfrm rot="5400000">
-            <a:off x="4920602" y="3837927"/>
+            <a:off x="3847684" y="1575190"/>
             <a:ext cx="666678" cy="1474353"/>
           </a:xfrm>
           <a:prstGeom prst="rect">
@@ -9982,7 +11297,7 @@
         </p:blipFill>
         <p:spPr>
           <a:xfrm>
-            <a:off x="8460000" y="3780000"/>
+            <a:off x="7387082" y="1517263"/>
             <a:ext cx="2640240" cy="2965320"/>
           </a:xfrm>
           <a:prstGeom prst="rect">
@@ -10060,15 +11375,15 @@
               </a:lnSpc>
             </a:pPr>
             <a:r>
-              <a:rPr lang="it-IT" spc="-1">
+              <a:rPr lang="it-IT" spc="-1" dirty="0">
                 <a:solidFill>
                   <a:srgbClr val="000000"/>
                 </a:solidFill>
                 <a:latin typeface="Calibri"/>
               </a:rPr>
-              <a:t>13</a:t>
-            </a:r>
-            <a:endParaRPr lang="it-IT" sz="1800" b="0" strike="noStrike" spc="-1">
+              <a:t>15</a:t>
+            </a:r>
+            <a:endParaRPr lang="it-IT" sz="1800" b="0" strike="noStrike" spc="-1" dirty="0">
               <a:latin typeface="Calibri"/>
             </a:endParaRPr>
           </a:p>
@@ -10082,7 +11397,7 @@
         </p:nvSpPr>
         <p:spPr>
           <a:xfrm>
-            <a:off x="8465040" y="4276800"/>
+            <a:off x="7392122" y="2014063"/>
             <a:ext cx="1974600" cy="425160"/>
           </a:xfrm>
           <a:prstGeom prst="rect">
@@ -10144,7 +11459,7 @@
         </p:blipFill>
         <p:spPr>
           <a:xfrm>
-            <a:off x="3420000" y="3957349"/>
+            <a:off x="2347082" y="1694612"/>
             <a:ext cx="1317960" cy="1235160"/>
           </a:xfrm>
           <a:prstGeom prst="rect">
@@ -10163,7 +11478,7 @@
         </p:nvSpPr>
         <p:spPr>
           <a:xfrm>
-            <a:off x="4653854" y="4125060"/>
+            <a:off x="3580936" y="1862323"/>
             <a:ext cx="910080" cy="364320"/>
           </a:xfrm>
           <a:prstGeom prst="rect">
@@ -10221,7 +11536,7 @@
         </p:nvSpPr>
         <p:spPr>
           <a:xfrm>
-            <a:off x="5940000" y="4314600"/>
+            <a:off x="4867082" y="2051863"/>
             <a:ext cx="1482840" cy="455760"/>
           </a:xfrm>
           <a:prstGeom prst="rect">
@@ -10279,7 +11594,7 @@
         </p:nvSpPr>
         <p:spPr>
           <a:xfrm>
-            <a:off x="5898960" y="6218460"/>
+            <a:off x="4826042" y="3955723"/>
             <a:ext cx="1564920" cy="455760"/>
           </a:xfrm>
           <a:prstGeom prst="rect">
@@ -10352,29 +11667,6 @@
           </a:ln>
         </p:spPr>
       </p:pic>
-      <p:pic>
-        <p:nvPicPr>
-          <p:cNvPr id="224" name="Immagine 181"/>
-          <p:cNvPicPr/>
-          <p:nvPr/>
-        </p:nvPicPr>
-        <p:blipFill>
-          <a:blip r:embed="rId7"/>
-          <a:stretch/>
-        </p:blipFill>
-        <p:spPr>
-          <a:xfrm>
-            <a:off x="7199640" y="207259"/>
-            <a:ext cx="1617840" cy="1566000"/>
-          </a:xfrm>
-          <a:prstGeom prst="rect">
-            <a:avLst/>
-          </a:prstGeom>
-          <a:ln w="0">
-            <a:noFill/>
-          </a:ln>
-        </p:spPr>
-      </p:pic>
       <p:sp>
         <p:nvSpPr>
           <p:cNvPr id="225" name="CustomShape 10"/>
@@ -10441,8 +11733,8 @@
         </p:nvSpPr>
         <p:spPr>
           <a:xfrm>
-            <a:off x="1620000" y="1080000"/>
-            <a:ext cx="5579640" cy="2851048"/>
+            <a:off x="2116801" y="4610084"/>
+            <a:ext cx="9552228" cy="1788357"/>
           </a:xfrm>
           <a:prstGeom prst="rect">
             <a:avLst/>
@@ -10476,7 +11768,7 @@
               </a:lnSpc>
             </a:pPr>
             <a:r>
-              <a:rPr lang="it-IT" sz="1800" b="0" strike="noStrike" spc="-1">
+              <a:rPr lang="it-IT" sz="1600" b="0" strike="noStrike" spc="-1" dirty="0">
                 <a:latin typeface="Arial"/>
               </a:rPr>
               <a:t>Esistono 3 contratti:</a:t>
@@ -10495,19 +11787,19 @@
               <a:buChar char=""/>
             </a:pPr>
             <a:r>
-              <a:rPr lang="it-IT" sz="1800" b="0" strike="noStrike" spc="-1">
+              <a:rPr lang="it-IT" sz="1600" b="0" strike="noStrike" spc="-1" dirty="0">
                 <a:latin typeface="Arial"/>
               </a:rPr>
               <a:t>Boxing: interfaccia per i vari enti partecipanti al consorzio: “</a:t>
             </a:r>
             <a:r>
-              <a:rPr lang="it-IT" sz="1800" b="0" strike="noStrike" spc="-1" err="1">
+              <a:rPr lang="it-IT" sz="1600" b="0" strike="noStrike" spc="-1" dirty="0" err="1">
                 <a:latin typeface="Arial"/>
               </a:rPr>
               <a:t>BusinessTravel.sol</a:t>
             </a:r>
             <a:r>
-              <a:rPr lang="it-IT" sz="1800" b="0" strike="noStrike" spc="-1">
+              <a:rPr lang="it-IT" sz="1600" b="0" strike="noStrike" spc="-1" dirty="0">
                 <a:latin typeface="Arial"/>
               </a:rPr>
               <a:t>”</a:t>
@@ -10519,7 +11811,53 @@
                 <a:spcPct val="100000"/>
               </a:lnSpc>
             </a:pPr>
-            <a:endParaRPr lang="it-IT" sz="1800" b="0" strike="noStrike" spc="-1">
+            <a:endParaRPr lang="it-IT" sz="1600" b="0" strike="noStrike" spc="-1" dirty="0">
+              <a:latin typeface="Arial"/>
+            </a:endParaRPr>
+          </a:p>
+          <a:p>
+            <a:pPr marL="285750" indent="-285750">
+              <a:lnSpc>
+                <a:spcPct val="100000"/>
+              </a:lnSpc>
+              <a:buFont typeface="Arial" panose="020B0604020202020204" pitchFamily="34" charset="0"/>
+              <a:buChar char="•"/>
+            </a:pPr>
+            <a:r>
+              <a:rPr lang="it-IT" sz="1600" b="0" strike="noStrike" spc="-1" dirty="0" err="1">
+                <a:latin typeface="Arial"/>
+              </a:rPr>
+              <a:t>Registry</a:t>
+            </a:r>
+            <a:r>
+              <a:rPr lang="it-IT" sz="1600" b="0" strike="noStrike" spc="-1" dirty="0">
+                <a:latin typeface="Arial"/>
+              </a:rPr>
+              <a:t>: contratto che funge da registro per gli utenti/Enti e le loro autorizzazioni: “</a:t>
+            </a:r>
+            <a:r>
+              <a:rPr lang="it-IT" sz="1600" b="0" strike="noStrike" spc="-1" dirty="0" err="1">
+                <a:latin typeface="Arial"/>
+              </a:rPr>
+              <a:t>BusinessRegistry.sol</a:t>
+            </a:r>
+            <a:r>
+              <a:rPr lang="it-IT" sz="1600" b="0" strike="noStrike" spc="-1" dirty="0">
+                <a:latin typeface="Arial"/>
+              </a:rPr>
+              <a:t>”</a:t>
+            </a:r>
+            <a:endParaRPr lang="it-IT" sz="1600" spc="-1" dirty="0">
+              <a:latin typeface="Arial"/>
+            </a:endParaRPr>
+          </a:p>
+          <a:p>
+            <a:pPr>
+              <a:lnSpc>
+                <a:spcPct val="100000"/>
+              </a:lnSpc>
+            </a:pPr>
+            <a:endParaRPr lang="it-IT" sz="1600" b="0" strike="noStrike" spc="-1" dirty="0">
               <a:latin typeface="Arial"/>
             </a:endParaRPr>
           </a:p>
@@ -10536,102 +11874,49 @@
               <a:buChar char=""/>
             </a:pPr>
             <a:r>
-              <a:rPr lang="it-IT" sz="1800" b="0" strike="noStrike" spc="-1" err="1">
+              <a:rPr lang="it-IT" sz="1600" b="0" strike="noStrike" spc="-1" dirty="0" err="1">
                 <a:latin typeface="Arial"/>
               </a:rPr>
               <a:t>Soring</a:t>
             </a:r>
             <a:r>
-              <a:rPr lang="it-IT" sz="1800" b="0" strike="noStrike" spc="-1">
+              <a:rPr lang="it-IT" sz="1600" b="0" strike="noStrike" spc="-1" dirty="0">
                 <a:latin typeface="Arial"/>
               </a:rPr>
               <a:t> </a:t>
             </a:r>
             <a:r>
-              <a:rPr lang="it-IT" sz="1800" b="0" strike="noStrike" spc="-1" err="1">
+              <a:rPr lang="it-IT" sz="1600" b="0" strike="noStrike" spc="-1" dirty="0" err="1">
                 <a:latin typeface="Arial"/>
               </a:rPr>
               <a:t>Hash</a:t>
             </a:r>
             <a:r>
-              <a:rPr lang="it-IT" sz="1800" b="0" strike="noStrike" spc="-1">
+              <a:rPr lang="it-IT" sz="1600" b="0" strike="noStrike" spc="-1" dirty="0">
                 <a:latin typeface="Arial"/>
               </a:rPr>
               <a:t>: Utilizzato per il salvataggio dei vari </a:t>
             </a:r>
             <a:r>
-              <a:rPr lang="it-IT" sz="1800" b="0" strike="noStrike" spc="-1" err="1">
+              <a:rPr lang="it-IT" sz="1600" b="0" strike="noStrike" spc="-1" dirty="0" err="1">
                 <a:latin typeface="Arial"/>
               </a:rPr>
               <a:t>hash</a:t>
             </a:r>
             <a:r>
-              <a:rPr lang="it-IT" sz="1800" b="0" strike="noStrike" spc="-1">
+              <a:rPr lang="it-IT" sz="1600" b="0" strike="noStrike" spc="-1" dirty="0">
                 <a:latin typeface="Arial"/>
               </a:rPr>
               <a:t> identificati da un ID: “</a:t>
             </a:r>
             <a:r>
-              <a:rPr lang="it-IT" sz="1800" b="0" strike="noStrike" spc="-1" err="1">
+              <a:rPr lang="it-IT" sz="1600" b="0" strike="noStrike" spc="-1" dirty="0" err="1">
                 <a:latin typeface="Arial"/>
               </a:rPr>
               <a:t>Travel.sol</a:t>
             </a:r>
             <a:r>
-              <a:rPr lang="it-IT" sz="1800" b="0" strike="noStrike" spc="-1">
-                <a:latin typeface="Arial"/>
-              </a:rPr>
-              <a:t>”</a:t>
-            </a:r>
-          </a:p>
-          <a:p>
-            <a:pPr>
-              <a:lnSpc>
-                <a:spcPct val="100000"/>
-              </a:lnSpc>
-            </a:pPr>
-            <a:endParaRPr lang="it-IT" sz="1800" b="0" strike="noStrike" spc="-1">
-              <a:latin typeface="Arial"/>
-            </a:endParaRPr>
-          </a:p>
-          <a:p>
-            <a:pPr marL="216000" indent="-216000">
-              <a:lnSpc>
-                <a:spcPct val="100000"/>
-              </a:lnSpc>
-              <a:buClr>
-                <a:srgbClr val="000000"/>
-              </a:buClr>
-              <a:buSzPct val="45000"/>
-              <a:buFont typeface="Wingdings" charset="2"/>
-              <a:buChar char=""/>
-            </a:pPr>
-            <a:r>
-              <a:rPr lang="it-IT" sz="1800" b="0" strike="noStrike" spc="-1">
-                <a:latin typeface="Arial"/>
-              </a:rPr>
-              <a:t> </a:t>
-            </a:r>
-            <a:r>
-              <a:rPr lang="it-IT" sz="1800" b="0" strike="noStrike" spc="-1" err="1">
-                <a:latin typeface="Arial"/>
-              </a:rPr>
-              <a:t>Registry</a:t>
-            </a:r>
-            <a:r>
-              <a:rPr lang="it-IT" sz="1800" b="0" strike="noStrike" spc="-1">
-                <a:latin typeface="Arial"/>
-              </a:rPr>
-              <a:t>: contratto che funge da registro per gli utenti/Enti e le loro autorizzazioni: “</a:t>
-            </a:r>
-            <a:r>
-              <a:rPr lang="it-IT" sz="1800" b="0" strike="noStrike" spc="-1" err="1">
-                <a:latin typeface="Arial"/>
-              </a:rPr>
-              <a:t>BusinessRegistry.sol</a:t>
-            </a:r>
-            <a:r>
-              <a:rPr lang="it-IT" sz="1800" b="0" strike="noStrike" spc="-1">
+              <a:rPr lang="it-IT" sz="1600" b="0" strike="noStrike" spc="-1" dirty="0">
                 <a:latin typeface="Arial"/>
               </a:rPr>
               <a:t>”</a:t>
@@ -10654,7 +11939,7 @@
           <p:nvPr/>
         </p:nvPicPr>
         <p:blipFill>
-          <a:blip r:embed="rId8" cstate="print">
+          <a:blip r:embed="rId7" cstate="print">
             <a:extLst>
               <a:ext uri="{28A0092B-C50C-407E-A947-70E740481C1C}">
                 <a14:useLocalDpi xmlns:a14="http://schemas.microsoft.com/office/drawing/2010/main" val="0"/>
@@ -10667,7 +11952,7 @@
         </p:blipFill>
         <p:spPr>
           <a:xfrm rot="10800000">
-            <a:off x="5764278" y="4749968"/>
+            <a:off x="4691360" y="2487231"/>
             <a:ext cx="1474352" cy="1474352"/>
           </a:xfrm>
           <a:prstGeom prst="rect">
@@ -10703,7 +11988,7 @@
         </p:blipFill>
         <p:spPr>
           <a:xfrm rot="5400000">
-            <a:off x="7370154" y="3811236"/>
+            <a:off x="6297236" y="1548499"/>
             <a:ext cx="666678" cy="1474353"/>
           </a:xfrm>
           <a:prstGeom prst="rect">
@@ -10712,670 +11997,6 @@
         </p:spPr>
       </p:pic>
     </p:spTree>
-  </p:cSld>
-  <p:clrMapOvr>
-    <a:masterClrMapping/>
-  </p:clrMapOvr>
-</p:sld>
-</file>
-
-<file path=ppt/slides/slide14.xml><?xml version="1.0" encoding="utf-8"?>
-<p:sld xmlns:a="http://schemas.openxmlformats.org/drawingml/2006/main" xmlns:r="http://schemas.openxmlformats.org/officeDocument/2006/relationships" xmlns:p="http://schemas.openxmlformats.org/presentationml/2006/main">
-  <p:cSld>
-    <p:spTree>
-      <p:nvGrpSpPr>
-        <p:cNvPr id="1" name=""/>
-        <p:cNvGrpSpPr/>
-        <p:nvPr/>
-      </p:nvGrpSpPr>
-      <p:grpSpPr>
-        <a:xfrm>
-          <a:off x="0" y="0"/>
-          <a:ext cx="0" cy="0"/>
-          <a:chOff x="0" y="0"/>
-          <a:chExt cx="0" cy="0"/>
-        </a:xfrm>
-      </p:grpSpPr>
-      <p:pic>
-        <p:nvPicPr>
-          <p:cNvPr id="212" name="Immagine 19"/>
-          <p:cNvPicPr/>
-          <p:nvPr/>
-        </p:nvPicPr>
-        <p:blipFill>
-          <a:blip r:embed="rId2"/>
-          <a:srcRect r="2174" b="31141"/>
-          <a:stretch/>
-        </p:blipFill>
-        <p:spPr>
-          <a:xfrm rot="5400000" flipH="1">
-            <a:off x="-2368440" y="2372760"/>
-            <a:ext cx="6855840" cy="2114640"/>
-          </a:xfrm>
-          <a:prstGeom prst="rect">
-            <a:avLst/>
-          </a:prstGeom>
-          <a:ln w="0">
-            <a:noFill/>
-          </a:ln>
-        </p:spPr>
-      </p:pic>
-      <p:sp>
-        <p:nvSpPr>
-          <p:cNvPr id="213" name="CustomShape 1"/>
-          <p:cNvSpPr/>
-          <p:nvPr/>
-        </p:nvSpPr>
-        <p:spPr>
-          <a:xfrm>
-            <a:off x="0" y="6492240"/>
-            <a:ext cx="455760" cy="367878"/>
-          </a:xfrm>
-          <a:prstGeom prst="rect">
-            <a:avLst/>
-          </a:prstGeom>
-          <a:noFill/>
-          <a:ln w="0">
-            <a:noFill/>
-          </a:ln>
-        </p:spPr>
-        <p:style>
-          <a:lnRef idx="0">
-            <a:scrgbClr r="0" g="0" b="0"/>
-          </a:lnRef>
-          <a:fillRef idx="0">
-            <a:scrgbClr r="0" g="0" b="0"/>
-          </a:fillRef>
-          <a:effectRef idx="0">
-            <a:scrgbClr r="0" g="0" b="0"/>
-          </a:effectRef>
-          <a:fontRef idx="minor"/>
-        </p:style>
-        <p:txBody>
-          <a:bodyPr lIns="90000" tIns="45000" rIns="90000" bIns="45000" anchor="t">
-            <a:spAutoFit/>
-          </a:bodyPr>
-          <a:lstStyle/>
-          <a:p>
-            <a:pPr>
-              <a:lnSpc>
-                <a:spcPct val="100000"/>
-              </a:lnSpc>
-            </a:pPr>
-            <a:r>
-              <a:rPr lang="en-US" spc="-1">
-                <a:solidFill>
-                  <a:srgbClr val="000000"/>
-                </a:solidFill>
-                <a:latin typeface="Calibri"/>
-              </a:rPr>
-              <a:t>14</a:t>
-            </a:r>
-            <a:endParaRPr lang="it-IT" sz="1800" b="0" strike="noStrike" spc="-1">
-              <a:latin typeface="Calibri"/>
-            </a:endParaRPr>
-          </a:p>
-        </p:txBody>
-      </p:sp>
-      <p:sp>
-        <p:nvSpPr>
-          <p:cNvPr id="225" name="CustomShape 10"/>
-          <p:cNvSpPr/>
-          <p:nvPr/>
-        </p:nvSpPr>
-        <p:spPr>
-          <a:xfrm>
-            <a:off x="990429" y="163828"/>
-            <a:ext cx="4602960" cy="767987"/>
-          </a:xfrm>
-          <a:prstGeom prst="rect">
-            <a:avLst/>
-          </a:prstGeom>
-          <a:noFill/>
-          <a:ln w="0">
-            <a:noFill/>
-          </a:ln>
-        </p:spPr>
-        <p:style>
-          <a:lnRef idx="0">
-            <a:scrgbClr r="0" g="0" b="0"/>
-          </a:lnRef>
-          <a:fillRef idx="0">
-            <a:scrgbClr r="0" g="0" b="0"/>
-          </a:fillRef>
-          <a:effectRef idx="0">
-            <a:scrgbClr r="0" g="0" b="0"/>
-          </a:effectRef>
-          <a:fontRef idx="minor"/>
-        </p:style>
-        <p:txBody>
-          <a:bodyPr lIns="90000" tIns="45000" rIns="90000" bIns="45000" anchor="t" anchorCtr="1">
-            <a:spAutoFit/>
-          </a:bodyPr>
-          <a:lstStyle/>
-          <a:p>
-            <a:pPr algn="ctr">
-              <a:lnSpc>
-                <a:spcPct val="100000"/>
-              </a:lnSpc>
-            </a:pPr>
-            <a:r>
-              <a:rPr lang="it-IT" sz="4400" b="1" spc="-1">
-                <a:solidFill>
-                  <a:srgbClr val="000000"/>
-                </a:solidFill>
-                <a:latin typeface="Calibri"/>
-              </a:rPr>
-              <a:t>Contratti</a:t>
-            </a:r>
-            <a:endParaRPr lang="it-IT"/>
-          </a:p>
-        </p:txBody>
-      </p:sp>
-      <p:sp>
-        <p:nvSpPr>
-          <p:cNvPr id="2" name="CasellaDiTesto 1">
-            <a:extLst>
-              <a:ext uri="{FF2B5EF4-FFF2-40B4-BE49-F238E27FC236}">
-                <a16:creationId xmlns:a16="http://schemas.microsoft.com/office/drawing/2014/main" id="{8F907236-E45B-4013-9BE3-ECF4FB693855}"/>
-              </a:ext>
-            </a:extLst>
-          </p:cNvPr>
-          <p:cNvSpPr txBox="1"/>
-          <p:nvPr/>
-        </p:nvSpPr>
-        <p:spPr>
-          <a:xfrm>
-            <a:off x="1492469" y="1089572"/>
-            <a:ext cx="3820510" cy="3970318"/>
-          </a:xfrm>
-          <a:prstGeom prst="rect">
-            <a:avLst/>
-          </a:prstGeom>
-          <a:noFill/>
-        </p:spPr>
-        <p:txBody>
-          <a:bodyPr rot="0" spcFirstLastPara="0" vertOverflow="overflow" horzOverflow="overflow" vert="horz" wrap="square" lIns="91440" tIns="45720" rIns="91440" bIns="45720" numCol="1" spcCol="0" rtlCol="0" fromWordArt="0" anchor="t" anchorCtr="0" forceAA="0" compatLnSpc="1">
-            <a:prstTxWarp prst="textNoShape">
-              <a:avLst/>
-            </a:prstTxWarp>
-            <a:spAutoFit/>
-          </a:bodyPr>
-          <a:lstStyle/>
-          <a:p>
-            <a:r>
-              <a:rPr lang="it-IT">
-                <a:cs typeface="Arial"/>
-              </a:rPr>
-              <a:t>BusinessTravel:</a:t>
-            </a:r>
-          </a:p>
-          <a:p>
-            <a:r>
-              <a:rPr lang="it-IT" dirty="0">
-                <a:cs typeface="Arial"/>
-              </a:rPr>
-              <a:t>È il contratto  con cui gli </a:t>
-            </a:r>
-            <a:r>
-              <a:rPr lang="it-IT">
-                <a:cs typeface="Arial"/>
-              </a:rPr>
-              <a:t>utenti della blockchain si interfacciano</a:t>
-            </a:r>
-          </a:p>
-          <a:p>
-            <a:endParaRPr lang="it-IT" dirty="0">
-              <a:cs typeface="Arial"/>
-            </a:endParaRPr>
-          </a:p>
-          <a:p>
-            <a:r>
-              <a:rPr lang="it-IT">
-                <a:cs typeface="Arial"/>
-              </a:rPr>
-              <a:t>Possiede come attributi 2 mapping:</a:t>
-            </a:r>
-            <a:endParaRPr lang="it-IT" dirty="0">
-              <a:cs typeface="Arial"/>
-            </a:endParaRPr>
-          </a:p>
-          <a:p>
-            <a:pPr marL="342900" indent="-342900">
-              <a:buAutoNum type="arabicPeriod"/>
-            </a:pPr>
-            <a:r>
-              <a:rPr lang="it-IT">
-                <a:cs typeface="Arial"/>
-              </a:rPr>
-              <a:t>Permette di assegnare un contratto Travel ad ogni Ente</a:t>
-            </a:r>
-          </a:p>
-          <a:p>
-            <a:pPr marL="342900" indent="-342900">
-              <a:buAutoNum type="arabicPeriod"/>
-            </a:pPr>
-            <a:r>
-              <a:rPr lang="it-IT">
-                <a:cs typeface="Arial"/>
-              </a:rPr>
-              <a:t>Controlla se un ente è giá inizializzato o meno</a:t>
-            </a:r>
-            <a:endParaRPr lang="it-IT" dirty="0">
-              <a:cs typeface="Arial"/>
-            </a:endParaRPr>
-          </a:p>
-          <a:p>
-            <a:pPr marL="342900" indent="-342900">
-              <a:buAutoNum type="arabicPeriod"/>
-            </a:pPr>
-            <a:endParaRPr lang="it-IT" dirty="0">
-              <a:cs typeface="Arial"/>
-            </a:endParaRPr>
-          </a:p>
-          <a:p>
-            <a:r>
-              <a:rPr lang="it-IT" dirty="0">
-                <a:cs typeface="Arial"/>
-              </a:rPr>
-              <a:t>Queso contratto è un Boxing di Travel (non cambia la funzione del contratto e si pone come </a:t>
-            </a:r>
-            <a:r>
-              <a:rPr lang="it-IT">
-                <a:cs typeface="Arial"/>
-              </a:rPr>
-              <a:t>interfaccia), </a:t>
-            </a:r>
-            <a:endParaRPr lang="it-IT" dirty="0">
-              <a:cs typeface="Arial"/>
-            </a:endParaRPr>
-          </a:p>
-        </p:txBody>
-      </p:sp>
-      <p:pic>
-        <p:nvPicPr>
-          <p:cNvPr id="3" name="Immagine 3" descr="Immagine che contiene testo&#10;&#10;Descrizione generata automaticamente">
-            <a:extLst>
-              <a:ext uri="{FF2B5EF4-FFF2-40B4-BE49-F238E27FC236}">
-                <a16:creationId xmlns:a16="http://schemas.microsoft.com/office/drawing/2014/main" id="{39EBD9F1-3E26-429F-9CDC-32C7282F37F8}"/>
-              </a:ext>
-            </a:extLst>
-          </p:cNvPr>
-          <p:cNvPicPr>
-            <a:picLocks noChangeAspect="1"/>
-          </p:cNvPicPr>
-          <p:nvPr/>
-        </p:nvPicPr>
-        <p:blipFill>
-          <a:blip r:embed="rId3"/>
-          <a:stretch>
-            <a:fillRect/>
-          </a:stretch>
-        </p:blipFill>
-        <p:spPr>
-          <a:xfrm>
-            <a:off x="6099504" y="752332"/>
-            <a:ext cx="5677337" cy="4258508"/>
-          </a:xfrm>
-          <a:prstGeom prst="rect">
-            <a:avLst/>
-          </a:prstGeom>
-        </p:spPr>
-      </p:pic>
-    </p:spTree>
-    <p:extLst>
-      <p:ext uri="{BB962C8B-B14F-4D97-AF65-F5344CB8AC3E}">
-        <p14:creationId xmlns:p14="http://schemas.microsoft.com/office/powerpoint/2010/main" val="3561036294"/>
-      </p:ext>
-    </p:extLst>
-  </p:cSld>
-  <p:clrMapOvr>
-    <a:masterClrMapping/>
-  </p:clrMapOvr>
-</p:sld>
-</file>
-
-<file path=ppt/slides/slide15.xml><?xml version="1.0" encoding="utf-8"?>
-<p:sld xmlns:a="http://schemas.openxmlformats.org/drawingml/2006/main" xmlns:r="http://schemas.openxmlformats.org/officeDocument/2006/relationships" xmlns:p="http://schemas.openxmlformats.org/presentationml/2006/main">
-  <p:cSld>
-    <p:spTree>
-      <p:nvGrpSpPr>
-        <p:cNvPr id="1" name=""/>
-        <p:cNvGrpSpPr/>
-        <p:nvPr/>
-      </p:nvGrpSpPr>
-      <p:grpSpPr>
-        <a:xfrm>
-          <a:off x="0" y="0"/>
-          <a:ext cx="0" cy="0"/>
-          <a:chOff x="0" y="0"/>
-          <a:chExt cx="0" cy="0"/>
-        </a:xfrm>
-      </p:grpSpPr>
-      <p:pic>
-        <p:nvPicPr>
-          <p:cNvPr id="212" name="Immagine 19"/>
-          <p:cNvPicPr/>
-          <p:nvPr/>
-        </p:nvPicPr>
-        <p:blipFill>
-          <a:blip r:embed="rId2"/>
-          <a:srcRect r="2174" b="31141"/>
-          <a:stretch/>
-        </p:blipFill>
-        <p:spPr>
-          <a:xfrm rot="5400000" flipH="1">
-            <a:off x="-2368440" y="2372760"/>
-            <a:ext cx="6855840" cy="2114640"/>
-          </a:xfrm>
-          <a:prstGeom prst="rect">
-            <a:avLst/>
-          </a:prstGeom>
-          <a:ln w="0">
-            <a:noFill/>
-          </a:ln>
-        </p:spPr>
-      </p:pic>
-      <p:sp>
-        <p:nvSpPr>
-          <p:cNvPr id="213" name="CustomShape 1"/>
-          <p:cNvSpPr/>
-          <p:nvPr/>
-        </p:nvSpPr>
-        <p:spPr>
-          <a:xfrm>
-            <a:off x="0" y="6492240"/>
-            <a:ext cx="455760" cy="367878"/>
-          </a:xfrm>
-          <a:prstGeom prst="rect">
-            <a:avLst/>
-          </a:prstGeom>
-          <a:noFill/>
-          <a:ln w="0">
-            <a:noFill/>
-          </a:ln>
-        </p:spPr>
-        <p:style>
-          <a:lnRef idx="0">
-            <a:scrgbClr r="0" g="0" b="0"/>
-          </a:lnRef>
-          <a:fillRef idx="0">
-            <a:scrgbClr r="0" g="0" b="0"/>
-          </a:fillRef>
-          <a:effectRef idx="0">
-            <a:scrgbClr r="0" g="0" b="0"/>
-          </a:effectRef>
-          <a:fontRef idx="minor"/>
-        </p:style>
-        <p:txBody>
-          <a:bodyPr lIns="90000" tIns="45000" rIns="90000" bIns="45000" anchor="t">
-            <a:spAutoFit/>
-          </a:bodyPr>
-          <a:lstStyle/>
-          <a:p>
-            <a:pPr>
-              <a:lnSpc>
-                <a:spcPct val="100000"/>
-              </a:lnSpc>
-            </a:pPr>
-            <a:r>
-              <a:rPr lang="en-US" spc="-1">
-                <a:solidFill>
-                  <a:srgbClr val="000000"/>
-                </a:solidFill>
-                <a:latin typeface="Calibri"/>
-              </a:rPr>
-              <a:t>15</a:t>
-            </a:r>
-            <a:endParaRPr lang="it-IT" sz="1800" b="0" strike="noStrike" spc="-1">
-              <a:latin typeface="Calibri"/>
-            </a:endParaRPr>
-          </a:p>
-        </p:txBody>
-      </p:sp>
-      <p:sp>
-        <p:nvSpPr>
-          <p:cNvPr id="2" name="CasellaDiTesto 1">
-            <a:extLst>
-              <a:ext uri="{FF2B5EF4-FFF2-40B4-BE49-F238E27FC236}">
-                <a16:creationId xmlns:a16="http://schemas.microsoft.com/office/drawing/2014/main" id="{0778853F-6D8E-4BFF-AF30-38674991DFAF}"/>
-              </a:ext>
-            </a:extLst>
-          </p:cNvPr>
-          <p:cNvSpPr txBox="1"/>
-          <p:nvPr/>
-        </p:nvSpPr>
-        <p:spPr>
-          <a:xfrm>
-            <a:off x="1492469" y="520261"/>
-            <a:ext cx="3820510" cy="2462213"/>
-          </a:xfrm>
-          <a:prstGeom prst="rect">
-            <a:avLst/>
-          </a:prstGeom>
-          <a:noFill/>
-        </p:spPr>
-        <p:txBody>
-          <a:bodyPr rot="0" spcFirstLastPara="0" vertOverflow="overflow" horzOverflow="overflow" vert="horz" wrap="square" lIns="91440" tIns="45720" rIns="91440" bIns="45720" numCol="1" spcCol="0" rtlCol="0" fromWordArt="0" anchor="t" anchorCtr="0" forceAA="0" compatLnSpc="1">
-            <a:prstTxWarp prst="textNoShape">
-              <a:avLst/>
-            </a:prstTxWarp>
-            <a:spAutoFit/>
-          </a:bodyPr>
-          <a:lstStyle/>
-          <a:p>
-            <a:r>
-              <a:rPr lang="it-IT" sz="2800" b="1">
-                <a:cs typeface="Arial"/>
-              </a:rPr>
-              <a:t>Travel</a:t>
-            </a:r>
-            <a:r>
-              <a:rPr lang="it-IT">
-                <a:cs typeface="Arial"/>
-              </a:rPr>
-              <a:t>:</a:t>
-            </a:r>
-          </a:p>
-          <a:p>
-            <a:endParaRPr lang="it-IT" dirty="0">
-              <a:cs typeface="Arial"/>
-            </a:endParaRPr>
-          </a:p>
-          <a:p>
-            <a:r>
-              <a:rPr lang="it-IT">
-                <a:cs typeface="Arial"/>
-              </a:rPr>
-              <a:t>È il contratto al centro del sistema.</a:t>
-            </a:r>
-          </a:p>
-          <a:p>
-            <a:r>
-              <a:rPr lang="it-IT">
-                <a:cs typeface="Arial"/>
-              </a:rPr>
-              <a:t>Permette il salvataggio di vari codici hash.</a:t>
-            </a:r>
-            <a:endParaRPr lang="it-IT" dirty="0">
-              <a:cs typeface="Arial"/>
-            </a:endParaRPr>
-          </a:p>
-          <a:p>
-            <a:r>
-              <a:rPr lang="it-IT" dirty="0">
-                <a:cs typeface="Arial"/>
-              </a:rPr>
-              <a:t>Ogni codice è collegato ad un intero che nel sistema corrisponde </a:t>
-            </a:r>
-            <a:r>
-              <a:rPr lang="it-IT">
-                <a:cs typeface="Arial"/>
-              </a:rPr>
-              <a:t>all'ID Hash</a:t>
-            </a:r>
-            <a:endParaRPr lang="it-IT" dirty="0">
-              <a:cs typeface="Arial"/>
-            </a:endParaRPr>
-          </a:p>
-        </p:txBody>
-      </p:sp>
-      <p:pic>
-        <p:nvPicPr>
-          <p:cNvPr id="3" name="Immagine 3" descr="Immagine che contiene testo&#10;&#10;Descrizione generata automaticamente">
-            <a:extLst>
-              <a:ext uri="{FF2B5EF4-FFF2-40B4-BE49-F238E27FC236}">
-                <a16:creationId xmlns:a16="http://schemas.microsoft.com/office/drawing/2014/main" id="{C43FBC03-75B0-4280-8B40-F7CE284CE96F}"/>
-              </a:ext>
-            </a:extLst>
-          </p:cNvPr>
-          <p:cNvPicPr>
-            <a:picLocks noChangeAspect="1"/>
-          </p:cNvPicPr>
-          <p:nvPr/>
-        </p:nvPicPr>
-        <p:blipFill>
-          <a:blip r:embed="rId3"/>
-          <a:stretch>
-            <a:fillRect/>
-          </a:stretch>
-        </p:blipFill>
-        <p:spPr>
-          <a:xfrm>
-            <a:off x="5827987" y="672905"/>
-            <a:ext cx="4135820" cy="1605844"/>
-          </a:xfrm>
-          <a:prstGeom prst="rect">
-            <a:avLst/>
-          </a:prstGeom>
-        </p:spPr>
-      </p:pic>
-      <p:sp>
-        <p:nvSpPr>
-          <p:cNvPr id="8" name="CasellaDiTesto 7">
-            <a:extLst>
-              <a:ext uri="{FF2B5EF4-FFF2-40B4-BE49-F238E27FC236}">
-                <a16:creationId xmlns:a16="http://schemas.microsoft.com/office/drawing/2014/main" id="{35BA26D8-257D-4912-986B-C333144CFA35}"/>
-              </a:ext>
-            </a:extLst>
-          </p:cNvPr>
-          <p:cNvSpPr txBox="1"/>
-          <p:nvPr/>
-        </p:nvSpPr>
-        <p:spPr>
-          <a:xfrm>
-            <a:off x="1492467" y="3428122"/>
-            <a:ext cx="4398579" cy="2462213"/>
-          </a:xfrm>
-          <a:prstGeom prst="rect">
-            <a:avLst/>
-          </a:prstGeom>
-          <a:noFill/>
-        </p:spPr>
-        <p:txBody>
-          <a:bodyPr rot="0" spcFirstLastPara="0" vertOverflow="overflow" horzOverflow="overflow" vert="horz" wrap="square" lIns="91440" tIns="45720" rIns="91440" bIns="45720" numCol="1" spcCol="0" rtlCol="0" fromWordArt="0" anchor="t" anchorCtr="0" forceAA="0" compatLnSpc="1">
-            <a:prstTxWarp prst="textNoShape">
-              <a:avLst/>
-            </a:prstTxWarp>
-            <a:spAutoFit/>
-          </a:bodyPr>
-          <a:lstStyle/>
-          <a:p>
-            <a:r>
-              <a:rPr lang="it-IT" sz="2800" b="1">
-                <a:cs typeface="Arial"/>
-              </a:rPr>
-              <a:t>Registry</a:t>
-            </a:r>
-            <a:r>
-              <a:rPr lang="it-IT" dirty="0">
-                <a:cs typeface="Arial"/>
-              </a:rPr>
-              <a:t>:</a:t>
-            </a:r>
-          </a:p>
-          <a:p>
-            <a:endParaRPr lang="it-IT" dirty="0">
-              <a:cs typeface="Arial"/>
-            </a:endParaRPr>
-          </a:p>
-          <a:p>
-            <a:r>
-              <a:rPr lang="it-IT" dirty="0">
-                <a:cs typeface="Arial"/>
-              </a:rPr>
-              <a:t>Contratto che funge da registro per </a:t>
-            </a:r>
-            <a:r>
-              <a:rPr lang="it-IT">
-                <a:cs typeface="Arial"/>
-              </a:rPr>
-              <a:t>gli utenti della blockchain</a:t>
-            </a:r>
-          </a:p>
-          <a:p>
-            <a:r>
-              <a:rPr lang="it-IT">
-                <a:cs typeface="Arial"/>
-              </a:rPr>
-              <a:t>È modificabile solo dall'owner (proprietario del contratto)</a:t>
-            </a:r>
-          </a:p>
-          <a:p>
-            <a:r>
-              <a:rPr lang="it-IT" dirty="0">
-                <a:cs typeface="Arial"/>
-              </a:rPr>
-              <a:t>Fornisce la funzione isAutorized per il </a:t>
-            </a:r>
-            <a:r>
-              <a:rPr lang="it-IT">
-                <a:cs typeface="Arial"/>
-              </a:rPr>
-              <a:t>controllo di un utente</a:t>
-            </a:r>
-            <a:endParaRPr lang="it-IT" dirty="0">
-              <a:cs typeface="Arial"/>
-            </a:endParaRPr>
-          </a:p>
-        </p:txBody>
-      </p:sp>
-      <p:pic>
-        <p:nvPicPr>
-          <p:cNvPr id="4" name="Immagine 5" descr="Immagine che contiene testo&#10;&#10;Descrizione generata automaticamente">
-            <a:extLst>
-              <a:ext uri="{FF2B5EF4-FFF2-40B4-BE49-F238E27FC236}">
-                <a16:creationId xmlns:a16="http://schemas.microsoft.com/office/drawing/2014/main" id="{1E088908-CCAE-4FE8-9FA5-04C647B39DB3}"/>
-              </a:ext>
-            </a:extLst>
-          </p:cNvPr>
-          <p:cNvPicPr>
-            <a:picLocks noChangeAspect="1"/>
-          </p:cNvPicPr>
-          <p:nvPr/>
-        </p:nvPicPr>
-        <p:blipFill>
-          <a:blip r:embed="rId4"/>
-          <a:stretch>
-            <a:fillRect/>
-          </a:stretch>
-        </p:blipFill>
-        <p:spPr>
-          <a:xfrm>
-            <a:off x="6546193" y="2537662"/>
-            <a:ext cx="5099268" cy="4287641"/>
-          </a:xfrm>
-          <a:prstGeom prst="rect">
-            <a:avLst/>
-          </a:prstGeom>
-        </p:spPr>
-      </p:pic>
-    </p:spTree>
-    <p:extLst>
-      <p:ext uri="{BB962C8B-B14F-4D97-AF65-F5344CB8AC3E}">
-        <p14:creationId xmlns:p14="http://schemas.microsoft.com/office/powerpoint/2010/main" val="3221525459"/>
-      </p:ext>
-    </p:extLst>
   </p:cSld>
   <p:clrMapOvr>
     <a:masterClrMapping/>
@@ -11489,8 +12110,8 @@
         </p:nvSpPr>
         <p:spPr>
           <a:xfrm>
-            <a:off x="154088" y="135950"/>
-            <a:ext cx="7316423" cy="767987"/>
+            <a:off x="990429" y="163828"/>
+            <a:ext cx="4602960" cy="767987"/>
           </a:xfrm>
           <a:prstGeom prst="rect">
             <a:avLst/>
@@ -11513,21 +12134,16 @@
           <a:fontRef idx="minor"/>
         </p:style>
         <p:txBody>
-          <a:bodyPr wrap="square" lIns="90000" tIns="45000" rIns="90000" bIns="45000" anchor="t" anchorCtr="1">
+          <a:bodyPr lIns="90000" tIns="45000" rIns="90000" bIns="45000" anchor="t" anchorCtr="1">
             <a:spAutoFit/>
           </a:bodyPr>
           <a:lstStyle/>
           <a:p>
-            <a:pPr algn="ctr"/>
-            <a:r>
-              <a:rPr lang="it-IT" sz="4400" b="1" spc="-1" dirty="0">
-                <a:solidFill>
-                  <a:srgbClr val="000000"/>
-                </a:solidFill>
-                <a:latin typeface="Calibri"/>
-              </a:rPr>
-              <a:t>Certificazione e </a:t>
-            </a:r>
+            <a:pPr algn="ctr">
+              <a:lnSpc>
+                <a:spcPct val="100000"/>
+              </a:lnSpc>
+            </a:pPr>
             <a:r>
               <a:rPr lang="it-IT" sz="4400" b="1" spc="-1">
                 <a:solidFill>
@@ -11535,47 +12151,18 @@
                 </a:solidFill>
                 <a:latin typeface="Calibri"/>
               </a:rPr>
-              <a:t>validazione</a:t>
+              <a:t>Contratti</a:t>
             </a:r>
             <a:endParaRPr lang="it-IT"/>
           </a:p>
         </p:txBody>
       </p:sp>
-      <p:pic>
-        <p:nvPicPr>
-          <p:cNvPr id="2" name="Immagine 8">
+      <p:sp>
+        <p:nvSpPr>
+          <p:cNvPr id="2" name="CasellaDiTesto 1">
             <a:extLst>
               <a:ext uri="{FF2B5EF4-FFF2-40B4-BE49-F238E27FC236}">
-                <a16:creationId xmlns:a16="http://schemas.microsoft.com/office/drawing/2014/main" id="{65CCD147-4D45-4448-B60A-6C9C10438057}"/>
-              </a:ext>
-            </a:extLst>
-          </p:cNvPr>
-          <p:cNvPicPr>
-            <a:picLocks noChangeAspect="1"/>
-          </p:cNvPicPr>
-          <p:nvPr/>
-        </p:nvPicPr>
-        <p:blipFill rotWithShape="1">
-          <a:blip r:embed="rId3"/>
-          <a:srcRect l="13514" t="33209" r="9846" b="12313"/>
-          <a:stretch/>
-        </p:blipFill>
-        <p:spPr>
-          <a:xfrm>
-            <a:off x="1203648" y="1554280"/>
-            <a:ext cx="3684897" cy="1378630"/>
-          </a:xfrm>
-          <a:prstGeom prst="rect">
-            <a:avLst/>
-          </a:prstGeom>
-        </p:spPr>
-      </p:pic>
-      <p:sp>
-        <p:nvSpPr>
-          <p:cNvPr id="3" name="CasellaDiTesto 2">
-            <a:extLst>
-              <a:ext uri="{FF2B5EF4-FFF2-40B4-BE49-F238E27FC236}">
-                <a16:creationId xmlns:a16="http://schemas.microsoft.com/office/drawing/2014/main" id="{52EE9288-31CA-479C-BF3A-0FC7AC5E1B40}"/>
+                <a16:creationId xmlns:a16="http://schemas.microsoft.com/office/drawing/2014/main" id="{8F907236-E45B-4013-9BE3-ECF4FB693855}"/>
               </a:ext>
             </a:extLst>
           </p:cNvPr>
@@ -11584,8 +12171,8 @@
         </p:nvSpPr>
         <p:spPr>
           <a:xfrm>
-            <a:off x="1037125" y="1030610"/>
-            <a:ext cx="4946847" cy="369332"/>
+            <a:off x="1442991" y="1289953"/>
+            <a:ext cx="4281948" cy="4647426"/>
           </a:xfrm>
           <a:prstGeom prst="rect">
             <a:avLst/>
@@ -11602,20 +12189,102 @@
           <a:lstStyle/>
           <a:p>
             <a:r>
-              <a:rPr lang="it-IT" dirty="0">
+              <a:rPr lang="it-IT" sz="2800" b="1" dirty="0" err="1">
                 <a:cs typeface="Arial"/>
               </a:rPr>
-              <a:t>Un utente Admin effettua un'interrogazione</a:t>
+              <a:t>BusinessTravel</a:t>
+            </a:r>
+            <a:r>
+              <a:rPr lang="it-IT" sz="2800" dirty="0">
+                <a:cs typeface="Arial"/>
+              </a:rPr>
+              <a:t>:</a:t>
+            </a:r>
+          </a:p>
+          <a:p>
+            <a:endParaRPr lang="it-IT" sz="2800" dirty="0">
+              <a:cs typeface="Arial"/>
+            </a:endParaRPr>
+          </a:p>
+          <a:p>
+            <a:r>
+              <a:rPr lang="it-IT" sz="2000" dirty="0">
+                <a:cs typeface="Arial"/>
+              </a:rPr>
+              <a:t>È il contratto  con cui gli utenti della blockchain si interfacciano</a:t>
+            </a:r>
+          </a:p>
+          <a:p>
+            <a:endParaRPr lang="it-IT" sz="2000" dirty="0">
+              <a:cs typeface="Arial"/>
+            </a:endParaRPr>
+          </a:p>
+          <a:p>
+            <a:r>
+              <a:rPr lang="it-IT" sz="2000" dirty="0">
+                <a:cs typeface="Arial"/>
+              </a:rPr>
+              <a:t>Possiede come attributi 2 mapping:</a:t>
+            </a:r>
+          </a:p>
+          <a:p>
+            <a:pPr marL="342900" indent="-342900">
+              <a:buAutoNum type="arabicPeriod"/>
+            </a:pPr>
+            <a:r>
+              <a:rPr lang="it-IT" sz="2000" dirty="0">
+                <a:cs typeface="Arial"/>
+              </a:rPr>
+              <a:t>Permette di assegnare un contratto Travel ad ogni Ente</a:t>
+            </a:r>
+          </a:p>
+          <a:p>
+            <a:pPr marL="342900" indent="-342900">
+              <a:buAutoNum type="arabicPeriod"/>
+            </a:pPr>
+            <a:r>
+              <a:rPr lang="it-IT" sz="2000" dirty="0">
+                <a:cs typeface="Arial"/>
+              </a:rPr>
+              <a:t>Controlla se un ente è </a:t>
+            </a:r>
+            <a:r>
+              <a:rPr lang="it-IT" sz="2000" dirty="0" err="1">
+                <a:cs typeface="Arial"/>
+              </a:rPr>
+              <a:t>giá</a:t>
+            </a:r>
+            <a:r>
+              <a:rPr lang="it-IT" sz="2000" dirty="0">
+                <a:cs typeface="Arial"/>
+              </a:rPr>
+              <a:t> inizializzato o meno</a:t>
+            </a:r>
+          </a:p>
+          <a:p>
+            <a:pPr marL="342900" indent="-342900">
+              <a:buAutoNum type="arabicPeriod"/>
+            </a:pPr>
+            <a:endParaRPr lang="it-IT" sz="2000" dirty="0">
+              <a:cs typeface="Arial"/>
+            </a:endParaRPr>
+          </a:p>
+          <a:p>
+            <a:r>
+              <a:rPr lang="it-IT" sz="2000" dirty="0">
+                <a:cs typeface="Arial"/>
+              </a:rPr>
+              <a:t>Queso contratto è un Boxing di Travel (non cambia la funzione del contratto e si pone come interfaccia) </a:t>
             </a:r>
           </a:p>
         </p:txBody>
       </p:sp>
       <p:pic>
         <p:nvPicPr>
-          <p:cNvPr id="4" name="Immagine 15" descr="Immagine che contiene testo, pianta&#10;&#10;Descrizione generata automaticamente">
+          <p:cNvPr id="3" name="Immagine 3" descr="Immagine che contiene testo&#10;&#10;Descrizione generata automaticamente">
             <a:extLst>
               <a:ext uri="{FF2B5EF4-FFF2-40B4-BE49-F238E27FC236}">
-                <a16:creationId xmlns:a16="http://schemas.microsoft.com/office/drawing/2014/main" id="{B5D4069C-322F-461D-AFC3-192C7E69CBCE}"/>
+                <a16:creationId xmlns:a16="http://schemas.microsoft.com/office/drawing/2014/main" id="{39EBD9F1-3E26-429F-9CDC-32C7282F37F8}"/>
               </a:ext>
             </a:extLst>
           </p:cNvPr>
@@ -11625,267 +12294,25 @@
           <p:nvPr/>
         </p:nvPicPr>
         <p:blipFill>
-          <a:blip r:embed="rId4"/>
+          <a:blip r:embed="rId3"/>
           <a:stretch>
             <a:fillRect/>
           </a:stretch>
         </p:blipFill>
         <p:spPr>
           <a:xfrm>
-            <a:off x="4629016" y="1716850"/>
-            <a:ext cx="1538568" cy="687450"/>
+            <a:off x="5923721" y="1171790"/>
+            <a:ext cx="6018511" cy="4514419"/>
           </a:xfrm>
           <a:prstGeom prst="rect">
             <a:avLst/>
           </a:prstGeom>
         </p:spPr>
       </p:pic>
-      <p:pic>
-        <p:nvPicPr>
-          <p:cNvPr id="8" name="Immagine 9" descr="Immagine che contiene testo&#10;&#10;Descrizione generata automaticamente">
-            <a:extLst>
-              <a:ext uri="{FF2B5EF4-FFF2-40B4-BE49-F238E27FC236}">
-                <a16:creationId xmlns:a16="http://schemas.microsoft.com/office/drawing/2014/main" id="{A1847313-991B-45DD-AAB8-1A98D933C08D}"/>
-              </a:ext>
-            </a:extLst>
-          </p:cNvPr>
-          <p:cNvPicPr>
-            <a:picLocks noChangeAspect="1"/>
-          </p:cNvPicPr>
-          <p:nvPr/>
-        </p:nvPicPr>
-        <p:blipFill>
-          <a:blip r:embed="rId5"/>
-          <a:stretch>
-            <a:fillRect/>
-          </a:stretch>
-        </p:blipFill>
-        <p:spPr>
-          <a:xfrm>
-            <a:off x="1230351" y="3920007"/>
-            <a:ext cx="4453053" cy="1387622"/>
-          </a:xfrm>
-          <a:prstGeom prst="rect">
-            <a:avLst/>
-          </a:prstGeom>
-        </p:spPr>
-      </p:pic>
-      <p:pic>
-        <p:nvPicPr>
-          <p:cNvPr id="6" name="Immagine 15" descr="Immagine che contiene testo, pianta&#10;&#10;Descrizione generata automaticamente">
-            <a:extLst>
-              <a:ext uri="{FF2B5EF4-FFF2-40B4-BE49-F238E27FC236}">
-                <a16:creationId xmlns:a16="http://schemas.microsoft.com/office/drawing/2014/main" id="{BFEDF2D7-4BF8-4535-8428-3910142BB3AF}"/>
-              </a:ext>
-            </a:extLst>
-          </p:cNvPr>
-          <p:cNvPicPr>
-            <a:picLocks noChangeAspect="1"/>
-          </p:cNvPicPr>
-          <p:nvPr/>
-        </p:nvPicPr>
-        <p:blipFill>
-          <a:blip r:embed="rId4"/>
-          <a:stretch>
-            <a:fillRect/>
-          </a:stretch>
-        </p:blipFill>
-        <p:spPr>
-          <a:xfrm rot="9660000">
-            <a:off x="5399752" y="3721633"/>
-            <a:ext cx="1910276" cy="659572"/>
-          </a:xfrm>
-          <a:prstGeom prst="rect">
-            <a:avLst/>
-          </a:prstGeom>
-        </p:spPr>
-      </p:pic>
-      <p:sp>
-        <p:nvSpPr>
-          <p:cNvPr id="14" name="CasellaDiTesto 13">
-            <a:extLst>
-              <a:ext uri="{FF2B5EF4-FFF2-40B4-BE49-F238E27FC236}">
-                <a16:creationId xmlns:a16="http://schemas.microsoft.com/office/drawing/2014/main" id="{BFDE299E-01F4-462E-B1CF-18A6CAD616F8}"/>
-              </a:ext>
-            </a:extLst>
-          </p:cNvPr>
-          <p:cNvSpPr txBox="1"/>
-          <p:nvPr/>
-        </p:nvSpPr>
-        <p:spPr>
-          <a:xfrm>
-            <a:off x="9047418" y="287195"/>
-            <a:ext cx="1248359" cy="461665"/>
-          </a:xfrm>
-          <a:prstGeom prst="rect">
-            <a:avLst/>
-          </a:prstGeom>
-          <a:noFill/>
-        </p:spPr>
-        <p:txBody>
-          <a:bodyPr rot="0" spcFirstLastPara="0" vertOverflow="overflow" horzOverflow="overflow" vert="horz" wrap="square" lIns="91440" tIns="45720" rIns="91440" bIns="45720" numCol="1" spcCol="0" rtlCol="0" fromWordArt="0" anchor="t" anchorCtr="0" forceAA="0" compatLnSpc="1">
-            <a:prstTxWarp prst="textNoShape">
-              <a:avLst/>
-            </a:prstTxWarp>
-            <a:spAutoFit/>
-          </a:bodyPr>
-          <a:lstStyle/>
-          <a:p>
-            <a:r>
-              <a:rPr lang="it-IT" sz="2400" dirty="0">
-                <a:cs typeface="Arial"/>
-              </a:rPr>
-              <a:t>Server:</a:t>
-            </a:r>
-            <a:endParaRPr lang="it-IT" sz="2400"/>
-          </a:p>
-        </p:txBody>
-      </p:sp>
-      <p:sp>
-        <p:nvSpPr>
-          <p:cNvPr id="15" name="CasellaDiTesto 14">
-            <a:extLst>
-              <a:ext uri="{FF2B5EF4-FFF2-40B4-BE49-F238E27FC236}">
-                <a16:creationId xmlns:a16="http://schemas.microsoft.com/office/drawing/2014/main" id="{E02E787E-4D2B-46D6-9AB8-10FD22BF9C53}"/>
-              </a:ext>
-            </a:extLst>
-          </p:cNvPr>
-          <p:cNvSpPr txBox="1"/>
-          <p:nvPr/>
-        </p:nvSpPr>
-        <p:spPr>
-          <a:xfrm>
-            <a:off x="7253930" y="779707"/>
-            <a:ext cx="4760992" cy="3170099"/>
-          </a:xfrm>
-          <a:prstGeom prst="rect">
-            <a:avLst/>
-          </a:prstGeom>
-          <a:noFill/>
-        </p:spPr>
-        <p:txBody>
-          <a:bodyPr rot="0" spcFirstLastPara="0" vertOverflow="overflow" horzOverflow="overflow" vert="horz" wrap="square" lIns="91440" tIns="45720" rIns="91440" bIns="45720" numCol="1" spcCol="0" rtlCol="0" fromWordArt="0" anchor="t" anchorCtr="0" forceAA="0" compatLnSpc="1">
-            <a:prstTxWarp prst="textNoShape">
-              <a:avLst/>
-            </a:prstTxWarp>
-            <a:spAutoFit/>
-          </a:bodyPr>
-          <a:lstStyle/>
-          <a:p>
-            <a:pPr marL="457200" indent="-457200">
-              <a:buAutoNum type="arabicPeriod"/>
-            </a:pPr>
-            <a:r>
-              <a:rPr lang="it-IT" sz="2000" dirty="0">
-                <a:cs typeface="Arial"/>
-              </a:rPr>
-              <a:t>Interroga il DB, ottiene tutte le tratte salvate in quella data</a:t>
-            </a:r>
-          </a:p>
-          <a:p>
-            <a:pPr marL="457200" indent="-457200">
-              <a:buAutoNum type="arabicPeriod"/>
-            </a:pPr>
-            <a:r>
-              <a:rPr lang="it-IT" sz="2000" dirty="0">
-                <a:cs typeface="Arial"/>
-              </a:rPr>
-              <a:t>Per ogni tratta:</a:t>
-            </a:r>
-          </a:p>
-          <a:p>
-            <a:pPr marL="457200" indent="-457200">
-              <a:buFont typeface="Arial"/>
-              <a:buChar char="•"/>
-            </a:pPr>
-            <a:r>
-              <a:rPr lang="it-IT" sz="2000" dirty="0">
-                <a:cs typeface="Arial"/>
-              </a:rPr>
-              <a:t>Interroga il DB per ottenere tutte le tratte con lo stesso ID </a:t>
-            </a:r>
-            <a:r>
-              <a:rPr lang="it-IT" sz="2000" dirty="0" err="1">
-                <a:cs typeface="Arial"/>
-              </a:rPr>
-              <a:t>Hash</a:t>
-            </a:r>
-            <a:r>
-              <a:rPr lang="it-IT" sz="2000" dirty="0">
-                <a:cs typeface="Arial"/>
-              </a:rPr>
-              <a:t>, e ne calcola l'</a:t>
-            </a:r>
-            <a:r>
-              <a:rPr lang="it-IT" sz="2000" dirty="0" err="1">
-                <a:cs typeface="Arial"/>
-              </a:rPr>
-              <a:t>hash</a:t>
-            </a:r>
-            <a:endParaRPr lang="it-IT" sz="2000">
-              <a:cs typeface="Arial"/>
-            </a:endParaRPr>
-          </a:p>
-          <a:p>
-            <a:pPr marL="457200" indent="-457200">
-              <a:buFont typeface="Arial"/>
-              <a:buChar char="•"/>
-            </a:pPr>
-            <a:r>
-              <a:rPr lang="it-IT" sz="2000" dirty="0">
-                <a:cs typeface="Arial"/>
-              </a:rPr>
-              <a:t>Interroga la blockchain ottenendo per quel determinato ente l'</a:t>
-            </a:r>
-            <a:r>
-              <a:rPr lang="it-IT" sz="2000" dirty="0" err="1">
-                <a:cs typeface="Arial"/>
-              </a:rPr>
-              <a:t>hash</a:t>
-            </a:r>
-            <a:r>
-              <a:rPr lang="it-IT" sz="2000" dirty="0">
-                <a:cs typeface="Arial"/>
-              </a:rPr>
-              <a:t> corrispondente all'ID </a:t>
-            </a:r>
-            <a:r>
-              <a:rPr lang="it-IT" sz="2000" dirty="0" err="1">
-                <a:cs typeface="Arial"/>
-              </a:rPr>
-              <a:t>Hash</a:t>
-            </a:r>
-            <a:endParaRPr lang="it-IT" sz="2000" dirty="0">
-              <a:cs typeface="Arial"/>
-            </a:endParaRPr>
-          </a:p>
-          <a:p>
-            <a:pPr marL="457200" indent="-457200">
-              <a:buFont typeface="Arial"/>
-              <a:buChar char="•"/>
-            </a:pPr>
-            <a:r>
-              <a:rPr lang="it-IT" sz="2000" dirty="0">
-                <a:cs typeface="Arial"/>
-              </a:rPr>
-              <a:t>Compara i due codici </a:t>
-            </a:r>
-            <a:r>
-              <a:rPr lang="it-IT" sz="2000" dirty="0" err="1">
-                <a:cs typeface="Arial"/>
-              </a:rPr>
-              <a:t>hash</a:t>
-            </a:r>
-            <a:endParaRPr lang="it-IT" sz="2000">
-              <a:cs typeface="Arial"/>
-            </a:endParaRPr>
-          </a:p>
-        </p:txBody>
-      </p:sp>
     </p:spTree>
     <p:extLst>
       <p:ext uri="{BB962C8B-B14F-4D97-AF65-F5344CB8AC3E}">
-        <p14:creationId xmlns:p14="http://schemas.microsoft.com/office/powerpoint/2010/main" val="2613195805"/>
+        <p14:creationId xmlns:p14="http://schemas.microsoft.com/office/powerpoint/2010/main" val="3561036294"/>
       </p:ext>
     </p:extLst>
   </p:cSld>
@@ -11979,90 +12406,160 @@
               </a:lnSpc>
             </a:pPr>
             <a:r>
-              <a:rPr lang="en-US" spc="-1">
+              <a:rPr lang="en-US" spc="-1" dirty="0">
                 <a:solidFill>
                   <a:srgbClr val="000000"/>
                 </a:solidFill>
                 <a:latin typeface="Calibri"/>
-                <a:ea typeface="DejaVu Sans"/>
-              </a:rPr>
-              <a:t>1</a:t>
-            </a:r>
-            <a:r>
-              <a:rPr lang="it-IT" spc="-1">
-                <a:solidFill>
-                  <a:srgbClr val="000000"/>
-                </a:solidFill>
-                <a:latin typeface="Calibri"/>
-                <a:ea typeface="DejaVu Sans"/>
-              </a:rPr>
-              <a:t>0</a:t>
-            </a:r>
-            <a:endParaRPr lang="it-IT" sz="1800" b="0" strike="noStrike" spc="-1">
-              <a:latin typeface="Arial"/>
+              </a:rPr>
+              <a:t>17</a:t>
+            </a:r>
+            <a:endParaRPr lang="it-IT" sz="1800" b="0" strike="noStrike" spc="-1" dirty="0">
+              <a:latin typeface="Calibri"/>
             </a:endParaRPr>
           </a:p>
         </p:txBody>
       </p:sp>
-      <p:sp>
-        <p:nvSpPr>
-          <p:cNvPr id="225" name="CustomShape 10"/>
-          <p:cNvSpPr/>
-          <p:nvPr/>
-        </p:nvSpPr>
-        <p:spPr>
-          <a:xfrm>
-            <a:off x="990429" y="163828"/>
-            <a:ext cx="4602960" cy="767987"/>
-          </a:xfrm>
-          <a:prstGeom prst="rect">
-            <a:avLst/>
-          </a:prstGeom>
-          <a:noFill/>
-          <a:ln w="0">
-            <a:noFill/>
-          </a:ln>
-        </p:spPr>
-        <p:style>
-          <a:lnRef idx="0">
-            <a:scrgbClr r="0" g="0" b="0"/>
-          </a:lnRef>
-          <a:fillRef idx="0">
-            <a:scrgbClr r="0" g="0" b="0"/>
-          </a:fillRef>
-          <a:effectRef idx="0">
-            <a:scrgbClr r="0" g="0" b="0"/>
-          </a:effectRef>
-          <a:fontRef idx="minor"/>
-        </p:style>
+      <p:pic>
+        <p:nvPicPr>
+          <p:cNvPr id="3" name="Immagine 3" descr="Immagine che contiene testo&#10;&#10;Descrizione generata automaticamente">
+            <a:extLst>
+              <a:ext uri="{FF2B5EF4-FFF2-40B4-BE49-F238E27FC236}">
+                <a16:creationId xmlns:a16="http://schemas.microsoft.com/office/drawing/2014/main" id="{C43FBC03-75B0-4280-8B40-F7CE284CE96F}"/>
+              </a:ext>
+            </a:extLst>
+          </p:cNvPr>
+          <p:cNvPicPr>
+            <a:picLocks noChangeAspect="1"/>
+          </p:cNvPicPr>
+          <p:nvPr/>
+        </p:nvPicPr>
+        <p:blipFill>
+          <a:blip r:embed="rId3"/>
+          <a:stretch>
+            <a:fillRect/>
+          </a:stretch>
+        </p:blipFill>
+        <p:spPr>
+          <a:xfrm>
+            <a:off x="5394719" y="2132616"/>
+            <a:ext cx="6677620" cy="2592767"/>
+          </a:xfrm>
+          <a:prstGeom prst="rect">
+            <a:avLst/>
+          </a:prstGeom>
+        </p:spPr>
+      </p:pic>
+      <p:sp>
+        <p:nvSpPr>
+          <p:cNvPr id="9" name="CasellaDiTesto 8">
+            <a:extLst>
+              <a:ext uri="{FF2B5EF4-FFF2-40B4-BE49-F238E27FC236}">
+                <a16:creationId xmlns:a16="http://schemas.microsoft.com/office/drawing/2014/main" id="{B952C482-C1A8-43EB-B38A-A7431B723A4D}"/>
+              </a:ext>
+            </a:extLst>
+          </p:cNvPr>
+          <p:cNvSpPr txBox="1"/>
+          <p:nvPr/>
+        </p:nvSpPr>
+        <p:spPr>
+          <a:xfrm>
+            <a:off x="1442991" y="1289953"/>
+            <a:ext cx="3951728" cy="3724096"/>
+          </a:xfrm>
+          <a:prstGeom prst="rect">
+            <a:avLst/>
+          </a:prstGeom>
+          <a:noFill/>
+        </p:spPr>
         <p:txBody>
-          <a:bodyPr lIns="90000" tIns="45000" rIns="90000" bIns="45000" anchor="t" anchorCtr="1">
+          <a:bodyPr rot="0" spcFirstLastPara="0" vertOverflow="overflow" horzOverflow="overflow" vert="horz" wrap="square" lIns="91440" tIns="45720" rIns="91440" bIns="45720" numCol="1" spcCol="0" rtlCol="0" fromWordArt="0" anchor="t" anchorCtr="0" forceAA="0" compatLnSpc="1">
+            <a:prstTxWarp prst="textNoShape">
+              <a:avLst/>
+            </a:prstTxWarp>
             <a:spAutoFit/>
           </a:bodyPr>
           <a:lstStyle/>
           <a:p>
-            <a:pPr algn="ctr">
-              <a:lnSpc>
-                <a:spcPct val="100000"/>
-              </a:lnSpc>
-            </a:pPr>
-            <a:r>
-              <a:rPr lang="it-IT" sz="4400" b="1" spc="-1">
-                <a:solidFill>
-                  <a:srgbClr val="000000"/>
-                </a:solidFill>
-                <a:latin typeface="Calibri"/>
-              </a:rPr>
-              <a:t>Conclusioni</a:t>
-            </a:r>
-            <a:endParaRPr lang="it-IT"/>
+            <a:r>
+              <a:rPr lang="it-IT" sz="2800" b="1" dirty="0">
+                <a:cs typeface="Arial"/>
+              </a:rPr>
+              <a:t>Travel</a:t>
+            </a:r>
+            <a:r>
+              <a:rPr lang="it-IT" sz="2800" dirty="0">
+                <a:cs typeface="Arial"/>
+              </a:rPr>
+              <a:t>:</a:t>
+            </a:r>
+          </a:p>
+          <a:p>
+            <a:endParaRPr lang="it-IT" sz="2800" dirty="0">
+              <a:cs typeface="Arial"/>
+            </a:endParaRPr>
+          </a:p>
+          <a:p>
+            <a:r>
+              <a:rPr lang="it-IT" sz="2000" dirty="0">
+                <a:cs typeface="Arial"/>
+              </a:rPr>
+              <a:t>È il contratto al centro del sistema.</a:t>
+            </a:r>
+          </a:p>
+          <a:p>
+            <a:endParaRPr lang="it-IT" sz="2000" dirty="0">
+              <a:cs typeface="Arial"/>
+            </a:endParaRPr>
+          </a:p>
+          <a:p>
+            <a:r>
+              <a:rPr lang="it-IT" sz="2000" dirty="0">
+                <a:cs typeface="Arial"/>
+              </a:rPr>
+              <a:t>Permette il salvataggio di vari codici </a:t>
+            </a:r>
+            <a:r>
+              <a:rPr lang="it-IT" sz="2000" dirty="0" err="1">
+                <a:cs typeface="Arial"/>
+              </a:rPr>
+              <a:t>hash</a:t>
+            </a:r>
+            <a:r>
+              <a:rPr lang="it-IT" sz="2000" dirty="0">
+                <a:cs typeface="Arial"/>
+              </a:rPr>
+              <a:t>.</a:t>
+            </a:r>
+          </a:p>
+          <a:p>
+            <a:endParaRPr lang="it-IT" sz="2000" dirty="0">
+              <a:cs typeface="Arial"/>
+            </a:endParaRPr>
+          </a:p>
+          <a:p>
+            <a:r>
+              <a:rPr lang="it-IT" sz="2000" dirty="0">
+                <a:cs typeface="Arial"/>
+              </a:rPr>
+              <a:t>Ogni codice è collegato tramite un mapping ad un intero che nel sistema corrisponde all'ID </a:t>
+            </a:r>
+            <a:r>
+              <a:rPr lang="it-IT" sz="2000" dirty="0" err="1">
+                <a:cs typeface="Arial"/>
+              </a:rPr>
+              <a:t>Hash</a:t>
+            </a:r>
+            <a:endParaRPr lang="it-IT" sz="2000" dirty="0">
+              <a:cs typeface="Arial"/>
+            </a:endParaRPr>
           </a:p>
         </p:txBody>
       </p:sp>
     </p:spTree>
     <p:extLst>
       <p:ext uri="{BB962C8B-B14F-4D97-AF65-F5344CB8AC3E}">
-        <p14:creationId xmlns:p14="http://schemas.microsoft.com/office/powerpoint/2010/main" val="2814980896"/>
+        <p14:creationId xmlns:p14="http://schemas.microsoft.com/office/powerpoint/2010/main" val="3221525459"/>
       </p:ext>
     </p:extLst>
   </p:cSld>
@@ -12156,90 +12653,151 @@
               </a:lnSpc>
             </a:pPr>
             <a:r>
-              <a:rPr lang="en-US" spc="-1">
+              <a:rPr lang="en-US" spc="-1" dirty="0">
                 <a:solidFill>
                   <a:srgbClr val="000000"/>
                 </a:solidFill>
                 <a:latin typeface="Calibri"/>
-                <a:ea typeface="DejaVu Sans"/>
-              </a:rPr>
-              <a:t>1</a:t>
-            </a:r>
-            <a:r>
-              <a:rPr lang="it-IT" spc="-1">
-                <a:solidFill>
-                  <a:srgbClr val="000000"/>
-                </a:solidFill>
-                <a:latin typeface="Calibri"/>
-                <a:ea typeface="DejaVu Sans"/>
-              </a:rPr>
-              <a:t>0</a:t>
-            </a:r>
-            <a:endParaRPr lang="it-IT" sz="1800" b="0" strike="noStrike" spc="-1">
-              <a:latin typeface="Arial"/>
+              </a:rPr>
+              <a:t>18</a:t>
+            </a:r>
+            <a:endParaRPr lang="it-IT" sz="1800" b="0" strike="noStrike" spc="-1" dirty="0">
+              <a:latin typeface="Calibri"/>
             </a:endParaRPr>
           </a:p>
         </p:txBody>
       </p:sp>
       <p:sp>
         <p:nvSpPr>
-          <p:cNvPr id="225" name="CustomShape 10"/>
-          <p:cNvSpPr/>
-          <p:nvPr/>
-        </p:nvSpPr>
-        <p:spPr>
-          <a:xfrm>
-            <a:off x="990429" y="163828"/>
-            <a:ext cx="4602960" cy="767987"/>
-          </a:xfrm>
-          <a:prstGeom prst="rect">
-            <a:avLst/>
-          </a:prstGeom>
-          <a:noFill/>
-          <a:ln w="0">
-            <a:noFill/>
-          </a:ln>
-        </p:spPr>
-        <p:style>
-          <a:lnRef idx="0">
-            <a:scrgbClr r="0" g="0" b="0"/>
-          </a:lnRef>
-          <a:fillRef idx="0">
-            <a:scrgbClr r="0" g="0" b="0"/>
-          </a:fillRef>
-          <a:effectRef idx="0">
-            <a:scrgbClr r="0" g="0" b="0"/>
-          </a:effectRef>
-          <a:fontRef idx="minor"/>
-        </p:style>
+          <p:cNvPr id="8" name="CasellaDiTesto 7">
+            <a:extLst>
+              <a:ext uri="{FF2B5EF4-FFF2-40B4-BE49-F238E27FC236}">
+                <a16:creationId xmlns:a16="http://schemas.microsoft.com/office/drawing/2014/main" id="{35BA26D8-257D-4912-986B-C333144CFA35}"/>
+              </a:ext>
+            </a:extLst>
+          </p:cNvPr>
+          <p:cNvSpPr txBox="1"/>
+          <p:nvPr/>
+        </p:nvSpPr>
+        <p:spPr>
+          <a:xfrm>
+            <a:off x="1416041" y="1281662"/>
+            <a:ext cx="4398579" cy="3262432"/>
+          </a:xfrm>
+          <a:prstGeom prst="rect">
+            <a:avLst/>
+          </a:prstGeom>
+          <a:noFill/>
+        </p:spPr>
         <p:txBody>
-          <a:bodyPr lIns="90000" tIns="45000" rIns="90000" bIns="45000" anchor="t" anchorCtr="1">
+          <a:bodyPr rot="0" spcFirstLastPara="0" vertOverflow="overflow" horzOverflow="overflow" vert="horz" wrap="square" lIns="91440" tIns="45720" rIns="91440" bIns="45720" numCol="1" spcCol="0" rtlCol="0" fromWordArt="0" anchor="t" anchorCtr="0" forceAA="0" compatLnSpc="1">
+            <a:prstTxWarp prst="textNoShape">
+              <a:avLst/>
+            </a:prstTxWarp>
             <a:spAutoFit/>
           </a:bodyPr>
           <a:lstStyle/>
           <a:p>
-            <a:pPr algn="ctr">
-              <a:lnSpc>
-                <a:spcPct val="100000"/>
-              </a:lnSpc>
-            </a:pPr>
-            <a:r>
-              <a:rPr lang="it-IT" sz="4400" b="1" spc="-1">
-                <a:solidFill>
-                  <a:srgbClr val="000000"/>
-                </a:solidFill>
-                <a:latin typeface="Calibri"/>
-              </a:rPr>
-              <a:t>Conclusioni</a:t>
-            </a:r>
-            <a:endParaRPr lang="it-IT"/>
+            <a:r>
+              <a:rPr lang="it-IT" sz="2800" b="1" dirty="0" err="1">
+                <a:cs typeface="Arial"/>
+              </a:rPr>
+              <a:t>Registry</a:t>
+            </a:r>
+            <a:r>
+              <a:rPr lang="it-IT" dirty="0">
+                <a:cs typeface="Arial"/>
+              </a:rPr>
+              <a:t>:</a:t>
+            </a:r>
+          </a:p>
+          <a:p>
+            <a:endParaRPr lang="it-IT" dirty="0">
+              <a:cs typeface="Arial"/>
+            </a:endParaRPr>
+          </a:p>
+          <a:p>
+            <a:r>
+              <a:rPr lang="it-IT" sz="2000" dirty="0">
+                <a:cs typeface="Arial"/>
+              </a:rPr>
+              <a:t>Contratto che funge da registro per gli utenti della blockchain</a:t>
+            </a:r>
+          </a:p>
+          <a:p>
+            <a:endParaRPr lang="it-IT" sz="2000" dirty="0">
+              <a:cs typeface="Arial"/>
+            </a:endParaRPr>
+          </a:p>
+          <a:p>
+            <a:r>
+              <a:rPr lang="it-IT" sz="2000" dirty="0">
+                <a:cs typeface="Arial"/>
+              </a:rPr>
+              <a:t>È modificabile solo dall'</a:t>
+            </a:r>
+            <a:r>
+              <a:rPr lang="it-IT" sz="2000" dirty="0" err="1">
+                <a:cs typeface="Arial"/>
+              </a:rPr>
+              <a:t>owner</a:t>
+            </a:r>
+            <a:r>
+              <a:rPr lang="it-IT" sz="2000" dirty="0">
+                <a:cs typeface="Arial"/>
+              </a:rPr>
+              <a:t> (proprietario del contratto)</a:t>
+            </a:r>
+          </a:p>
+          <a:p>
+            <a:endParaRPr lang="it-IT" sz="2000" dirty="0">
+              <a:cs typeface="Arial"/>
+            </a:endParaRPr>
+          </a:p>
+          <a:p>
+            <a:r>
+              <a:rPr lang="it-IT" sz="2000" dirty="0">
+                <a:cs typeface="Arial"/>
+              </a:rPr>
+              <a:t>Fornisce la funzione isAutorized per il controllo di un utente</a:t>
+            </a:r>
           </a:p>
         </p:txBody>
       </p:sp>
+      <p:pic>
+        <p:nvPicPr>
+          <p:cNvPr id="4" name="Immagine 5" descr="Immagine che contiene testo&#10;&#10;Descrizione generata automaticamente">
+            <a:extLst>
+              <a:ext uri="{FF2B5EF4-FFF2-40B4-BE49-F238E27FC236}">
+                <a16:creationId xmlns:a16="http://schemas.microsoft.com/office/drawing/2014/main" id="{1E088908-CCAE-4FE8-9FA5-04C647B39DB3}"/>
+              </a:ext>
+            </a:extLst>
+          </p:cNvPr>
+          <p:cNvPicPr>
+            <a:picLocks noChangeAspect="1"/>
+          </p:cNvPicPr>
+          <p:nvPr/>
+        </p:nvPicPr>
+        <p:blipFill>
+          <a:blip r:embed="rId3"/>
+          <a:stretch>
+            <a:fillRect/>
+          </a:stretch>
+        </p:blipFill>
+        <p:spPr>
+          <a:xfrm>
+            <a:off x="6202016" y="1048335"/>
+            <a:ext cx="5662623" cy="4761329"/>
+          </a:xfrm>
+          <a:prstGeom prst="rect">
+            <a:avLst/>
+          </a:prstGeom>
+        </p:spPr>
+      </p:pic>
     </p:spTree>
     <p:extLst>
       <p:ext uri="{BB962C8B-B14F-4D97-AF65-F5344CB8AC3E}">
-        <p14:creationId xmlns:p14="http://schemas.microsoft.com/office/powerpoint/2010/main" val="1166500932"/>
+        <p14:creationId xmlns:p14="http://schemas.microsoft.com/office/powerpoint/2010/main" val="1295520596"/>
       </p:ext>
     </p:extLst>
   </p:cSld>
@@ -12333,194 +12891,86 @@
               </a:lnSpc>
             </a:pPr>
             <a:r>
-              <a:rPr lang="en-US" spc="-1">
+              <a:rPr lang="en-US" spc="-1" dirty="0">
                 <a:solidFill>
                   <a:srgbClr val="000000"/>
                 </a:solidFill>
                 <a:latin typeface="Calibri"/>
-                <a:ea typeface="DejaVu Sans"/>
-              </a:rPr>
-              <a:t>1</a:t>
-            </a:r>
-            <a:r>
-              <a:rPr lang="it-IT" spc="-1">
+              </a:rPr>
+              <a:t>19</a:t>
+            </a:r>
+            <a:endParaRPr lang="it-IT" sz="1800" b="0" strike="noStrike" spc="-1" dirty="0">
+              <a:latin typeface="Calibri"/>
+            </a:endParaRPr>
+          </a:p>
+        </p:txBody>
+      </p:sp>
+      <p:sp>
+        <p:nvSpPr>
+          <p:cNvPr id="225" name="CustomShape 10"/>
+          <p:cNvSpPr/>
+          <p:nvPr/>
+        </p:nvSpPr>
+        <p:spPr>
+          <a:xfrm>
+            <a:off x="154088" y="135950"/>
+            <a:ext cx="7316423" cy="767987"/>
+          </a:xfrm>
+          <a:prstGeom prst="rect">
+            <a:avLst/>
+          </a:prstGeom>
+          <a:noFill/>
+          <a:ln w="0">
+            <a:noFill/>
+          </a:ln>
+        </p:spPr>
+        <p:style>
+          <a:lnRef idx="0">
+            <a:scrgbClr r="0" g="0" b="0"/>
+          </a:lnRef>
+          <a:fillRef idx="0">
+            <a:scrgbClr r="0" g="0" b="0"/>
+          </a:fillRef>
+          <a:effectRef idx="0">
+            <a:scrgbClr r="0" g="0" b="0"/>
+          </a:effectRef>
+          <a:fontRef idx="minor"/>
+        </p:style>
+        <p:txBody>
+          <a:bodyPr wrap="square" lIns="90000" tIns="45000" rIns="90000" bIns="45000" anchor="t" anchorCtr="1">
+            <a:spAutoFit/>
+          </a:bodyPr>
+          <a:lstStyle/>
+          <a:p>
+            <a:pPr algn="ctr"/>
+            <a:r>
+              <a:rPr lang="it-IT" sz="4400" b="1" spc="-1" dirty="0">
                 <a:solidFill>
                   <a:srgbClr val="000000"/>
                 </a:solidFill>
                 <a:latin typeface="Calibri"/>
-                <a:ea typeface="DejaVu Sans"/>
-              </a:rPr>
-              <a:t>0</a:t>
-            </a:r>
-            <a:endParaRPr lang="it-IT" sz="1800" b="0" strike="noStrike" spc="-1">
-              <a:latin typeface="Arial"/>
-            </a:endParaRPr>
-          </a:p>
-        </p:txBody>
-      </p:sp>
-      <p:sp>
-        <p:nvSpPr>
-          <p:cNvPr id="225" name="CustomShape 10"/>
-          <p:cNvSpPr/>
-          <p:nvPr/>
-        </p:nvSpPr>
-        <p:spPr>
-          <a:xfrm>
-            <a:off x="1253188" y="163828"/>
-            <a:ext cx="4602960" cy="767987"/>
-          </a:xfrm>
-          <a:prstGeom prst="rect">
-            <a:avLst/>
-          </a:prstGeom>
-          <a:noFill/>
-          <a:ln w="0">
-            <a:noFill/>
-          </a:ln>
-        </p:spPr>
-        <p:style>
-          <a:lnRef idx="0">
-            <a:scrgbClr r="0" g="0" b="0"/>
-          </a:lnRef>
-          <a:fillRef idx="0">
-            <a:scrgbClr r="0" g="0" b="0"/>
-          </a:fillRef>
-          <a:effectRef idx="0">
-            <a:scrgbClr r="0" g="0" b="0"/>
-          </a:effectRef>
-          <a:fontRef idx="minor"/>
-        </p:style>
-        <p:txBody>
-          <a:bodyPr lIns="90000" tIns="45000" rIns="90000" bIns="45000" anchor="t" anchorCtr="1">
-            <a:spAutoFit/>
-          </a:bodyPr>
-          <a:lstStyle/>
-          <a:p>
-            <a:pPr algn="ctr">
-              <a:lnSpc>
-                <a:spcPct val="100000"/>
-              </a:lnSpc>
-            </a:pPr>
-            <a:r>
-              <a:rPr lang="it-IT" sz="4400" b="1" strike="noStrike" spc="-1">
+              </a:rPr>
+              <a:t>Certificazione e </a:t>
+            </a:r>
+            <a:r>
+              <a:rPr lang="it-IT" sz="4400" b="1" spc="-1">
                 <a:solidFill>
                   <a:srgbClr val="000000"/>
                 </a:solidFill>
                 <a:latin typeface="Calibri"/>
-                <a:ea typeface="DejaVu Sans"/>
-              </a:rPr>
-              <a:t>Sviluppi futuri</a:t>
-            </a:r>
-            <a:endParaRPr lang="it-IT" sz="4400" b="0" strike="noStrike" spc="-1">
-              <a:latin typeface="Arial"/>
-            </a:endParaRPr>
+              </a:rPr>
+              <a:t>validazione</a:t>
+            </a:r>
+            <a:endParaRPr lang="it-IT"/>
           </a:p>
         </p:txBody>
       </p:sp>
-      <p:sp>
-        <p:nvSpPr>
-          <p:cNvPr id="2" name="CasellaDiTesto 1">
+      <p:pic>
+        <p:nvPicPr>
+          <p:cNvPr id="2" name="Immagine 8">
             <a:extLst>
               <a:ext uri="{FF2B5EF4-FFF2-40B4-BE49-F238E27FC236}">
-                <a16:creationId xmlns:a16="http://schemas.microsoft.com/office/drawing/2014/main" id="{A4CA72F0-93EA-4505-BA3C-88A774802542}"/>
-              </a:ext>
-            </a:extLst>
-          </p:cNvPr>
-          <p:cNvSpPr txBox="1"/>
-          <p:nvPr/>
-        </p:nvSpPr>
-        <p:spPr>
-          <a:xfrm>
-            <a:off x="2021152" y="1311661"/>
-            <a:ext cx="5824025" cy="2677656"/>
-          </a:xfrm>
-          <a:prstGeom prst="rect">
-            <a:avLst/>
-          </a:prstGeom>
-          <a:noFill/>
-        </p:spPr>
-        <p:txBody>
-          <a:bodyPr wrap="square" rtlCol="0">
-            <a:spAutoFit/>
-          </a:bodyPr>
-          <a:lstStyle/>
-          <a:p>
-            <a:pPr marL="285750" indent="-285750">
-              <a:buFont typeface="Arial" panose="020B0604020202020204" pitchFamily="34" charset="0"/>
-              <a:buChar char="•"/>
-            </a:pPr>
-            <a:r>
-              <a:rPr lang="it-IT" sz="2400"/>
-              <a:t>Portare tutti i dati all’interno della blockchain privata</a:t>
-            </a:r>
-          </a:p>
-          <a:p>
-            <a:pPr marL="285750" indent="-285750">
-              <a:buFont typeface="Arial" panose="020B0604020202020204" pitchFamily="34" charset="0"/>
-              <a:buChar char="•"/>
-            </a:pPr>
-            <a:endParaRPr lang="it-IT" sz="2400"/>
-          </a:p>
-          <a:p>
-            <a:pPr marL="285750" indent="-285750">
-              <a:buFont typeface="Arial" panose="020B0604020202020204" pitchFamily="34" charset="0"/>
-              <a:buChar char="•"/>
-            </a:pPr>
-            <a:endParaRPr lang="it-IT" sz="2400"/>
-          </a:p>
-          <a:p>
-            <a:pPr marL="285750" indent="-285750">
-              <a:buFont typeface="Arial" panose="020B0604020202020204" pitchFamily="34" charset="0"/>
-              <a:buChar char="•"/>
-            </a:pPr>
-            <a:endParaRPr lang="it-IT" sz="2400"/>
-          </a:p>
-          <a:p>
-            <a:pPr marL="285750" indent="-285750">
-              <a:buFont typeface="Arial" panose="020B0604020202020204" pitchFamily="34" charset="0"/>
-              <a:buChar char="•"/>
-            </a:pPr>
-            <a:r>
-              <a:rPr lang="it-IT" sz="2400"/>
-              <a:t>Utilizzare una blockchain pubblica per validare la blockchain privata </a:t>
-            </a:r>
-          </a:p>
-        </p:txBody>
-      </p:sp>
-      <p:pic>
-        <p:nvPicPr>
-          <p:cNvPr id="18" name="Immagine 17">
-            <a:extLst>
-              <a:ext uri="{FF2B5EF4-FFF2-40B4-BE49-F238E27FC236}">
-                <a16:creationId xmlns:a16="http://schemas.microsoft.com/office/drawing/2014/main" id="{48131412-19EA-463C-8421-040DEEEE5900}"/>
-              </a:ext>
-            </a:extLst>
-          </p:cNvPr>
-          <p:cNvPicPr/>
-          <p:nvPr/>
-        </p:nvPicPr>
-        <p:blipFill>
-          <a:blip r:embed="rId3"/>
-          <a:stretch/>
-        </p:blipFill>
-        <p:spPr>
-          <a:xfrm>
-            <a:off x="3192404" y="4623136"/>
-            <a:ext cx="1588140" cy="1601044"/>
-          </a:xfrm>
-          <a:prstGeom prst="rect">
-            <a:avLst/>
-          </a:prstGeom>
-          <a:ln w="0">
-            <a:noFill/>
-          </a:ln>
-        </p:spPr>
-      </p:pic>
-      <p:pic>
-        <p:nvPicPr>
-          <p:cNvPr id="10" name="Immagine 9">
-            <a:extLst>
-              <a:ext uri="{FF2B5EF4-FFF2-40B4-BE49-F238E27FC236}">
-                <a16:creationId xmlns:a16="http://schemas.microsoft.com/office/drawing/2014/main" id="{7F0E2270-89A8-41B8-B0E7-B345A19483A7}"/>
+                <a16:creationId xmlns:a16="http://schemas.microsoft.com/office/drawing/2014/main" id="{65CCD147-4D45-4448-B60A-6C9C10438057}"/>
               </a:ext>
             </a:extLst>
           </p:cNvPr>
@@ -12530,32 +12980,66 @@
           <p:nvPr/>
         </p:nvPicPr>
         <p:blipFill rotWithShape="1">
-          <a:blip r:embed="rId4" cstate="print">
+          <a:blip r:embed="rId3"/>
+          <a:srcRect l="16124" t="39088" r="16456" b="17993"/>
+          <a:stretch/>
+        </p:blipFill>
+        <p:spPr>
+          <a:xfrm>
+            <a:off x="1038179" y="1587166"/>
+            <a:ext cx="4945793" cy="1657076"/>
+          </a:xfrm>
+          <a:prstGeom prst="rect">
+            <a:avLst/>
+          </a:prstGeom>
+        </p:spPr>
+      </p:pic>
+      <p:sp>
+        <p:nvSpPr>
+          <p:cNvPr id="3" name="CasellaDiTesto 2">
             <a:extLst>
-              <a:ext uri="{28A0092B-C50C-407E-A947-70E740481C1C}">
-                <a14:useLocalDpi xmlns:a14="http://schemas.microsoft.com/office/drawing/2010/main" val="0"/>
+              <a:ext uri="{FF2B5EF4-FFF2-40B4-BE49-F238E27FC236}">
+                <a16:creationId xmlns:a16="http://schemas.microsoft.com/office/drawing/2014/main" id="{52EE9288-31CA-479C-BF3A-0FC7AC5E1B40}"/>
               </a:ext>
             </a:extLst>
-          </a:blip>
-          <a:srcRect r="3016"/>
-          <a:stretch/>
-        </p:blipFill>
-        <p:spPr>
-          <a:xfrm rot="5400000">
-            <a:off x="6927197" y="1593201"/>
-            <a:ext cx="6855842" cy="3669444"/>
-          </a:xfrm>
-          <a:prstGeom prst="rect">
-            <a:avLst/>
-          </a:prstGeom>
-        </p:spPr>
-      </p:pic>
+          </p:cNvPr>
+          <p:cNvSpPr txBox="1"/>
+          <p:nvPr/>
+        </p:nvSpPr>
+        <p:spPr>
+          <a:xfrm>
+            <a:off x="727118" y="822176"/>
+            <a:ext cx="4946847" cy="369332"/>
+          </a:xfrm>
+          <a:prstGeom prst="rect">
+            <a:avLst/>
+          </a:prstGeom>
+          <a:noFill/>
+        </p:spPr>
+        <p:txBody>
+          <a:bodyPr rot="0" spcFirstLastPara="0" vertOverflow="overflow" horzOverflow="overflow" vert="horz" wrap="square" lIns="91440" tIns="45720" rIns="91440" bIns="45720" numCol="1" spcCol="0" rtlCol="0" fromWordArt="0" anchor="t" anchorCtr="0" forceAA="0" compatLnSpc="1">
+            <a:prstTxWarp prst="textNoShape">
+              <a:avLst/>
+            </a:prstTxWarp>
+            <a:spAutoFit/>
+          </a:bodyPr>
+          <a:lstStyle/>
+          <a:p>
+            <a:r>
+              <a:rPr lang="it-IT" dirty="0">
+                <a:cs typeface="Arial"/>
+              </a:rPr>
+              <a:t>Un utente Admin effettua un'interrogazione</a:t>
+            </a:r>
+          </a:p>
+        </p:txBody>
+      </p:sp>
       <p:pic>
         <p:nvPicPr>
-          <p:cNvPr id="4" name="Immagine 3">
+          <p:cNvPr id="4" name="Immagine 15" descr="Immagine che contiene testo, pianta&#10;&#10;Descrizione generata automaticamente">
             <a:extLst>
               <a:ext uri="{FF2B5EF4-FFF2-40B4-BE49-F238E27FC236}">
-                <a16:creationId xmlns:a16="http://schemas.microsoft.com/office/drawing/2014/main" id="{11BDF5E6-1336-49AA-9DB9-9B5B5F81B3DE}"/>
+                <a16:creationId xmlns:a16="http://schemas.microsoft.com/office/drawing/2014/main" id="{B5D4069C-322F-461D-AFC3-192C7E69CBCE}"/>
               </a:ext>
             </a:extLst>
           </p:cNvPr>
@@ -12565,31 +13049,267 @@
           <p:nvPr/>
         </p:nvPicPr>
         <p:blipFill>
-          <a:blip r:embed="rId5" cstate="print">
-            <a:extLst>
-              <a:ext uri="{28A0092B-C50C-407E-A947-70E740481C1C}">
-                <a14:useLocalDpi xmlns:a14="http://schemas.microsoft.com/office/drawing/2010/main" val="0"/>
-              </a:ext>
-            </a:extLst>
-          </a:blip>
+          <a:blip r:embed="rId4"/>
           <a:stretch>
             <a:fillRect/>
           </a:stretch>
         </p:blipFill>
         <p:spPr>
           <a:xfrm>
-            <a:off x="4522196" y="4518595"/>
-            <a:ext cx="4621804" cy="905063"/>
+            <a:off x="4745083" y="1587166"/>
+            <a:ext cx="1977446" cy="687450"/>
           </a:xfrm>
           <a:prstGeom prst="rect">
             <a:avLst/>
           </a:prstGeom>
         </p:spPr>
       </p:pic>
+      <p:pic>
+        <p:nvPicPr>
+          <p:cNvPr id="8" name="Immagine 9" descr="Immagine che contiene testo&#10;&#10;Descrizione generata automaticamente">
+            <a:extLst>
+              <a:ext uri="{FF2B5EF4-FFF2-40B4-BE49-F238E27FC236}">
+                <a16:creationId xmlns:a16="http://schemas.microsoft.com/office/drawing/2014/main" id="{A1847313-991B-45DD-AAB8-1A98D933C08D}"/>
+              </a:ext>
+            </a:extLst>
+          </p:cNvPr>
+          <p:cNvPicPr>
+            <a:picLocks noChangeAspect="1"/>
+          </p:cNvPicPr>
+          <p:nvPr/>
+        </p:nvPicPr>
+        <p:blipFill>
+          <a:blip r:embed="rId5"/>
+          <a:stretch>
+            <a:fillRect/>
+          </a:stretch>
+        </p:blipFill>
+        <p:spPr>
+          <a:xfrm>
+            <a:off x="1037125" y="4495508"/>
+            <a:ext cx="5986434" cy="1865441"/>
+          </a:xfrm>
+          <a:prstGeom prst="rect">
+            <a:avLst/>
+          </a:prstGeom>
+        </p:spPr>
+      </p:pic>
+      <p:pic>
+        <p:nvPicPr>
+          <p:cNvPr id="6" name="Immagine 15" descr="Immagine che contiene testo, pianta&#10;&#10;Descrizione generata automaticamente">
+            <a:extLst>
+              <a:ext uri="{FF2B5EF4-FFF2-40B4-BE49-F238E27FC236}">
+                <a16:creationId xmlns:a16="http://schemas.microsoft.com/office/drawing/2014/main" id="{BFEDF2D7-4BF8-4535-8428-3910142BB3AF}"/>
+              </a:ext>
+            </a:extLst>
+          </p:cNvPr>
+          <p:cNvPicPr>
+            <a:picLocks noChangeAspect="1"/>
+          </p:cNvPicPr>
+          <p:nvPr/>
+        </p:nvPicPr>
+        <p:blipFill>
+          <a:blip r:embed="rId4"/>
+          <a:stretch>
+            <a:fillRect/>
+          </a:stretch>
+        </p:blipFill>
+        <p:spPr>
+          <a:xfrm rot="9660000">
+            <a:off x="5799650" y="4727801"/>
+            <a:ext cx="1524360" cy="659572"/>
+          </a:xfrm>
+          <a:prstGeom prst="rect">
+            <a:avLst/>
+          </a:prstGeom>
+        </p:spPr>
+      </p:pic>
+      <p:sp>
+        <p:nvSpPr>
+          <p:cNvPr id="14" name="CasellaDiTesto 13">
+            <a:extLst>
+              <a:ext uri="{FF2B5EF4-FFF2-40B4-BE49-F238E27FC236}">
+                <a16:creationId xmlns:a16="http://schemas.microsoft.com/office/drawing/2014/main" id="{BFDE299E-01F4-462E-B1CF-18A6CAD616F8}"/>
+              </a:ext>
+            </a:extLst>
+          </p:cNvPr>
+          <p:cNvSpPr txBox="1"/>
+          <p:nvPr/>
+        </p:nvSpPr>
+        <p:spPr>
+          <a:xfrm>
+            <a:off x="8824266" y="568945"/>
+            <a:ext cx="1248359" cy="461665"/>
+          </a:xfrm>
+          <a:prstGeom prst="rect">
+            <a:avLst/>
+          </a:prstGeom>
+          <a:noFill/>
+        </p:spPr>
+        <p:txBody>
+          <a:bodyPr rot="0" spcFirstLastPara="0" vertOverflow="overflow" horzOverflow="overflow" vert="horz" wrap="square" lIns="91440" tIns="45720" rIns="91440" bIns="45720" numCol="1" spcCol="0" rtlCol="0" fromWordArt="0" anchor="t" anchorCtr="0" forceAA="0" compatLnSpc="1">
+            <a:prstTxWarp prst="textNoShape">
+              <a:avLst/>
+            </a:prstTxWarp>
+            <a:spAutoFit/>
+          </a:bodyPr>
+          <a:lstStyle/>
+          <a:p>
+            <a:r>
+              <a:rPr lang="it-IT" sz="2400" dirty="0">
+                <a:cs typeface="Arial"/>
+              </a:rPr>
+              <a:t>Server:</a:t>
+            </a:r>
+            <a:endParaRPr lang="it-IT" sz="2400"/>
+          </a:p>
+        </p:txBody>
+      </p:sp>
+      <p:sp>
+        <p:nvSpPr>
+          <p:cNvPr id="15" name="CasellaDiTesto 14">
+            <a:extLst>
+              <a:ext uri="{FF2B5EF4-FFF2-40B4-BE49-F238E27FC236}">
+                <a16:creationId xmlns:a16="http://schemas.microsoft.com/office/drawing/2014/main" id="{E02E787E-4D2B-46D6-9AB8-10FD22BF9C53}"/>
+              </a:ext>
+            </a:extLst>
+          </p:cNvPr>
+          <p:cNvSpPr txBox="1"/>
+          <p:nvPr/>
+        </p:nvSpPr>
+        <p:spPr>
+          <a:xfrm>
+            <a:off x="7067950" y="1744215"/>
+            <a:ext cx="5121890" cy="3170099"/>
+          </a:xfrm>
+          <a:prstGeom prst="rect">
+            <a:avLst/>
+          </a:prstGeom>
+          <a:noFill/>
+        </p:spPr>
+        <p:txBody>
+          <a:bodyPr rot="0" spcFirstLastPara="0" vertOverflow="overflow" horzOverflow="overflow" vert="horz" wrap="square" lIns="91440" tIns="45720" rIns="91440" bIns="45720" numCol="1" spcCol="0" rtlCol="0" fromWordArt="0" anchor="t" anchorCtr="0" forceAA="0" compatLnSpc="1">
+            <a:prstTxWarp prst="textNoShape">
+              <a:avLst/>
+            </a:prstTxWarp>
+            <a:spAutoFit/>
+          </a:bodyPr>
+          <a:lstStyle/>
+          <a:p>
+            <a:pPr marL="457200" indent="-457200">
+              <a:buAutoNum type="arabicPeriod"/>
+            </a:pPr>
+            <a:r>
+              <a:rPr lang="it-IT" sz="2000" dirty="0">
+                <a:cs typeface="Arial"/>
+              </a:rPr>
+              <a:t>Interroga il DB, ottiene tutte le tratte salvate in quella data</a:t>
+            </a:r>
+          </a:p>
+          <a:p>
+            <a:pPr marL="457200" indent="-457200">
+              <a:buAutoNum type="arabicPeriod"/>
+            </a:pPr>
+            <a:r>
+              <a:rPr lang="it-IT" sz="2000" dirty="0">
+                <a:cs typeface="Arial"/>
+              </a:rPr>
+              <a:t>Per ogni tratta:</a:t>
+            </a:r>
+          </a:p>
+          <a:p>
+            <a:pPr marL="914400" lvl="1" indent="-457200">
+              <a:buFont typeface="Arial"/>
+              <a:buChar char="•"/>
+            </a:pPr>
+            <a:r>
+              <a:rPr lang="it-IT" sz="2000" dirty="0">
+                <a:cs typeface="Arial"/>
+              </a:rPr>
+              <a:t>Interroga il DB per ottenere tutte le tratte con lo stesso ID </a:t>
+            </a:r>
+            <a:r>
+              <a:rPr lang="it-IT" sz="2000" dirty="0" err="1">
+                <a:cs typeface="Arial"/>
+              </a:rPr>
+              <a:t>Hash</a:t>
+            </a:r>
+            <a:r>
+              <a:rPr lang="it-IT" sz="2000" dirty="0">
+                <a:cs typeface="Arial"/>
+              </a:rPr>
+              <a:t>, e ne calcola l'</a:t>
+            </a:r>
+            <a:r>
+              <a:rPr lang="it-IT" sz="2000" dirty="0" err="1">
+                <a:cs typeface="Arial"/>
+              </a:rPr>
+              <a:t>hash</a:t>
+            </a:r>
+            <a:endParaRPr lang="it-IT" sz="2000" dirty="0">
+              <a:cs typeface="Arial"/>
+            </a:endParaRPr>
+          </a:p>
+          <a:p>
+            <a:pPr marL="914400" lvl="1" indent="-457200">
+              <a:buFont typeface="Arial"/>
+              <a:buChar char="•"/>
+            </a:pPr>
+            <a:r>
+              <a:rPr lang="it-IT" sz="2000" dirty="0">
+                <a:cs typeface="Arial"/>
+              </a:rPr>
+              <a:t>Interroga la blockchain ottenendo per quel determinato ente l'</a:t>
+            </a:r>
+            <a:r>
+              <a:rPr lang="it-IT" sz="2000" dirty="0" err="1">
+                <a:cs typeface="Arial"/>
+              </a:rPr>
+              <a:t>hash</a:t>
+            </a:r>
+            <a:r>
+              <a:rPr lang="it-IT" sz="2000" dirty="0">
+                <a:cs typeface="Arial"/>
+              </a:rPr>
+              <a:t> corrispondente all'ID </a:t>
+            </a:r>
+            <a:r>
+              <a:rPr lang="it-IT" sz="2000" dirty="0" err="1">
+                <a:cs typeface="Arial"/>
+              </a:rPr>
+              <a:t>Hash</a:t>
+            </a:r>
+            <a:endParaRPr lang="it-IT" sz="2000" dirty="0">
+              <a:cs typeface="Arial"/>
+            </a:endParaRPr>
+          </a:p>
+          <a:p>
+            <a:pPr marL="914400" lvl="1" indent="-457200">
+              <a:buFont typeface="Arial"/>
+              <a:buChar char="•"/>
+            </a:pPr>
+            <a:r>
+              <a:rPr lang="it-IT" sz="2000" dirty="0">
+                <a:cs typeface="Arial"/>
+              </a:rPr>
+              <a:t>Compara i due codici </a:t>
+            </a:r>
+            <a:r>
+              <a:rPr lang="it-IT" sz="2000" dirty="0" err="1">
+                <a:cs typeface="Arial"/>
+              </a:rPr>
+              <a:t>hash</a:t>
+            </a:r>
+            <a:endParaRPr lang="it-IT" sz="2000" dirty="0">
+              <a:cs typeface="Arial"/>
+            </a:endParaRPr>
+          </a:p>
+        </p:txBody>
+      </p:sp>
     </p:spTree>
     <p:extLst>
       <p:ext uri="{BB962C8B-B14F-4D97-AF65-F5344CB8AC3E}">
-        <p14:creationId xmlns:p14="http://schemas.microsoft.com/office/powerpoint/2010/main" val="3872001436"/>
+        <p14:creationId xmlns:p14="http://schemas.microsoft.com/office/powerpoint/2010/main" val="2613195805"/>
       </p:ext>
     </p:extLst>
   </p:cSld>
@@ -12636,8 +13356,8 @@
         </p:blipFill>
         <p:spPr>
           <a:xfrm>
-            <a:off x="7372980" y="2340262"/>
-            <a:ext cx="4451760" cy="4451760"/>
+            <a:off x="8682353" y="1687561"/>
+            <a:ext cx="3370799" cy="3482878"/>
           </a:xfrm>
           <a:prstGeom prst="rect">
             <a:avLst/>
@@ -12826,7 +13546,7 @@
         </p:nvSpPr>
         <p:spPr>
           <a:xfrm>
-            <a:off x="1440000" y="1086166"/>
+            <a:off x="926435" y="1277335"/>
             <a:ext cx="5399640" cy="4948874"/>
           </a:xfrm>
           <a:prstGeom prst="rect">
@@ -12855,12 +13575,8 @@
           </a:bodyPr>
           <a:lstStyle/>
           <a:p>
-            <a:pPr marL="342900" indent="-342900">
-              <a:buClr>
-                <a:srgbClr val="000000"/>
-              </a:buClr>
-              <a:buSzPct val="45000"/>
-              <a:buFont typeface="Arial"/>
+            <a:pPr marL="285750" indent="-285750">
+              <a:buFont typeface="Arial,Sans-Serif"/>
               <a:buChar char="•"/>
             </a:pPr>
             <a:r>
@@ -12870,19 +13586,6 @@
               </a:rPr>
               <a:t>Salvataggio di informazioni</a:t>
             </a:r>
-            <a:endParaRPr lang="it-IT" sz="2200" spc="-1">
-              <a:ea typeface="+mn-lt"/>
-              <a:cs typeface="+mn-lt"/>
-            </a:endParaRPr>
-          </a:p>
-          <a:p>
-            <a:pPr marL="285750" indent="-285750">
-              <a:lnSpc>
-                <a:spcPct val="100000"/>
-              </a:lnSpc>
-              <a:buFont typeface="Arial,Sans-Serif"/>
-              <a:buChar char="•"/>
-            </a:pPr>
             <a:endParaRPr lang="it-IT" sz="2200" b="0" strike="noStrike" spc="-1">
               <a:latin typeface="Arial"/>
               <a:cs typeface="Arial"/>
@@ -12909,6 +13612,29 @@
             </a:endParaRPr>
           </a:p>
           <a:p>
+            <a:endParaRPr lang="it-IT" sz="2200" spc="-1">
+              <a:latin typeface="Arial"/>
+              <a:cs typeface="Arial"/>
+            </a:endParaRPr>
+          </a:p>
+          <a:p>
+            <a:pPr marL="285750" indent="-285750">
+              <a:buFont typeface="Arial,Sans-Serif"/>
+              <a:buChar char="•"/>
+            </a:pPr>
+            <a:r>
+              <a:rPr lang="it-IT" sz="2200" spc="-1">
+                <a:latin typeface="Arial"/>
+                <a:cs typeface="Arial"/>
+              </a:rPr>
+              <a:t>Certificazione di informazioni</a:t>
+            </a:r>
+            <a:endParaRPr lang="it-IT" sz="2200" spc="-1">
+              <a:ea typeface="+mn-lt"/>
+              <a:cs typeface="+mn-lt"/>
+            </a:endParaRPr>
+          </a:p>
+          <a:p>
             <a:pPr marL="285750" indent="-285750">
               <a:buFont typeface="Arial,Sans-Serif"/>
               <a:buChar char="•"/>
@@ -12929,57 +13655,6 @@
             </a:endParaRPr>
           </a:p>
           <a:p>
-            <a:pPr marL="285750" indent="-285750">
-              <a:buFont typeface="Arial,Sans-Serif"/>
-              <a:buChar char="•"/>
-            </a:pPr>
-            <a:r>
-              <a:rPr lang="it-IT" sz="2200" spc="-1">
-                <a:latin typeface="Arial"/>
-                <a:cs typeface="Arial"/>
-              </a:rPr>
-              <a:t>Certificazione di informazioni</a:t>
-            </a:r>
-            <a:endParaRPr lang="it-IT" sz="2200" spc="-1">
-              <a:ea typeface="+mn-lt"/>
-              <a:cs typeface="+mn-lt"/>
-            </a:endParaRPr>
-          </a:p>
-          <a:p>
-            <a:pPr marL="285750" indent="-285750">
-              <a:buFont typeface="Arial,Sans-Serif"/>
-              <a:buChar char="•"/>
-            </a:pPr>
-            <a:endParaRPr lang="it-IT" sz="2200" spc="-1">
-              <a:latin typeface="Arial"/>
-              <a:cs typeface="Arial"/>
-            </a:endParaRPr>
-          </a:p>
-          <a:p>
-            <a:pPr marL="285750" indent="-285750">
-              <a:buFont typeface="Arial,Sans-Serif"/>
-              <a:buChar char="•"/>
-            </a:pPr>
-            <a:endParaRPr lang="it-IT" sz="2200" spc="-1">
-              <a:latin typeface="Arial"/>
-              <a:cs typeface="Arial"/>
-            </a:endParaRPr>
-          </a:p>
-          <a:p>
-            <a:pPr marL="285750" indent="-285750">
-              <a:buFont typeface="Arial,Sans-Serif"/>
-              <a:buChar char="•"/>
-            </a:pPr>
-            <a:endParaRPr lang="it-IT" sz="2200" spc="-1">
-              <a:latin typeface="Arial"/>
-              <a:cs typeface="Arial"/>
-            </a:endParaRPr>
-          </a:p>
-          <a:p>
-            <a:pPr marL="285750" indent="-285750">
-              <a:buFont typeface="Arial,Sans-Serif"/>
-              <a:buChar char="•"/>
-            </a:pPr>
             <a:endParaRPr lang="it-IT" sz="2200" spc="-1">
               <a:latin typeface="Arial"/>
               <a:cs typeface="Arial"/>
@@ -12995,35 +13670,7 @@
                 <a:latin typeface="Arial"/>
                 <a:cs typeface="Arial"/>
               </a:rPr>
-              <a:t>Costruzione di un prototipo di un applicativo utile al </a:t>
-            </a:r>
-            <a:r>
-              <a:rPr lang="it-IT" sz="2200" spc="-1" err="1">
-                <a:latin typeface="Arial"/>
-                <a:cs typeface="Arial"/>
-              </a:rPr>
-              <a:t>Mobility</a:t>
-            </a:r>
-            <a:r>
-              <a:rPr lang="it-IT" sz="2200" spc="-1">
-                <a:latin typeface="Arial"/>
-                <a:cs typeface="Arial"/>
-              </a:rPr>
-              <a:t> </a:t>
-            </a:r>
-            <a:r>
-              <a:rPr lang="it-IT" sz="2200" spc="-1" err="1">
-                <a:latin typeface="Arial"/>
-                <a:cs typeface="Arial"/>
-              </a:rPr>
-              <a:t>as</a:t>
-            </a:r>
-            <a:r>
-              <a:rPr lang="it-IT" sz="2200" spc="-1">
-                <a:latin typeface="Arial"/>
-                <a:cs typeface="Arial"/>
-              </a:rPr>
-              <a:t> a Service</a:t>
+              <a:t>Costruzione di un prototipo di un applicativo utile al Mobility as a Service</a:t>
             </a:r>
             <a:endParaRPr lang="it-IT"/>
           </a:p>
@@ -13036,7 +13683,7 @@
               <a:buFont typeface="Wingdings" charset="2"/>
               <a:buChar char=""/>
             </a:pPr>
-            <a:endParaRPr lang="it-IT" sz="2200" spc="-1">
+            <a:endParaRPr lang="it-IT" sz="2200" spc="-1" dirty="0">
               <a:latin typeface="Arial"/>
             </a:endParaRPr>
           </a:p>
@@ -13050,7 +13697,7 @@
         </p:nvSpPr>
         <p:spPr>
           <a:xfrm>
-            <a:off x="9122491" y="1166264"/>
+            <a:off x="9384975" y="5116689"/>
             <a:ext cx="2519640" cy="1109520"/>
           </a:xfrm>
           <a:prstGeom prst="rect">
@@ -13085,12 +13732,12 @@
               </a:lnSpc>
             </a:pPr>
             <a:r>
-              <a:rPr lang="it-IT" sz="2400" b="1" strike="noStrike" spc="-1">
+              <a:rPr lang="it-IT" sz="2400" b="1" strike="noStrike" spc="-1" dirty="0">
                 <a:latin typeface="Arial"/>
               </a:rPr>
               <a:t>Blockchain come ente Certificatore</a:t>
             </a:r>
-            <a:endParaRPr lang="it-IT" sz="2400" b="0" strike="noStrike" spc="-1">
+            <a:endParaRPr lang="it-IT" sz="2400" b="0" strike="noStrike" spc="-1" dirty="0">
               <a:latin typeface="Arial"/>
             </a:endParaRPr>
           </a:p>
@@ -13108,8 +13755,8 @@
         </p:blipFill>
         <p:spPr>
           <a:xfrm>
-            <a:off x="9118080" y="3960000"/>
-            <a:ext cx="961560" cy="1271520"/>
+            <a:off x="9947834" y="2934854"/>
+            <a:ext cx="815672" cy="988291"/>
           </a:xfrm>
           <a:prstGeom prst="rect">
             <a:avLst/>
@@ -13147,7 +13794,7 @@
         </p:blipFill>
         <p:spPr>
           <a:xfrm>
-            <a:off x="6012719" y="1207562"/>
+            <a:off x="5842523" y="2327821"/>
             <a:ext cx="2863995" cy="774972"/>
           </a:xfrm>
           <a:prstGeom prst="rect">
@@ -13183,7 +13830,7 @@
         </p:blipFill>
         <p:spPr>
           <a:xfrm>
-            <a:off x="6012719" y="1984428"/>
+            <a:off x="5818358" y="3041514"/>
             <a:ext cx="2863995" cy="774972"/>
           </a:xfrm>
           <a:prstGeom prst="rect">
@@ -13219,7 +13866,7 @@
         </p:blipFill>
         <p:spPr>
           <a:xfrm>
-            <a:off x="8390009" y="282996"/>
+            <a:off x="8204887" y="1429123"/>
             <a:ext cx="1003262" cy="1157136"/>
           </a:xfrm>
           <a:prstGeom prst="rect">
@@ -13236,6 +13883,928 @@
 </file>
 
 <file path=ppt/slides/slide20.xml><?xml version="1.0" encoding="utf-8"?>
+<p:sld xmlns:a="http://schemas.openxmlformats.org/drawingml/2006/main" xmlns:r="http://schemas.openxmlformats.org/officeDocument/2006/relationships" xmlns:p="http://schemas.openxmlformats.org/presentationml/2006/main">
+  <p:cSld>
+    <p:spTree>
+      <p:nvGrpSpPr>
+        <p:cNvPr id="1" name=""/>
+        <p:cNvGrpSpPr/>
+        <p:nvPr/>
+      </p:nvGrpSpPr>
+      <p:grpSpPr>
+        <a:xfrm>
+          <a:off x="0" y="0"/>
+          <a:ext cx="0" cy="0"/>
+          <a:chOff x="0" y="0"/>
+          <a:chExt cx="0" cy="0"/>
+        </a:xfrm>
+      </p:grpSpPr>
+      <p:pic>
+        <p:nvPicPr>
+          <p:cNvPr id="212" name="Immagine 19"/>
+          <p:cNvPicPr/>
+          <p:nvPr/>
+        </p:nvPicPr>
+        <p:blipFill>
+          <a:blip r:embed="rId3"/>
+          <a:srcRect r="2174" b="31141"/>
+          <a:stretch/>
+        </p:blipFill>
+        <p:spPr>
+          <a:xfrm rot="5400000" flipH="1">
+            <a:off x="-2368440" y="2372760"/>
+            <a:ext cx="6855840" cy="2114640"/>
+          </a:xfrm>
+          <a:prstGeom prst="rect">
+            <a:avLst/>
+          </a:prstGeom>
+          <a:ln w="0">
+            <a:noFill/>
+          </a:ln>
+        </p:spPr>
+      </p:pic>
+      <p:sp>
+        <p:nvSpPr>
+          <p:cNvPr id="213" name="CustomShape 1"/>
+          <p:cNvSpPr/>
+          <p:nvPr/>
+        </p:nvSpPr>
+        <p:spPr>
+          <a:xfrm>
+            <a:off x="0" y="6492240"/>
+            <a:ext cx="455760" cy="367878"/>
+          </a:xfrm>
+          <a:prstGeom prst="rect">
+            <a:avLst/>
+          </a:prstGeom>
+          <a:noFill/>
+          <a:ln w="0">
+            <a:noFill/>
+          </a:ln>
+        </p:spPr>
+        <p:style>
+          <a:lnRef idx="0">
+            <a:scrgbClr r="0" g="0" b="0"/>
+          </a:lnRef>
+          <a:fillRef idx="0">
+            <a:scrgbClr r="0" g="0" b="0"/>
+          </a:fillRef>
+          <a:effectRef idx="0">
+            <a:scrgbClr r="0" g="0" b="0"/>
+          </a:effectRef>
+          <a:fontRef idx="minor"/>
+        </p:style>
+        <p:txBody>
+          <a:bodyPr lIns="90000" tIns="45000" rIns="90000" bIns="45000" anchor="t">
+            <a:spAutoFit/>
+          </a:bodyPr>
+          <a:lstStyle/>
+          <a:p>
+            <a:pPr>
+              <a:lnSpc>
+                <a:spcPct val="100000"/>
+              </a:lnSpc>
+            </a:pPr>
+            <a:r>
+              <a:rPr lang="en-US" sz="1800" b="0" strike="noStrike" spc="-1" dirty="0">
+                <a:solidFill>
+                  <a:srgbClr val="000000"/>
+                </a:solidFill>
+                <a:latin typeface="Calibri"/>
+                <a:ea typeface="DejaVu Sans"/>
+              </a:rPr>
+              <a:t>20</a:t>
+            </a:r>
+            <a:endParaRPr lang="it-IT" sz="1800" b="0" strike="noStrike" spc="-1" dirty="0">
+              <a:latin typeface="Arial"/>
+            </a:endParaRPr>
+          </a:p>
+        </p:txBody>
+      </p:sp>
+      <p:sp>
+        <p:nvSpPr>
+          <p:cNvPr id="225" name="CustomShape 10"/>
+          <p:cNvSpPr/>
+          <p:nvPr/>
+        </p:nvSpPr>
+        <p:spPr>
+          <a:xfrm>
+            <a:off x="990429" y="163828"/>
+            <a:ext cx="4602960" cy="767987"/>
+          </a:xfrm>
+          <a:prstGeom prst="rect">
+            <a:avLst/>
+          </a:prstGeom>
+          <a:noFill/>
+          <a:ln w="0">
+            <a:noFill/>
+          </a:ln>
+        </p:spPr>
+        <p:style>
+          <a:lnRef idx="0">
+            <a:scrgbClr r="0" g="0" b="0"/>
+          </a:lnRef>
+          <a:fillRef idx="0">
+            <a:scrgbClr r="0" g="0" b="0"/>
+          </a:fillRef>
+          <a:effectRef idx="0">
+            <a:scrgbClr r="0" g="0" b="0"/>
+          </a:effectRef>
+          <a:fontRef idx="minor"/>
+        </p:style>
+        <p:txBody>
+          <a:bodyPr lIns="90000" tIns="45000" rIns="90000" bIns="45000" anchor="t" anchorCtr="1">
+            <a:spAutoFit/>
+          </a:bodyPr>
+          <a:lstStyle/>
+          <a:p>
+            <a:pPr algn="ctr">
+              <a:lnSpc>
+                <a:spcPct val="100000"/>
+              </a:lnSpc>
+            </a:pPr>
+            <a:r>
+              <a:rPr lang="it-IT" sz="4400" b="1" spc="-1">
+                <a:solidFill>
+                  <a:srgbClr val="000000"/>
+                </a:solidFill>
+                <a:latin typeface="Calibri"/>
+              </a:rPr>
+              <a:t>Conclusioni</a:t>
+            </a:r>
+            <a:endParaRPr lang="it-IT"/>
+          </a:p>
+        </p:txBody>
+      </p:sp>
+      <p:sp>
+        <p:nvSpPr>
+          <p:cNvPr id="5" name="Rettangolo 4">
+            <a:extLst>
+              <a:ext uri="{FF2B5EF4-FFF2-40B4-BE49-F238E27FC236}">
+                <a16:creationId xmlns:a16="http://schemas.microsoft.com/office/drawing/2014/main" id="{73CF7342-DA8C-48BC-A9DA-8637F448C255}"/>
+              </a:ext>
+            </a:extLst>
+          </p:cNvPr>
+          <p:cNvSpPr/>
+          <p:nvPr/>
+        </p:nvSpPr>
+        <p:spPr>
+          <a:xfrm>
+            <a:off x="2064973" y="3822141"/>
+            <a:ext cx="4100626" cy="1595412"/>
+          </a:xfrm>
+          <a:prstGeom prst="rect">
+            <a:avLst/>
+          </a:prstGeom>
+          <a:noFill/>
+          <a:ln w="0">
+            <a:noFill/>
+          </a:ln>
+        </p:spPr>
+        <p:style>
+          <a:lnRef idx="0">
+            <a:scrgbClr r="0" g="0" b="0"/>
+          </a:lnRef>
+          <a:fillRef idx="0">
+            <a:scrgbClr r="0" g="0" b="0"/>
+          </a:fillRef>
+          <a:effectRef idx="0">
+            <a:scrgbClr r="0" g="0" b="0"/>
+          </a:effectRef>
+          <a:fontRef idx="minor"/>
+        </p:style>
+        <p:txBody>
+          <a:bodyPr lIns="90000" tIns="45000" rIns="90000" bIns="45000" anchor="t">
+            <a:noAutofit/>
+          </a:bodyPr>
+          <a:lstStyle/>
+          <a:p>
+            <a:pPr marL="342900" indent="-342900">
+              <a:buFont typeface="Arial" panose="020B0604020202020204" pitchFamily="34" charset="0"/>
+              <a:buChar char="•"/>
+            </a:pPr>
+            <a:r>
+              <a:rPr lang="it-IT" sz="2200" spc="-1" dirty="0">
+                <a:latin typeface="Arial"/>
+              </a:rPr>
+              <a:t>Salvataggio </a:t>
+            </a:r>
+            <a:r>
+              <a:rPr lang="it-IT" sz="2200" spc="-1" dirty="0" err="1">
+                <a:latin typeface="Arial"/>
+              </a:rPr>
+              <a:t>hash</a:t>
+            </a:r>
+            <a:endParaRPr lang="it-IT" sz="2200" spc="-1" dirty="0">
+              <a:latin typeface="Arial"/>
+            </a:endParaRPr>
+          </a:p>
+          <a:p>
+            <a:pPr marL="342900" indent="-342900">
+              <a:buFont typeface="Arial" panose="020B0604020202020204" pitchFamily="34" charset="0"/>
+              <a:buChar char="•"/>
+            </a:pPr>
+            <a:r>
+              <a:rPr lang="it-IT" sz="2200" spc="-1" dirty="0">
+                <a:latin typeface="Arial"/>
+              </a:rPr>
+              <a:t>Validazione delle tratte</a:t>
+            </a:r>
+          </a:p>
+          <a:p>
+            <a:pPr marL="342900" indent="-342900">
+              <a:buFont typeface="Arial" panose="020B0604020202020204" pitchFamily="34" charset="0"/>
+              <a:buChar char="•"/>
+            </a:pPr>
+            <a:r>
+              <a:rPr lang="it-IT" sz="2200" spc="-1" dirty="0">
+                <a:latin typeface="Arial"/>
+              </a:rPr>
+              <a:t>Segnalazione possibili attacchi</a:t>
+            </a:r>
+          </a:p>
+        </p:txBody>
+      </p:sp>
+      <p:pic>
+        <p:nvPicPr>
+          <p:cNvPr id="6" name="Immagine 8">
+            <a:extLst>
+              <a:ext uri="{FF2B5EF4-FFF2-40B4-BE49-F238E27FC236}">
+                <a16:creationId xmlns:a16="http://schemas.microsoft.com/office/drawing/2014/main" id="{22012600-1BD1-4F64-97A1-3DD81F2615A2}"/>
+              </a:ext>
+            </a:extLst>
+          </p:cNvPr>
+          <p:cNvPicPr>
+            <a:picLocks noChangeAspect="1"/>
+          </p:cNvPicPr>
+          <p:nvPr/>
+        </p:nvPicPr>
+        <p:blipFill rotWithShape="1">
+          <a:blip r:embed="rId4"/>
+          <a:srcRect l="17515" t="41944" r="21463" b="27609"/>
+          <a:stretch/>
+        </p:blipFill>
+        <p:spPr>
+          <a:xfrm rot="191132">
+            <a:off x="5395454" y="1312238"/>
+            <a:ext cx="2117658" cy="558823"/>
+          </a:xfrm>
+          <a:prstGeom prst="rect">
+            <a:avLst/>
+          </a:prstGeom>
+        </p:spPr>
+      </p:pic>
+      <p:pic>
+        <p:nvPicPr>
+          <p:cNvPr id="7" name="Immagine 8">
+            <a:extLst>
+              <a:ext uri="{FF2B5EF4-FFF2-40B4-BE49-F238E27FC236}">
+                <a16:creationId xmlns:a16="http://schemas.microsoft.com/office/drawing/2014/main" id="{6818BA04-F84B-450C-A4BA-D7450CB3F0B6}"/>
+              </a:ext>
+            </a:extLst>
+          </p:cNvPr>
+          <p:cNvPicPr>
+            <a:picLocks noChangeAspect="1"/>
+          </p:cNvPicPr>
+          <p:nvPr/>
+        </p:nvPicPr>
+        <p:blipFill rotWithShape="1">
+          <a:blip r:embed="rId4"/>
+          <a:srcRect l="17515" t="41944" r="21463" b="27609"/>
+          <a:stretch/>
+        </p:blipFill>
+        <p:spPr>
+          <a:xfrm rot="1355356">
+            <a:off x="5010603" y="1958742"/>
+            <a:ext cx="2810199" cy="558823"/>
+          </a:xfrm>
+          <a:prstGeom prst="rect">
+            <a:avLst/>
+          </a:prstGeom>
+        </p:spPr>
+      </p:pic>
+      <p:sp>
+        <p:nvSpPr>
+          <p:cNvPr id="8" name="Rettangolo 7">
+            <a:extLst>
+              <a:ext uri="{FF2B5EF4-FFF2-40B4-BE49-F238E27FC236}">
+                <a16:creationId xmlns:a16="http://schemas.microsoft.com/office/drawing/2014/main" id="{451FFB50-76AF-40F3-A043-4EA9C9CC231E}"/>
+              </a:ext>
+            </a:extLst>
+          </p:cNvPr>
+          <p:cNvSpPr/>
+          <p:nvPr/>
+        </p:nvSpPr>
+        <p:spPr>
+          <a:xfrm>
+            <a:off x="7532123" y="2794997"/>
+            <a:ext cx="4448068" cy="427479"/>
+          </a:xfrm>
+          <a:prstGeom prst="rect">
+            <a:avLst/>
+          </a:prstGeom>
+          <a:noFill/>
+          <a:ln w="0">
+            <a:noFill/>
+          </a:ln>
+        </p:spPr>
+        <p:style>
+          <a:lnRef idx="0">
+            <a:scrgbClr r="0" g="0" b="0"/>
+          </a:lnRef>
+          <a:fillRef idx="0">
+            <a:scrgbClr r="0" g="0" b="0"/>
+          </a:fillRef>
+          <a:effectRef idx="0">
+            <a:scrgbClr r="0" g="0" b="0"/>
+          </a:effectRef>
+          <a:fontRef idx="minor"/>
+        </p:style>
+        <p:txBody>
+          <a:bodyPr lIns="90000" tIns="45000" rIns="90000" bIns="45000" anchor="t">
+            <a:noAutofit/>
+          </a:bodyPr>
+          <a:lstStyle/>
+          <a:p>
+            <a:r>
+              <a:rPr lang="it-IT" sz="2200" spc="-1" dirty="0">
+                <a:latin typeface="Arial"/>
+                <a:cs typeface="Arial"/>
+              </a:rPr>
+              <a:t>Costruzione di una </a:t>
+            </a:r>
+            <a:r>
+              <a:rPr lang="it-IT" sz="2200" spc="-1" dirty="0" err="1">
+                <a:latin typeface="Arial"/>
+                <a:cs typeface="Arial"/>
+              </a:rPr>
+              <a:t>WebApp</a:t>
+            </a:r>
+            <a:r>
+              <a:rPr lang="it-IT" sz="2200" spc="-1" dirty="0">
+                <a:latin typeface="Arial"/>
+                <a:cs typeface="Arial"/>
+              </a:rPr>
+              <a:t> SPA </a:t>
+            </a:r>
+            <a:endParaRPr lang="it-IT" sz="2200" spc="-1" dirty="0">
+              <a:latin typeface="Arial"/>
+            </a:endParaRPr>
+          </a:p>
+        </p:txBody>
+      </p:sp>
+      <p:sp>
+        <p:nvSpPr>
+          <p:cNvPr id="9" name="Rettangolo 8">
+            <a:extLst>
+              <a:ext uri="{FF2B5EF4-FFF2-40B4-BE49-F238E27FC236}">
+                <a16:creationId xmlns:a16="http://schemas.microsoft.com/office/drawing/2014/main" id="{9CCFD845-2C68-46FC-99E3-85B44D3B9447}"/>
+              </a:ext>
+            </a:extLst>
+          </p:cNvPr>
+          <p:cNvSpPr/>
+          <p:nvPr/>
+        </p:nvSpPr>
+        <p:spPr>
+          <a:xfrm>
+            <a:off x="7527003" y="1290267"/>
+            <a:ext cx="4662837" cy="796068"/>
+          </a:xfrm>
+          <a:prstGeom prst="rect">
+            <a:avLst/>
+          </a:prstGeom>
+          <a:noFill/>
+          <a:ln w="0">
+            <a:noFill/>
+          </a:ln>
+        </p:spPr>
+        <p:style>
+          <a:lnRef idx="0">
+            <a:scrgbClr r="0" g="0" b="0"/>
+          </a:lnRef>
+          <a:fillRef idx="0">
+            <a:scrgbClr r="0" g="0" b="0"/>
+          </a:fillRef>
+          <a:effectRef idx="0">
+            <a:scrgbClr r="0" g="0" b="0"/>
+          </a:effectRef>
+          <a:fontRef idx="minor"/>
+        </p:style>
+        <p:txBody>
+          <a:bodyPr lIns="90000" tIns="45000" rIns="90000" bIns="45000" anchor="t">
+            <a:noAutofit/>
+          </a:bodyPr>
+          <a:lstStyle/>
+          <a:p>
+            <a:r>
+              <a:rPr lang="it-IT" sz="2200" spc="-1" dirty="0">
+                <a:latin typeface="Arial"/>
+                <a:cs typeface="Arial"/>
+              </a:rPr>
+              <a:t>Costruzione di una blockchain </a:t>
+            </a:r>
+            <a:r>
+              <a:rPr lang="it-IT" sz="2200" spc="-1" dirty="0" err="1">
+                <a:latin typeface="Arial"/>
+                <a:cs typeface="Arial"/>
+              </a:rPr>
+              <a:t>PoA</a:t>
+            </a:r>
+            <a:r>
+              <a:rPr lang="it-IT" sz="2200" spc="-1" dirty="0">
+                <a:latin typeface="Arial"/>
+                <a:cs typeface="Arial"/>
+              </a:rPr>
+              <a:t> con BESU (</a:t>
+            </a:r>
+            <a:r>
+              <a:rPr lang="it-IT" sz="2200" spc="-1" dirty="0" err="1">
+                <a:latin typeface="Arial"/>
+                <a:cs typeface="Arial"/>
+              </a:rPr>
+              <a:t>Ethereum</a:t>
+            </a:r>
+            <a:r>
+              <a:rPr lang="it-IT" sz="2200" spc="-1" dirty="0">
+                <a:latin typeface="Arial"/>
+                <a:cs typeface="Arial"/>
+              </a:rPr>
+              <a:t> Client)</a:t>
+            </a:r>
+            <a:endParaRPr lang="it-IT" sz="2200" spc="-1" dirty="0">
+              <a:latin typeface="Arial"/>
+            </a:endParaRPr>
+          </a:p>
+        </p:txBody>
+      </p:sp>
+      <p:sp>
+        <p:nvSpPr>
+          <p:cNvPr id="10" name="Rettangolo 9">
+            <a:extLst>
+              <a:ext uri="{FF2B5EF4-FFF2-40B4-BE49-F238E27FC236}">
+                <a16:creationId xmlns:a16="http://schemas.microsoft.com/office/drawing/2014/main" id="{999E7ECE-25A7-4039-8C7F-2B49C82370A8}"/>
+              </a:ext>
+            </a:extLst>
+          </p:cNvPr>
+          <p:cNvSpPr/>
+          <p:nvPr/>
+        </p:nvSpPr>
+        <p:spPr>
+          <a:xfrm>
+            <a:off x="1460904" y="1112857"/>
+            <a:ext cx="5169565" cy="2782050"/>
+          </a:xfrm>
+          <a:prstGeom prst="rect">
+            <a:avLst/>
+          </a:prstGeom>
+          <a:noFill/>
+          <a:ln w="0">
+            <a:noFill/>
+          </a:ln>
+        </p:spPr>
+        <p:style>
+          <a:lnRef idx="0">
+            <a:scrgbClr r="0" g="0" b="0"/>
+          </a:lnRef>
+          <a:fillRef idx="0">
+            <a:scrgbClr r="0" g="0" b="0"/>
+          </a:fillRef>
+          <a:effectRef idx="0">
+            <a:scrgbClr r="0" g="0" b="0"/>
+          </a:effectRef>
+          <a:fontRef idx="minor"/>
+        </p:style>
+        <p:txBody>
+          <a:bodyPr lIns="90000" tIns="45000" rIns="90000" bIns="45000" anchor="t">
+            <a:noAutofit/>
+          </a:bodyPr>
+          <a:lstStyle/>
+          <a:p>
+            <a:pPr marL="342900" indent="-342900">
+              <a:buFont typeface="Arial" panose="020B0604020202020204" pitchFamily="34" charset="0"/>
+              <a:buChar char="•"/>
+            </a:pPr>
+            <a:r>
+              <a:rPr lang="it-IT" sz="2200" spc="-1" dirty="0">
+                <a:latin typeface="Arial"/>
+                <a:cs typeface="Arial"/>
+              </a:rPr>
+              <a:t>Costruzione di un prototipo di sistema</a:t>
+            </a:r>
+          </a:p>
+          <a:p>
+            <a:pPr marL="342900" indent="-342900">
+              <a:buFont typeface="Arial" panose="020B0604020202020204" pitchFamily="34" charset="0"/>
+              <a:buChar char="•"/>
+            </a:pPr>
+            <a:endParaRPr lang="it-IT" sz="2200" spc="-1" dirty="0">
+              <a:latin typeface="Arial"/>
+            </a:endParaRPr>
+          </a:p>
+          <a:p>
+            <a:pPr marL="342900" indent="-342900">
+              <a:buFont typeface="Arial" panose="020B0604020202020204" pitchFamily="34" charset="0"/>
+              <a:buChar char="•"/>
+            </a:pPr>
+            <a:endParaRPr lang="it-IT" sz="2200" spc="-1" dirty="0">
+              <a:latin typeface="Arial"/>
+            </a:endParaRPr>
+          </a:p>
+          <a:p>
+            <a:pPr marL="342900" indent="-342900">
+              <a:buFont typeface="Arial" panose="020B0604020202020204" pitchFamily="34" charset="0"/>
+              <a:buChar char="•"/>
+            </a:pPr>
+            <a:endParaRPr lang="it-IT" sz="2200" spc="-1" dirty="0">
+              <a:latin typeface="Arial"/>
+            </a:endParaRPr>
+          </a:p>
+          <a:p>
+            <a:pPr marL="342900" indent="-342900">
+              <a:buFont typeface="Arial" panose="020B0604020202020204" pitchFamily="34" charset="0"/>
+              <a:buChar char="•"/>
+            </a:pPr>
+            <a:endParaRPr lang="it-IT" sz="2200" spc="-1" dirty="0">
+              <a:latin typeface="Arial"/>
+            </a:endParaRPr>
+          </a:p>
+          <a:p>
+            <a:pPr marL="342900" indent="-342900">
+              <a:buFont typeface="Arial" panose="020B0604020202020204" pitchFamily="34" charset="0"/>
+              <a:buChar char="•"/>
+            </a:pPr>
+            <a:endParaRPr lang="it-IT" sz="2200" spc="-1" dirty="0">
+              <a:latin typeface="Arial"/>
+            </a:endParaRPr>
+          </a:p>
+          <a:p>
+            <a:pPr marL="342900" indent="-342900">
+              <a:buFont typeface="Arial" panose="020B0604020202020204" pitchFamily="34" charset="0"/>
+              <a:buChar char="•"/>
+            </a:pPr>
+            <a:r>
+              <a:rPr lang="it-IT" sz="2200" spc="-1" dirty="0">
+                <a:latin typeface="Arial"/>
+              </a:rPr>
+              <a:t>Testing interno del sistema</a:t>
+            </a:r>
+          </a:p>
+        </p:txBody>
+      </p:sp>
+    </p:spTree>
+    <p:extLst>
+      <p:ext uri="{BB962C8B-B14F-4D97-AF65-F5344CB8AC3E}">
+        <p14:creationId xmlns:p14="http://schemas.microsoft.com/office/powerpoint/2010/main" val="2814980896"/>
+      </p:ext>
+    </p:extLst>
+  </p:cSld>
+  <p:clrMapOvr>
+    <a:masterClrMapping/>
+  </p:clrMapOvr>
+</p:sld>
+</file>
+
+<file path=ppt/slides/slide21.xml><?xml version="1.0" encoding="utf-8"?>
+<p:sld xmlns:a="http://schemas.openxmlformats.org/drawingml/2006/main" xmlns:r="http://schemas.openxmlformats.org/officeDocument/2006/relationships" xmlns:p="http://schemas.openxmlformats.org/presentationml/2006/main">
+  <p:cSld>
+    <p:spTree>
+      <p:nvGrpSpPr>
+        <p:cNvPr id="1" name=""/>
+        <p:cNvGrpSpPr/>
+        <p:nvPr/>
+      </p:nvGrpSpPr>
+      <p:grpSpPr>
+        <a:xfrm>
+          <a:off x="0" y="0"/>
+          <a:ext cx="0" cy="0"/>
+          <a:chOff x="0" y="0"/>
+          <a:chExt cx="0" cy="0"/>
+        </a:xfrm>
+      </p:grpSpPr>
+      <p:pic>
+        <p:nvPicPr>
+          <p:cNvPr id="212" name="Immagine 19"/>
+          <p:cNvPicPr/>
+          <p:nvPr/>
+        </p:nvPicPr>
+        <p:blipFill>
+          <a:blip r:embed="rId2"/>
+          <a:srcRect r="2174" b="31141"/>
+          <a:stretch/>
+        </p:blipFill>
+        <p:spPr>
+          <a:xfrm rot="5400000" flipH="1">
+            <a:off x="-2368440" y="2372760"/>
+            <a:ext cx="6855840" cy="2114640"/>
+          </a:xfrm>
+          <a:prstGeom prst="rect">
+            <a:avLst/>
+          </a:prstGeom>
+          <a:ln w="0">
+            <a:noFill/>
+          </a:ln>
+        </p:spPr>
+      </p:pic>
+      <p:sp>
+        <p:nvSpPr>
+          <p:cNvPr id="213" name="CustomShape 1"/>
+          <p:cNvSpPr/>
+          <p:nvPr/>
+        </p:nvSpPr>
+        <p:spPr>
+          <a:xfrm>
+            <a:off x="0" y="6492240"/>
+            <a:ext cx="455760" cy="367878"/>
+          </a:xfrm>
+          <a:prstGeom prst="rect">
+            <a:avLst/>
+          </a:prstGeom>
+          <a:noFill/>
+          <a:ln w="0">
+            <a:noFill/>
+          </a:ln>
+        </p:spPr>
+        <p:style>
+          <a:lnRef idx="0">
+            <a:scrgbClr r="0" g="0" b="0"/>
+          </a:lnRef>
+          <a:fillRef idx="0">
+            <a:scrgbClr r="0" g="0" b="0"/>
+          </a:fillRef>
+          <a:effectRef idx="0">
+            <a:scrgbClr r="0" g="0" b="0"/>
+          </a:effectRef>
+          <a:fontRef idx="minor"/>
+        </p:style>
+        <p:txBody>
+          <a:bodyPr lIns="90000" tIns="45000" rIns="90000" bIns="45000" anchor="t">
+            <a:spAutoFit/>
+          </a:bodyPr>
+          <a:lstStyle/>
+          <a:p>
+            <a:pPr>
+              <a:lnSpc>
+                <a:spcPct val="100000"/>
+              </a:lnSpc>
+            </a:pPr>
+            <a:r>
+              <a:rPr lang="en-US" sz="1800" b="0" strike="noStrike" spc="-1" dirty="0">
+                <a:solidFill>
+                  <a:srgbClr val="000000"/>
+                </a:solidFill>
+                <a:latin typeface="Calibri"/>
+                <a:ea typeface="DejaVu Sans"/>
+              </a:rPr>
+              <a:t>21</a:t>
+            </a:r>
+            <a:endParaRPr lang="it-IT" sz="1800" b="0" strike="noStrike" spc="-1" dirty="0">
+              <a:latin typeface="Arial"/>
+            </a:endParaRPr>
+          </a:p>
+        </p:txBody>
+      </p:sp>
+      <p:sp>
+        <p:nvSpPr>
+          <p:cNvPr id="225" name="CustomShape 10"/>
+          <p:cNvSpPr/>
+          <p:nvPr/>
+        </p:nvSpPr>
+        <p:spPr>
+          <a:xfrm>
+            <a:off x="1253188" y="163828"/>
+            <a:ext cx="4602960" cy="767987"/>
+          </a:xfrm>
+          <a:prstGeom prst="rect">
+            <a:avLst/>
+          </a:prstGeom>
+          <a:noFill/>
+          <a:ln w="0">
+            <a:noFill/>
+          </a:ln>
+        </p:spPr>
+        <p:style>
+          <a:lnRef idx="0">
+            <a:scrgbClr r="0" g="0" b="0"/>
+          </a:lnRef>
+          <a:fillRef idx="0">
+            <a:scrgbClr r="0" g="0" b="0"/>
+          </a:fillRef>
+          <a:effectRef idx="0">
+            <a:scrgbClr r="0" g="0" b="0"/>
+          </a:effectRef>
+          <a:fontRef idx="minor"/>
+        </p:style>
+        <p:txBody>
+          <a:bodyPr lIns="90000" tIns="45000" rIns="90000" bIns="45000" anchor="t" anchorCtr="1">
+            <a:spAutoFit/>
+          </a:bodyPr>
+          <a:lstStyle/>
+          <a:p>
+            <a:pPr algn="ctr">
+              <a:lnSpc>
+                <a:spcPct val="100000"/>
+              </a:lnSpc>
+            </a:pPr>
+            <a:r>
+              <a:rPr lang="it-IT" sz="4400" b="1" strike="noStrike" spc="-1">
+                <a:solidFill>
+                  <a:srgbClr val="000000"/>
+                </a:solidFill>
+                <a:latin typeface="Calibri"/>
+                <a:ea typeface="DejaVu Sans"/>
+              </a:rPr>
+              <a:t>Sviluppi futuri</a:t>
+            </a:r>
+            <a:endParaRPr lang="it-IT" sz="4400" b="0" strike="noStrike" spc="-1">
+              <a:latin typeface="Arial"/>
+            </a:endParaRPr>
+          </a:p>
+        </p:txBody>
+      </p:sp>
+      <p:sp>
+        <p:nvSpPr>
+          <p:cNvPr id="2" name="CasellaDiTesto 1">
+            <a:extLst>
+              <a:ext uri="{FF2B5EF4-FFF2-40B4-BE49-F238E27FC236}">
+                <a16:creationId xmlns:a16="http://schemas.microsoft.com/office/drawing/2014/main" id="{A4CA72F0-93EA-4505-BA3C-88A774802542}"/>
+              </a:ext>
+            </a:extLst>
+          </p:cNvPr>
+          <p:cNvSpPr txBox="1"/>
+          <p:nvPr/>
+        </p:nvSpPr>
+        <p:spPr>
+          <a:xfrm>
+            <a:off x="2021152" y="1311661"/>
+            <a:ext cx="5824025" cy="2677656"/>
+          </a:xfrm>
+          <a:prstGeom prst="rect">
+            <a:avLst/>
+          </a:prstGeom>
+          <a:noFill/>
+        </p:spPr>
+        <p:txBody>
+          <a:bodyPr wrap="square" rtlCol="0">
+            <a:spAutoFit/>
+          </a:bodyPr>
+          <a:lstStyle/>
+          <a:p>
+            <a:pPr marL="285750" indent="-285750">
+              <a:buFont typeface="Arial" panose="020B0604020202020204" pitchFamily="34" charset="0"/>
+              <a:buChar char="•"/>
+            </a:pPr>
+            <a:r>
+              <a:rPr lang="it-IT" sz="2400" dirty="0"/>
+              <a:t>Portare tutti i dati all’interno della blockchain privata</a:t>
+            </a:r>
+          </a:p>
+          <a:p>
+            <a:pPr marL="285750" indent="-285750">
+              <a:buFont typeface="Arial" panose="020B0604020202020204" pitchFamily="34" charset="0"/>
+              <a:buChar char="•"/>
+            </a:pPr>
+            <a:endParaRPr lang="it-IT" sz="2400" dirty="0"/>
+          </a:p>
+          <a:p>
+            <a:pPr marL="285750" indent="-285750">
+              <a:buFont typeface="Arial" panose="020B0604020202020204" pitchFamily="34" charset="0"/>
+              <a:buChar char="•"/>
+            </a:pPr>
+            <a:endParaRPr lang="it-IT" sz="2400" dirty="0"/>
+          </a:p>
+          <a:p>
+            <a:pPr marL="285750" indent="-285750">
+              <a:buFont typeface="Arial" panose="020B0604020202020204" pitchFamily="34" charset="0"/>
+              <a:buChar char="•"/>
+            </a:pPr>
+            <a:endParaRPr lang="it-IT" sz="2400" dirty="0"/>
+          </a:p>
+          <a:p>
+            <a:pPr marL="285750" indent="-285750">
+              <a:buFont typeface="Arial" panose="020B0604020202020204" pitchFamily="34" charset="0"/>
+              <a:buChar char="•"/>
+            </a:pPr>
+            <a:r>
+              <a:rPr lang="it-IT" sz="2400" dirty="0"/>
+              <a:t>Utilizzare una blockchain pubblica per validare la blockchain privata </a:t>
+            </a:r>
+          </a:p>
+        </p:txBody>
+      </p:sp>
+      <p:pic>
+        <p:nvPicPr>
+          <p:cNvPr id="18" name="Immagine 17">
+            <a:extLst>
+              <a:ext uri="{FF2B5EF4-FFF2-40B4-BE49-F238E27FC236}">
+                <a16:creationId xmlns:a16="http://schemas.microsoft.com/office/drawing/2014/main" id="{48131412-19EA-463C-8421-040DEEEE5900}"/>
+              </a:ext>
+            </a:extLst>
+          </p:cNvPr>
+          <p:cNvPicPr/>
+          <p:nvPr/>
+        </p:nvPicPr>
+        <p:blipFill>
+          <a:blip r:embed="rId3"/>
+          <a:stretch/>
+        </p:blipFill>
+        <p:spPr>
+          <a:xfrm>
+            <a:off x="3192404" y="4623136"/>
+            <a:ext cx="1588140" cy="1601044"/>
+          </a:xfrm>
+          <a:prstGeom prst="rect">
+            <a:avLst/>
+          </a:prstGeom>
+          <a:ln w="0">
+            <a:noFill/>
+          </a:ln>
+        </p:spPr>
+      </p:pic>
+      <p:pic>
+        <p:nvPicPr>
+          <p:cNvPr id="10" name="Immagine 9">
+            <a:extLst>
+              <a:ext uri="{FF2B5EF4-FFF2-40B4-BE49-F238E27FC236}">
+                <a16:creationId xmlns:a16="http://schemas.microsoft.com/office/drawing/2014/main" id="{7F0E2270-89A8-41B8-B0E7-B345A19483A7}"/>
+              </a:ext>
+            </a:extLst>
+          </p:cNvPr>
+          <p:cNvPicPr>
+            <a:picLocks noChangeAspect="1"/>
+          </p:cNvPicPr>
+          <p:nvPr/>
+        </p:nvPicPr>
+        <p:blipFill rotWithShape="1">
+          <a:blip r:embed="rId4" cstate="print">
+            <a:extLst>
+              <a:ext uri="{28A0092B-C50C-407E-A947-70E740481C1C}">
+                <a14:useLocalDpi xmlns:a14="http://schemas.microsoft.com/office/drawing/2010/main" val="0"/>
+              </a:ext>
+            </a:extLst>
+          </a:blip>
+          <a:srcRect r="3016"/>
+          <a:stretch/>
+        </p:blipFill>
+        <p:spPr>
+          <a:xfrm rot="5400000">
+            <a:off x="6927197" y="1593201"/>
+            <a:ext cx="6855842" cy="3669444"/>
+          </a:xfrm>
+          <a:prstGeom prst="rect">
+            <a:avLst/>
+          </a:prstGeom>
+        </p:spPr>
+      </p:pic>
+      <p:pic>
+        <p:nvPicPr>
+          <p:cNvPr id="4" name="Immagine 3">
+            <a:extLst>
+              <a:ext uri="{FF2B5EF4-FFF2-40B4-BE49-F238E27FC236}">
+                <a16:creationId xmlns:a16="http://schemas.microsoft.com/office/drawing/2014/main" id="{11BDF5E6-1336-49AA-9DB9-9B5B5F81B3DE}"/>
+              </a:ext>
+            </a:extLst>
+          </p:cNvPr>
+          <p:cNvPicPr>
+            <a:picLocks noChangeAspect="1"/>
+          </p:cNvPicPr>
+          <p:nvPr/>
+        </p:nvPicPr>
+        <p:blipFill>
+          <a:blip r:embed="rId5" cstate="print">
+            <a:extLst>
+              <a:ext uri="{28A0092B-C50C-407E-A947-70E740481C1C}">
+                <a14:useLocalDpi xmlns:a14="http://schemas.microsoft.com/office/drawing/2010/main" val="0"/>
+              </a:ext>
+            </a:extLst>
+          </a:blip>
+          <a:stretch>
+            <a:fillRect/>
+          </a:stretch>
+        </p:blipFill>
+        <p:spPr>
+          <a:xfrm>
+            <a:off x="4522196" y="4518595"/>
+            <a:ext cx="4621804" cy="905063"/>
+          </a:xfrm>
+          <a:prstGeom prst="rect">
+            <a:avLst/>
+          </a:prstGeom>
+        </p:spPr>
+      </p:pic>
+    </p:spTree>
+    <p:extLst>
+      <p:ext uri="{BB962C8B-B14F-4D97-AF65-F5344CB8AC3E}">
+        <p14:creationId xmlns:p14="http://schemas.microsoft.com/office/powerpoint/2010/main" val="3872001436"/>
+      </p:ext>
+    </p:extLst>
+  </p:cSld>
+  <p:clrMapOvr>
+    <a:masterClrMapping/>
+  </p:clrMapOvr>
+</p:sld>
+</file>
+
+<file path=ppt/slides/slide22.xml><?xml version="1.0" encoding="utf-8"?>
 <p:sld xmlns:a="http://schemas.openxmlformats.org/drawingml/2006/main" xmlns:r="http://schemas.openxmlformats.org/officeDocument/2006/relationships" xmlns:p="http://schemas.openxmlformats.org/presentationml/2006/main">
   <p:cSld>
     <p:spTree>
@@ -13563,8 +15132,8 @@
         </p:nvSpPr>
         <p:spPr>
           <a:xfrm>
-            <a:off x="7948626" y="1546805"/>
-            <a:ext cx="3455981" cy="1934317"/>
+            <a:off x="7452833" y="1944502"/>
+            <a:ext cx="3637729" cy="2321900"/>
           </a:xfrm>
           <a:prstGeom prst="triangle">
             <a:avLst>
@@ -13602,8 +15171,8 @@
         </p:nvSpPr>
         <p:spPr>
           <a:xfrm>
-            <a:off x="7090612" y="3539713"/>
-            <a:ext cx="2075642" cy="398655"/>
+            <a:off x="6594819" y="4324992"/>
+            <a:ext cx="2075642" cy="460211"/>
           </a:xfrm>
           <a:prstGeom prst="rect">
             <a:avLst/>
@@ -13637,7 +15206,7 @@
               </a:lnSpc>
             </a:pPr>
             <a:r>
-              <a:rPr lang="it-IT" sz="2000" b="0" strike="noStrike" spc="-1">
+              <a:rPr lang="it-IT" sz="2400" b="0" strike="noStrike" spc="-1" dirty="0">
                 <a:solidFill>
                   <a:srgbClr val="000000"/>
                 </a:solidFill>
@@ -13646,7 +15215,7 @@
               </a:rPr>
               <a:t>SCALABILITÀ</a:t>
             </a:r>
-            <a:endParaRPr lang="it-IT" sz="2000" b="0" strike="noStrike" spc="-1">
+            <a:endParaRPr lang="it-IT" sz="2400" b="0" strike="noStrike" spc="-1" dirty="0">
               <a:latin typeface="Arial"/>
             </a:endParaRPr>
           </a:p>
@@ -13660,8 +15229,8 @@
         </p:nvSpPr>
         <p:spPr>
           <a:xfrm>
-            <a:off x="10845701" y="3467826"/>
-            <a:ext cx="1842092" cy="398655"/>
+            <a:off x="10445242" y="4237467"/>
+            <a:ext cx="1744597" cy="460211"/>
           </a:xfrm>
           <a:prstGeom prst="rect">
             <a:avLst/>
@@ -13695,7 +15264,7 @@
               </a:lnSpc>
             </a:pPr>
             <a:r>
-              <a:rPr lang="it-IT" sz="2000" b="1" strike="noStrike" spc="-1">
+              <a:rPr lang="it-IT" sz="2400" b="1" strike="noStrike" spc="-1" dirty="0">
                 <a:solidFill>
                   <a:srgbClr val="000000"/>
                 </a:solidFill>
@@ -13704,7 +15273,7 @@
               </a:rPr>
               <a:t>SICUREZZA</a:t>
             </a:r>
-            <a:endParaRPr lang="it-IT" sz="2000" b="0" strike="noStrike" spc="-1">
+            <a:endParaRPr lang="it-IT" sz="2400" b="0" strike="noStrike" spc="-1" dirty="0">
               <a:latin typeface="Arial"/>
             </a:endParaRPr>
           </a:p>
@@ -13718,8 +15287,8 @@
         </p:nvSpPr>
         <p:spPr>
           <a:xfrm>
-            <a:off x="8309463" y="1150937"/>
-            <a:ext cx="3353481" cy="398655"/>
+            <a:off x="7737081" y="1513226"/>
+            <a:ext cx="3353481" cy="460211"/>
           </a:xfrm>
           <a:prstGeom prst="rect">
             <a:avLst/>
@@ -13753,7 +15322,7 @@
               </a:lnSpc>
             </a:pPr>
             <a:r>
-              <a:rPr lang="it-IT" sz="2000" b="0" strike="noStrike" spc="-1">
+              <a:rPr lang="it-IT" sz="2400" b="0" strike="noStrike" spc="-1" dirty="0">
                 <a:solidFill>
                   <a:srgbClr val="000000"/>
                 </a:solidFill>
@@ -13762,7 +15331,7 @@
               </a:rPr>
               <a:t>DECENTRALIZZAZIONE</a:t>
             </a:r>
-            <a:endParaRPr lang="it-IT" sz="2000" b="0" strike="noStrike" spc="-1">
+            <a:endParaRPr lang="it-IT" sz="2400" b="0" strike="noStrike" spc="-1" dirty="0">
               <a:latin typeface="Arial"/>
             </a:endParaRPr>
           </a:p>
@@ -13833,7 +15402,7 @@
         </p:nvSpPr>
         <p:spPr>
           <a:xfrm>
-            <a:off x="8401698" y="2774836"/>
+            <a:off x="8006266" y="3417376"/>
             <a:ext cx="2530861" cy="644877"/>
           </a:xfrm>
           <a:prstGeom prst="rect">
@@ -13868,7 +15437,7 @@
               </a:lnSpc>
             </a:pPr>
             <a:r>
-              <a:rPr lang="it-IT" sz="1800" b="0" strike="noStrike" spc="-1">
+              <a:rPr lang="it-IT" sz="1800" b="0" strike="noStrike" spc="-1" dirty="0">
                 <a:solidFill>
                   <a:srgbClr val="000000"/>
                 </a:solidFill>
@@ -13877,7 +15446,7 @@
               </a:rPr>
               <a:t>Trilemma della  Scalabilità</a:t>
             </a:r>
-            <a:endParaRPr lang="it-IT" sz="1800" b="0" strike="noStrike" spc="-1">
+            <a:endParaRPr lang="it-IT" sz="1800" b="0" strike="noStrike" spc="-1" dirty="0">
               <a:latin typeface="Arial"/>
             </a:endParaRPr>
           </a:p>
@@ -14582,12 +16151,12 @@
           <a:p>
             <a:pPr algn="ctr"/>
             <a:r>
-              <a:rPr lang="it-IT" sz="4400" b="1">
+              <a:rPr lang="it-IT" sz="4400" b="1" dirty="0">
                 <a:latin typeface="Calibri"/>
               </a:rPr>
               <a:t>Scenario di partenza</a:t>
             </a:r>
-            <a:endParaRPr lang="it-IT" sz="4400" b="1" strike="noStrike" spc="-1">
+            <a:endParaRPr lang="it-IT" sz="4400" b="1" strike="noStrike" spc="-1" dirty="0">
               <a:latin typeface="Calibri"/>
             </a:endParaRPr>
           </a:p>
@@ -14607,8 +16176,8 @@
         </p:nvSpPr>
         <p:spPr>
           <a:xfrm>
-            <a:off x="2477874" y="1113755"/>
-            <a:ext cx="2490840" cy="1014209"/>
+            <a:off x="2090028" y="1574880"/>
+            <a:ext cx="4078796" cy="1321985"/>
           </a:xfrm>
           <a:prstGeom prst="rect">
             <a:avLst/>
@@ -14631,27 +16200,16 @@
           <a:fontRef idx="minor"/>
         </p:style>
         <p:txBody>
-          <a:bodyPr lIns="90000" tIns="45000" rIns="90000" bIns="45000" anchor="t">
+          <a:bodyPr wrap="square" lIns="90000" tIns="45000" rIns="90000" bIns="45000" anchor="t">
             <a:spAutoFit/>
           </a:bodyPr>
           <a:lstStyle/>
           <a:p>
             <a:r>
-              <a:rPr lang="it-IT" sz="2000" spc="-1">
-                <a:solidFill>
-                  <a:srgbClr val="000000"/>
-                </a:solidFill>
+              <a:rPr lang="it-IT" sz="2000" spc="-1" dirty="0">
                 <a:latin typeface="Calibri"/>
               </a:rPr>
-              <a:t>Sistema centralizzato</a:t>
-            </a:r>
-          </a:p>
-          <a:p>
-            <a:r>
-              <a:rPr lang="it-IT" sz="2000" spc="-1">
-                <a:latin typeface="Calibri"/>
-              </a:rPr>
-              <a:t>Basato su fogli di calcolo</a:t>
+              <a:t>Al giorno d’oggi molte delle informazioni riguardanti tratte e spostamenti sono salvati utilizzando dei fogli di calcolo</a:t>
             </a:r>
           </a:p>
         </p:txBody>
@@ -14819,7 +16377,7 @@
         </p:blipFill>
         <p:spPr>
           <a:xfrm rot="5400000">
-            <a:off x="3042746" y="2267608"/>
+            <a:off x="3175825" y="2898270"/>
             <a:ext cx="1446925" cy="1429407"/>
           </a:xfrm>
           <a:prstGeom prst="rect">
@@ -14849,7 +16407,7 @@
         </p:blipFill>
         <p:spPr>
           <a:xfrm>
-            <a:off x="2867572" y="3704021"/>
+            <a:off x="3032387" y="4138018"/>
             <a:ext cx="1989959" cy="1972441"/>
           </a:xfrm>
           <a:prstGeom prst="rect">
@@ -16520,7 +18078,7 @@
         <p:spPr>
           <a:xfrm>
             <a:off x="1764851" y="1354197"/>
-            <a:ext cx="4873320" cy="3137400"/>
+            <a:ext cx="4873320" cy="3722642"/>
           </a:xfrm>
           <a:prstGeom prst="rect">
             <a:avLst/>
@@ -16559,16 +18117,16 @@
               <a:buChar char="•"/>
             </a:pPr>
             <a:r>
-              <a:rPr lang="it-IT" sz="2800" b="0" strike="noStrike" spc="-1">
+              <a:rPr lang="it-IT" sz="2800" b="0" strike="noStrike" spc="-1" dirty="0">
                 <a:solidFill>
                   <a:srgbClr val="000000"/>
                 </a:solidFill>
                 <a:latin typeface="Arial"/>
                 <a:ea typeface="DejaVu Sans"/>
               </a:rPr>
-              <a:t>attori nell’App</a:t>
-            </a:r>
-            <a:endParaRPr lang="it-IT" sz="2800" b="0" strike="noStrike" spc="-1">
+              <a:t>attori nella Blockchain</a:t>
+            </a:r>
+            <a:endParaRPr lang="it-IT" sz="2800" b="0" strike="noStrike" spc="-1" dirty="0">
               <a:latin typeface="Arial"/>
             </a:endParaRPr>
           </a:p>
@@ -16584,16 +18142,16 @@
               <a:buChar char="o"/>
             </a:pPr>
             <a:r>
-              <a:rPr lang="it-IT" sz="2400" b="0" strike="noStrike" spc="-1">
+              <a:rPr lang="it-IT" sz="2400" b="0" strike="noStrike" spc="-1" dirty="0">
                 <a:solidFill>
                   <a:srgbClr val="000000"/>
                 </a:solidFill>
                 <a:latin typeface="Arial"/>
                 <a:ea typeface="DejaVu Sans"/>
               </a:rPr>
-              <a:t>User</a:t>
-            </a:r>
-            <a:endParaRPr lang="it-IT" sz="2400" b="0" strike="noStrike" spc="-1">
+              <a:t>Enti</a:t>
+            </a:r>
+            <a:endParaRPr lang="it-IT" sz="2400" b="0" strike="noStrike" spc="-1" dirty="0">
               <a:latin typeface="Arial"/>
             </a:endParaRPr>
           </a:p>
@@ -16609,36 +18167,26 @@
               <a:buChar char="o"/>
             </a:pPr>
             <a:r>
-              <a:rPr lang="it-IT" sz="2400" b="0" strike="noStrike" spc="-1">
+              <a:rPr lang="it-IT" sz="2400" b="0" strike="noStrike" spc="-1" dirty="0" err="1">
                 <a:solidFill>
                   <a:srgbClr val="000000"/>
                 </a:solidFill>
                 <a:latin typeface="Arial"/>
                 <a:ea typeface="DejaVu Sans"/>
               </a:rPr>
-              <a:t>Admin</a:t>
-            </a:r>
-            <a:endParaRPr lang="it-IT" sz="2400" b="0" strike="noStrike" spc="-1">
-              <a:latin typeface="Arial"/>
-            </a:endParaRPr>
-          </a:p>
-          <a:p>
-            <a:pPr>
-              <a:lnSpc>
-                <a:spcPct val="100000"/>
-              </a:lnSpc>
-            </a:pPr>
-            <a:endParaRPr lang="it-IT" sz="2400" b="0" strike="noStrike" spc="-1">
-              <a:latin typeface="Arial"/>
-            </a:endParaRPr>
-          </a:p>
-          <a:p>
-            <a:pPr marL="457200">
-              <a:lnSpc>
-                <a:spcPct val="100000"/>
-              </a:lnSpc>
-            </a:pPr>
-            <a:endParaRPr lang="it-IT" sz="2400" b="0" strike="noStrike" spc="-1">
+              <a:t>Owner</a:t>
+            </a:r>
+            <a:r>
+              <a:rPr lang="it-IT" sz="2400" b="0" strike="noStrike" spc="-1" dirty="0">
+                <a:solidFill>
+                  <a:srgbClr val="000000"/>
+                </a:solidFill>
+                <a:latin typeface="Arial"/>
+                <a:ea typeface="DejaVu Sans"/>
+              </a:rPr>
+              <a:t>/ Ente centrale</a:t>
+            </a:r>
+            <a:endParaRPr lang="it-IT" sz="2400" b="0" strike="noStrike" spc="-1" dirty="0">
               <a:latin typeface="Arial"/>
             </a:endParaRPr>
           </a:p>
@@ -16653,17 +18201,74 @@
               <a:buFont typeface="Arial"/>
               <a:buChar char="•"/>
             </a:pPr>
-            <a:r>
-              <a:rPr lang="it-IT" sz="2800" b="0" strike="noStrike" spc="-1">
+            <a:endParaRPr lang="it-IT" sz="2800" b="0" strike="noStrike" spc="-1" dirty="0">
+              <a:solidFill>
+                <a:srgbClr val="000000"/>
+              </a:solidFill>
+              <a:latin typeface="Arial"/>
+              <a:ea typeface="DejaVu Sans"/>
+            </a:endParaRPr>
+          </a:p>
+          <a:p>
+            <a:pPr marL="285840" indent="-285120">
+              <a:lnSpc>
+                <a:spcPct val="100000"/>
+              </a:lnSpc>
+              <a:buClr>
+                <a:srgbClr val="000000"/>
+              </a:buClr>
+              <a:buFont typeface="Arial"/>
+              <a:buChar char="•"/>
+            </a:pPr>
+            <a:endParaRPr lang="it-IT" sz="2800" b="0" strike="noStrike" spc="-1" dirty="0">
+              <a:solidFill>
+                <a:srgbClr val="000000"/>
+              </a:solidFill>
+              <a:latin typeface="Arial"/>
+              <a:ea typeface="DejaVu Sans"/>
+            </a:endParaRPr>
+          </a:p>
+          <a:p>
+            <a:pPr marL="285840" indent="-285120">
+              <a:lnSpc>
+                <a:spcPct val="100000"/>
+              </a:lnSpc>
+              <a:buClr>
+                <a:srgbClr val="000000"/>
+              </a:buClr>
+              <a:buFont typeface="Arial"/>
+              <a:buChar char="•"/>
+            </a:pPr>
+            <a:endParaRPr lang="it-IT" sz="2800" b="0" strike="noStrike" spc="-1" dirty="0">
+              <a:solidFill>
+                <a:srgbClr val="000000"/>
+              </a:solidFill>
+              <a:latin typeface="Arial"/>
+              <a:ea typeface="DejaVu Sans"/>
+            </a:endParaRPr>
+          </a:p>
+          <a:p>
+            <a:pPr marL="285840" indent="-285120">
+              <a:lnSpc>
+                <a:spcPct val="100000"/>
+              </a:lnSpc>
+              <a:buClr>
+                <a:srgbClr val="000000"/>
+              </a:buClr>
+              <a:buFont typeface="Arial"/>
+              <a:buChar char="•"/>
+            </a:pPr>
+            <a:r>
+              <a:rPr lang="it-IT" sz="2800" b="0" strike="noStrike" spc="-1" dirty="0">
                 <a:solidFill>
                   <a:srgbClr val="000000"/>
                 </a:solidFill>
                 <a:latin typeface="Arial"/>
                 <a:ea typeface="DejaVu Sans"/>
               </a:rPr>
-              <a:t>attori nella Blockchain</a:t>
-            </a:r>
-            <a:endParaRPr lang="it-IT" sz="2800" b="0" strike="noStrike" spc="-1">
+              <a:t>attori nell’App</a:t>
+            </a:r>
+            <a:endParaRPr lang="it-IT" sz="2800" b="0" strike="noStrike" spc="-1" dirty="0">
               <a:latin typeface="Arial"/>
             </a:endParaRPr>
           </a:p>
@@ -16679,16 +18284,16 @@
               <a:buChar char="o"/>
             </a:pPr>
             <a:r>
-              <a:rPr lang="it-IT" sz="2400" b="0" strike="noStrike" spc="-1">
+              <a:rPr lang="it-IT" sz="2400" b="0" strike="noStrike" spc="-1" dirty="0">
                 <a:solidFill>
                   <a:srgbClr val="000000"/>
                 </a:solidFill>
                 <a:latin typeface="Arial"/>
                 <a:ea typeface="DejaVu Sans"/>
               </a:rPr>
-              <a:t>Enti</a:t>
-            </a:r>
-            <a:endParaRPr lang="it-IT" sz="2400" b="0" strike="noStrike" spc="-1">
+              <a:t>User</a:t>
+            </a:r>
+            <a:endParaRPr lang="it-IT" sz="2400" b="0" strike="noStrike" spc="-1" dirty="0">
               <a:latin typeface="Arial"/>
             </a:endParaRPr>
           </a:p>
@@ -16704,16 +18309,16 @@
               <a:buChar char="o"/>
             </a:pPr>
             <a:r>
-              <a:rPr lang="it-IT" sz="2400" b="0" strike="noStrike" spc="-1">
+              <a:rPr lang="it-IT" sz="2400" b="0" strike="noStrike" spc="-1" dirty="0">
                 <a:solidFill>
                   <a:srgbClr val="000000"/>
                 </a:solidFill>
                 <a:latin typeface="Arial"/>
                 <a:ea typeface="DejaVu Sans"/>
               </a:rPr>
-              <a:t>Owner/ Ente centrale</a:t>
-            </a:r>
-            <a:endParaRPr lang="it-IT" sz="2400" b="0" strike="noStrike" spc="-1">
+              <a:t>Admin</a:t>
+            </a:r>
+            <a:endParaRPr lang="it-IT" sz="2400" b="0" strike="noStrike" spc="-1" dirty="0">
               <a:latin typeface="Arial"/>
             </a:endParaRPr>
           </a:p>
@@ -16727,8 +18332,86 @@
         </p:nvSpPr>
         <p:spPr>
           <a:xfrm>
-            <a:off x="8545320" y="1561680"/>
-            <a:ext cx="2544480" cy="638280"/>
+            <a:off x="8646919" y="4030130"/>
+            <a:ext cx="2975237" cy="644877"/>
+          </a:xfrm>
+          <a:prstGeom prst="rect">
+            <a:avLst/>
+          </a:prstGeom>
+          <a:noFill/>
+          <a:ln w="0">
+            <a:noFill/>
+          </a:ln>
+        </p:spPr>
+        <p:style>
+          <a:lnRef idx="0">
+            <a:scrgbClr r="0" g="0" b="0"/>
+          </a:lnRef>
+          <a:fillRef idx="0">
+            <a:scrgbClr r="0" g="0" b="0"/>
+          </a:fillRef>
+          <a:effectRef idx="0">
+            <a:scrgbClr r="0" g="0" b="0"/>
+          </a:effectRef>
+          <a:fontRef idx="minor"/>
+        </p:style>
+        <p:txBody>
+          <a:bodyPr wrap="square" lIns="90000" tIns="45000" rIns="90000" bIns="45000" anchor="t">
+            <a:spAutoFit/>
+          </a:bodyPr>
+          <a:lstStyle/>
+          <a:p>
+            <a:pPr>
+              <a:lnSpc>
+                <a:spcPct val="100000"/>
+              </a:lnSpc>
+            </a:pPr>
+            <a:r>
+              <a:rPr lang="it-IT" sz="1800" b="0" strike="noStrike" spc="-1" dirty="0">
+                <a:solidFill>
+                  <a:srgbClr val="000000"/>
+                </a:solidFill>
+                <a:latin typeface="Arial"/>
+                <a:ea typeface="DejaVu Sans"/>
+              </a:rPr>
+              <a:t>Username: Account2Ente1</a:t>
+            </a:r>
+            <a:endParaRPr lang="it-IT" sz="1800" b="0" strike="noStrike" spc="-1" dirty="0">
+              <a:latin typeface="Arial"/>
+            </a:endParaRPr>
+          </a:p>
+          <a:p>
+            <a:pPr>
+              <a:lnSpc>
+                <a:spcPct val="100000"/>
+              </a:lnSpc>
+            </a:pPr>
+            <a:r>
+              <a:rPr lang="it-IT" sz="1800" b="0" strike="noStrike" spc="-1" dirty="0">
+                <a:solidFill>
+                  <a:srgbClr val="000000"/>
+                </a:solidFill>
+                <a:latin typeface="Arial"/>
+                <a:ea typeface="DejaVu Sans"/>
+              </a:rPr>
+              <a:t>Password: ****</a:t>
+            </a:r>
+            <a:endParaRPr lang="it-IT" sz="1800" b="0" strike="noStrike" spc="-1" dirty="0">
+              <a:latin typeface="Arial"/>
+            </a:endParaRPr>
+          </a:p>
+        </p:txBody>
+      </p:sp>
+      <p:sp>
+        <p:nvSpPr>
+          <p:cNvPr id="178" name="CustomShape 7"/>
+          <p:cNvSpPr/>
+          <p:nvPr/>
+        </p:nvSpPr>
+        <p:spPr>
+          <a:xfrm>
+            <a:off x="8545320" y="1551311"/>
+            <a:ext cx="3406320" cy="638280"/>
           </a:xfrm>
           <a:prstGeom prst="rect">
             <a:avLst/>
@@ -16762,16 +18445,16 @@
               </a:lnSpc>
             </a:pPr>
             <a:r>
-              <a:rPr lang="it-IT" sz="1800" b="0" strike="noStrike" spc="-1">
+              <a:rPr lang="it-IT" sz="1800" b="0" strike="noStrike" spc="-1" dirty="0">
                 <a:solidFill>
                   <a:srgbClr val="000000"/>
                 </a:solidFill>
                 <a:latin typeface="Arial"/>
                 <a:ea typeface="DejaVu Sans"/>
               </a:rPr>
-              <a:t>Mail: nome@mail.it</a:t>
-            </a:r>
-            <a:endParaRPr lang="it-IT" sz="1800" b="0" strike="noStrike" spc="-1">
+              <a:t>indirizzo: 0x67…(*40)</a:t>
+            </a:r>
+            <a:endParaRPr lang="it-IT" sz="1800" b="0" strike="noStrike" spc="-1" dirty="0">
               <a:latin typeface="Arial"/>
             </a:endParaRPr>
           </a:p>
@@ -16782,94 +18465,16 @@
               </a:lnSpc>
             </a:pPr>
             <a:r>
-              <a:rPr lang="it-IT" sz="1800" b="0" strike="noStrike" spc="-1">
+              <a:rPr lang="it-IT" sz="1800" b="0" strike="noStrike" spc="-1" dirty="0">
                 <a:solidFill>
                   <a:srgbClr val="000000"/>
                 </a:solidFill>
                 <a:latin typeface="Arial"/>
                 <a:ea typeface="DejaVu Sans"/>
               </a:rPr>
-              <a:t>Password: ****</a:t>
-            </a:r>
-            <a:endParaRPr lang="it-IT" sz="1800" b="0" strike="noStrike" spc="-1">
-              <a:latin typeface="Arial"/>
-            </a:endParaRPr>
-          </a:p>
-        </p:txBody>
-      </p:sp>
-      <p:sp>
-        <p:nvSpPr>
-          <p:cNvPr id="178" name="CustomShape 7"/>
-          <p:cNvSpPr/>
-          <p:nvPr/>
-        </p:nvSpPr>
-        <p:spPr>
-          <a:xfrm>
-            <a:off x="8545320" y="3597120"/>
-            <a:ext cx="3406320" cy="638280"/>
-          </a:xfrm>
-          <a:prstGeom prst="rect">
-            <a:avLst/>
-          </a:prstGeom>
-          <a:noFill/>
-          <a:ln w="0">
-            <a:noFill/>
-          </a:ln>
-        </p:spPr>
-        <p:style>
-          <a:lnRef idx="0">
-            <a:scrgbClr r="0" g="0" b="0"/>
-          </a:lnRef>
-          <a:fillRef idx="0">
-            <a:scrgbClr r="0" g="0" b="0"/>
-          </a:fillRef>
-          <a:effectRef idx="0">
-            <a:scrgbClr r="0" g="0" b="0"/>
-          </a:effectRef>
-          <a:fontRef idx="minor"/>
-        </p:style>
-        <p:txBody>
-          <a:bodyPr lIns="90000" tIns="45000" rIns="90000" bIns="45000" anchor="t">
-            <a:spAutoFit/>
-          </a:bodyPr>
-          <a:lstStyle/>
-          <a:p>
-            <a:pPr>
-              <a:lnSpc>
-                <a:spcPct val="100000"/>
-              </a:lnSpc>
-            </a:pPr>
-            <a:r>
-              <a:rPr lang="it-IT" sz="1800" b="0" strike="noStrike" spc="-1">
-                <a:solidFill>
-                  <a:srgbClr val="000000"/>
-                </a:solidFill>
-                <a:latin typeface="Arial"/>
-                <a:ea typeface="DejaVu Sans"/>
-              </a:rPr>
-              <a:t>indirizzo: 0x67…(*40)</a:t>
-            </a:r>
-            <a:endParaRPr lang="it-IT" sz="1800" b="0" strike="noStrike" spc="-1">
-              <a:latin typeface="Arial"/>
-            </a:endParaRPr>
-          </a:p>
-          <a:p>
-            <a:pPr>
-              <a:lnSpc>
-                <a:spcPct val="100000"/>
-              </a:lnSpc>
-            </a:pPr>
-            <a:r>
-              <a:rPr lang="it-IT" sz="1800" b="0" strike="noStrike" spc="-1">
-                <a:solidFill>
-                  <a:srgbClr val="000000"/>
-                </a:solidFill>
-                <a:latin typeface="Arial"/>
-                <a:ea typeface="DejaVu Sans"/>
-              </a:rPr>
               <a:t>Chiave privata: 0x34…(*64)</a:t>
             </a:r>
-            <a:endParaRPr lang="it-IT" sz="1800" b="0" strike="noStrike" spc="-1">
+            <a:endParaRPr lang="it-IT" sz="1800" b="0" strike="noStrike" spc="-1" dirty="0">
               <a:latin typeface="Arial"/>
             </a:endParaRPr>
           </a:p>
@@ -16890,7 +18495,7 @@
           <p:nvPr/>
         </p:nvPicPr>
         <p:blipFill>
-          <a:blip r:embed="rId4">
+          <a:blip r:embed="rId4" cstate="print">
             <a:extLst>
               <a:ext uri="{28A0092B-C50C-407E-A947-70E740481C1C}">
                 <a14:useLocalDpi xmlns:a14="http://schemas.microsoft.com/office/drawing/2010/main" val="0"/>
@@ -16903,8 +18508,8 @@
         </p:blipFill>
         <p:spPr>
           <a:xfrm>
-            <a:off x="4666955" y="1474430"/>
-            <a:ext cx="3874405" cy="1135694"/>
+            <a:off x="5688926" y="1354197"/>
+            <a:ext cx="2856394" cy="1135694"/>
           </a:xfrm>
           <a:prstGeom prst="rect">
             <a:avLst/>
@@ -16939,8 +18544,8 @@
         </p:blipFill>
         <p:spPr>
           <a:xfrm>
-            <a:off x="5688926" y="3348413"/>
-            <a:ext cx="2827315" cy="1135694"/>
+            <a:off x="4542971" y="3771054"/>
+            <a:ext cx="4103949" cy="1135694"/>
           </a:xfrm>
           <a:prstGeom prst="rect">
             <a:avLst/>
@@ -17131,7 +18736,7 @@
         </p:nvSpPr>
         <p:spPr>
           <a:xfrm>
-            <a:off x="2316644" y="1257852"/>
+            <a:off x="2316644" y="1650201"/>
             <a:ext cx="1203460" cy="521766"/>
           </a:xfrm>
           <a:prstGeom prst="rect">
@@ -17186,10 +18791,10 @@
       </p:sp>
       <p:sp>
         <p:nvSpPr>
-          <p:cNvPr id="13" name="CustomShape 3">
+          <p:cNvPr id="17" name="CustomShape 3">
             <a:extLst>
               <a:ext uri="{FF2B5EF4-FFF2-40B4-BE49-F238E27FC236}">
-                <a16:creationId xmlns:a16="http://schemas.microsoft.com/office/drawing/2014/main" id="{804E9F07-7D3B-42F5-9ACB-6A50EB788A57}"/>
+                <a16:creationId xmlns:a16="http://schemas.microsoft.com/office/drawing/2014/main" id="{8CC23293-63E6-4094-A51D-7E7D94FFA8E1}"/>
               </a:ext>
             </a:extLst>
           </p:cNvPr>
@@ -17198,8 +18803,8 @@
         </p:nvSpPr>
         <p:spPr>
           <a:xfrm>
-            <a:off x="2307884" y="3946748"/>
-            <a:ext cx="1343597" cy="521766"/>
+            <a:off x="8649126" y="1466269"/>
+            <a:ext cx="3252976" cy="2060649"/>
           </a:xfrm>
           <a:prstGeom prst="rect">
             <a:avLst/>
@@ -17228,242 +18833,47 @@
           <a:lstStyle/>
           <a:p>
             <a:pPr marL="635">
-              <a:lnSpc>
-                <a:spcPct val="100000"/>
-              </a:lnSpc>
               <a:buClr>
                 <a:srgbClr val="000000"/>
               </a:buClr>
             </a:pPr>
             <a:r>
-              <a:rPr lang="it-IT" sz="2800" spc="-1">
-                <a:latin typeface="Arial"/>
-              </a:rPr>
-              <a:t>Admin</a:t>
-            </a:r>
-            <a:endParaRPr lang="it-IT" sz="2800" b="0" strike="noStrike" spc="-1">
-              <a:latin typeface="Arial"/>
-            </a:endParaRPr>
-          </a:p>
-        </p:txBody>
-      </p:sp>
-      <p:sp>
-        <p:nvSpPr>
-          <p:cNvPr id="17" name="CustomShape 3">
-            <a:extLst>
-              <a:ext uri="{FF2B5EF4-FFF2-40B4-BE49-F238E27FC236}">
-                <a16:creationId xmlns:a16="http://schemas.microsoft.com/office/drawing/2014/main" id="{8CC23293-63E6-4094-A51D-7E7D94FFA8E1}"/>
-              </a:ext>
-            </a:extLst>
-          </p:cNvPr>
-          <p:cNvSpPr/>
-          <p:nvPr/>
-        </p:nvSpPr>
-        <p:spPr>
-          <a:xfrm>
-            <a:off x="8649126" y="1073920"/>
-            <a:ext cx="3252976" cy="2060649"/>
-          </a:xfrm>
-          <a:prstGeom prst="rect">
-            <a:avLst/>
-          </a:prstGeom>
-          <a:noFill/>
-          <a:ln w="0">
-            <a:noFill/>
-          </a:ln>
-        </p:spPr>
-        <p:style>
-          <a:lnRef idx="0">
-            <a:scrgbClr r="0" g="0" b="0"/>
-          </a:lnRef>
-          <a:fillRef idx="0">
-            <a:scrgbClr r="0" g="0" b="0"/>
-          </a:fillRef>
-          <a:effectRef idx="0">
-            <a:scrgbClr r="0" g="0" b="0"/>
-          </a:effectRef>
-          <a:fontRef idx="minor"/>
-        </p:style>
-        <p:txBody>
-          <a:bodyPr wrap="square" lIns="90000" tIns="45000" rIns="90000" bIns="45000" anchor="t">
-            <a:spAutoFit/>
-          </a:bodyPr>
-          <a:lstStyle/>
-          <a:p>
-            <a:pPr marL="635">
-              <a:buClr>
-                <a:srgbClr val="000000"/>
-              </a:buClr>
-            </a:pPr>
-            <a:r>
-              <a:rPr lang="it-IT" sz="2400" spc="-1"/>
+              <a:rPr lang="it-IT" sz="2400" spc="-1" dirty="0"/>
               <a:t>Inserimento dei dati in tempo reale:</a:t>
             </a:r>
-            <a:endParaRPr lang="it-IT"/>
+            <a:endParaRPr lang="it-IT" dirty="0"/>
           </a:p>
           <a:p>
             <a:pPr marL="635"/>
             <a:r>
-              <a:rPr lang="it-IT" sz="2000" spc="-1"/>
+              <a:rPr lang="it-IT" sz="2000" spc="-1" dirty="0"/>
               <a:t>ID veicolo</a:t>
             </a:r>
           </a:p>
           <a:p>
             <a:pPr marL="635"/>
             <a:r>
-              <a:rPr lang="it-IT" sz="2000" spc="-1"/>
+              <a:rPr lang="it-IT" sz="2000" spc="-1" dirty="0"/>
               <a:t>Posizione iniziale</a:t>
             </a:r>
           </a:p>
           <a:p>
             <a:pPr marL="635"/>
             <a:r>
-              <a:rPr lang="it-IT" sz="2000" spc="-1"/>
+              <a:rPr lang="it-IT" sz="2000" spc="-1" dirty="0"/>
               <a:t>Possibili fermate</a:t>
             </a:r>
           </a:p>
           <a:p>
             <a:pPr marL="635"/>
             <a:r>
-              <a:rPr lang="it-IT" sz="2000" spc="-1">
+              <a:rPr lang="it-IT" sz="2000" spc="-1" dirty="0">
                 <a:ea typeface="+mn-lt"/>
                 <a:cs typeface="+mn-lt"/>
               </a:rPr>
               <a:t>Posizione finale</a:t>
             </a:r>
-            <a:endParaRPr lang="it-IT"/>
-          </a:p>
-        </p:txBody>
-      </p:sp>
-      <p:sp>
-        <p:nvSpPr>
-          <p:cNvPr id="18" name="CustomShape 3">
-            <a:extLst>
-              <a:ext uri="{FF2B5EF4-FFF2-40B4-BE49-F238E27FC236}">
-                <a16:creationId xmlns:a16="http://schemas.microsoft.com/office/drawing/2014/main" id="{75A5F9DB-357A-4032-883F-61DBC3F87E63}"/>
-              </a:ext>
-            </a:extLst>
-          </p:cNvPr>
-          <p:cNvSpPr/>
-          <p:nvPr/>
-        </p:nvSpPr>
-        <p:spPr>
-          <a:xfrm>
-            <a:off x="8850574" y="460817"/>
-            <a:ext cx="1939184" cy="521766"/>
-          </a:xfrm>
-          <a:prstGeom prst="rect">
-            <a:avLst/>
-          </a:prstGeom>
-          <a:noFill/>
-          <a:ln w="0">
-            <a:noFill/>
-          </a:ln>
-        </p:spPr>
-        <p:style>
-          <a:lnRef idx="0">
-            <a:scrgbClr r="0" g="0" b="0"/>
-          </a:lnRef>
-          <a:fillRef idx="0">
-            <a:scrgbClr r="0" g="0" b="0"/>
-          </a:fillRef>
-          <a:effectRef idx="0">
-            <a:scrgbClr r="0" g="0" b="0"/>
-          </a:effectRef>
-          <a:fontRef idx="minor"/>
-        </p:style>
-        <p:txBody>
-          <a:bodyPr wrap="square" lIns="90000" tIns="45000" rIns="90000" bIns="45000" anchor="t">
-            <a:spAutoFit/>
-          </a:bodyPr>
-          <a:lstStyle/>
-          <a:p>
-            <a:pPr marL="635">
-              <a:lnSpc>
-                <a:spcPct val="100000"/>
-              </a:lnSpc>
-              <a:buClr>
-                <a:srgbClr val="000000"/>
-              </a:buClr>
-            </a:pPr>
-            <a:r>
-              <a:rPr lang="it-IT" sz="2800" spc="-1">
-                <a:latin typeface="Arial"/>
-              </a:rPr>
-              <a:t>Compiti:</a:t>
-            </a:r>
-            <a:endParaRPr lang="it-IT" sz="2000" spc="-1"/>
-          </a:p>
-        </p:txBody>
-      </p:sp>
-      <p:sp>
-        <p:nvSpPr>
-          <p:cNvPr id="19" name="CustomShape 3">
-            <a:extLst>
-              <a:ext uri="{FF2B5EF4-FFF2-40B4-BE49-F238E27FC236}">
-                <a16:creationId xmlns:a16="http://schemas.microsoft.com/office/drawing/2014/main" id="{7598379E-CBF0-48A2-B7E9-DFAB55D858BB}"/>
-              </a:ext>
-            </a:extLst>
-          </p:cNvPr>
-          <p:cNvSpPr/>
-          <p:nvPr/>
-        </p:nvSpPr>
-        <p:spPr>
-          <a:xfrm>
-            <a:off x="8123607" y="3736540"/>
-            <a:ext cx="3927389" cy="1198875"/>
-          </a:xfrm>
-          <a:prstGeom prst="rect">
-            <a:avLst/>
-          </a:prstGeom>
-          <a:noFill/>
-          <a:ln w="0">
-            <a:noFill/>
-          </a:ln>
-        </p:spPr>
-        <p:style>
-          <a:lnRef idx="0">
-            <a:scrgbClr r="0" g="0" b="0"/>
-          </a:lnRef>
-          <a:fillRef idx="0">
-            <a:scrgbClr r="0" g="0" b="0"/>
-          </a:fillRef>
-          <a:effectRef idx="0">
-            <a:scrgbClr r="0" g="0" b="0"/>
-          </a:effectRef>
-          <a:fontRef idx="minor"/>
-        </p:style>
-        <p:txBody>
-          <a:bodyPr wrap="square" lIns="90000" tIns="45000" rIns="90000" bIns="45000" anchor="t">
-            <a:spAutoFit/>
-          </a:bodyPr>
-          <a:lstStyle/>
-          <a:p>
-            <a:pPr marL="343535" indent="-342900">
-              <a:buClr>
-                <a:srgbClr val="000000"/>
-              </a:buClr>
-              <a:buFont typeface="Arial"/>
-              <a:buChar char="•"/>
-            </a:pPr>
-            <a:r>
-              <a:rPr lang="it-IT" sz="2400" spc="-1"/>
-              <a:t>Possedere e utilizzare la private Key</a:t>
-            </a:r>
-            <a:endParaRPr lang="it-IT" err="1"/>
-          </a:p>
-          <a:p>
-            <a:pPr marL="343535" indent="-342900">
-              <a:buClr>
-                <a:srgbClr val="000000"/>
-              </a:buClr>
-              <a:buFont typeface="Arial"/>
-              <a:buChar char="•"/>
-            </a:pPr>
-            <a:r>
-              <a:rPr lang="it-IT" sz="2400" spc="-1"/>
-              <a:t>Interrogare il sistema</a:t>
-            </a:r>
+            <a:endParaRPr lang="it-IT" dirty="0"/>
           </a:p>
         </p:txBody>
       </p:sp>
@@ -17488,66 +18898,8 @@
         </p:blipFill>
         <p:spPr>
           <a:xfrm>
-            <a:off x="1571297" y="2145944"/>
-            <a:ext cx="3459671" cy="1514548"/>
-          </a:xfrm>
-          <a:prstGeom prst="rect">
-            <a:avLst/>
-          </a:prstGeom>
-        </p:spPr>
-      </p:pic>
-      <p:pic>
-        <p:nvPicPr>
-          <p:cNvPr id="7" name="Immagine 7">
-            <a:extLst>
-              <a:ext uri="{FF2B5EF4-FFF2-40B4-BE49-F238E27FC236}">
-                <a16:creationId xmlns:a16="http://schemas.microsoft.com/office/drawing/2014/main" id="{BE36A627-466A-46D4-BEBA-B87AF55A0ED0}"/>
-              </a:ext>
-            </a:extLst>
-          </p:cNvPr>
-          <p:cNvPicPr>
-            <a:picLocks noChangeAspect="1"/>
-          </p:cNvPicPr>
-          <p:nvPr/>
-        </p:nvPicPr>
-        <p:blipFill rotWithShape="1">
-          <a:blip r:embed="rId5"/>
-          <a:srcRect l="8626" t="23034" r="7348" b="4096"/>
-          <a:stretch/>
-        </p:blipFill>
-        <p:spPr>
-          <a:xfrm>
-            <a:off x="6125780" y="5129099"/>
-            <a:ext cx="2996925" cy="1467545"/>
-          </a:xfrm>
-          <a:prstGeom prst="rect">
-            <a:avLst/>
-          </a:prstGeom>
-        </p:spPr>
-      </p:pic>
-      <p:pic>
-        <p:nvPicPr>
-          <p:cNvPr id="8" name="Immagine 8">
-            <a:extLst>
-              <a:ext uri="{FF2B5EF4-FFF2-40B4-BE49-F238E27FC236}">
-                <a16:creationId xmlns:a16="http://schemas.microsoft.com/office/drawing/2014/main" id="{8C5C439D-DE83-4ABB-A19D-0E6B0530ACBF}"/>
-              </a:ext>
-            </a:extLst>
-          </p:cNvPr>
-          <p:cNvPicPr>
-            <a:picLocks noChangeAspect="1"/>
-          </p:cNvPicPr>
-          <p:nvPr/>
-        </p:nvPicPr>
-        <p:blipFill rotWithShape="1">
-          <a:blip r:embed="rId6"/>
-          <a:srcRect l="-639" r="319" b="-610"/>
-          <a:stretch/>
-        </p:blipFill>
-        <p:spPr>
-          <a:xfrm>
-            <a:off x="2114331" y="4695207"/>
-            <a:ext cx="3680381" cy="1917012"/>
+            <a:off x="1059120" y="3677854"/>
+            <a:ext cx="4707126" cy="2060649"/>
           </a:xfrm>
           <a:prstGeom prst="rect">
             <a:avLst/>
@@ -17569,15 +18921,15 @@
           <p:nvPr/>
         </p:nvPicPr>
         <p:blipFill>
-          <a:blip r:embed="rId7"/>
+          <a:blip r:embed="rId5"/>
           <a:stretch>
             <a:fillRect/>
           </a:stretch>
         </p:blipFill>
         <p:spPr>
           <a:xfrm>
-            <a:off x="5171088" y="2045719"/>
-            <a:ext cx="2716924" cy="1846904"/>
+            <a:off x="6705709" y="3677854"/>
+            <a:ext cx="4427171" cy="3009492"/>
           </a:xfrm>
           <a:prstGeom prst="rect">
             <a:avLst/>
@@ -17599,14 +18951,14 @@
           <p:nvPr/>
         </p:nvPicPr>
         <p:blipFill>
-          <a:blip r:embed="rId8"/>
+          <a:blip r:embed="rId6"/>
           <a:stretch>
             <a:fillRect/>
           </a:stretch>
         </p:blipFill>
         <p:spPr>
           <a:xfrm>
-            <a:off x="3393090" y="1075653"/>
+            <a:off x="3393090" y="1468002"/>
             <a:ext cx="5125544" cy="975523"/>
           </a:xfrm>
           <a:prstGeom prst="rect">
@@ -17614,36 +18966,67 @@
           </a:prstGeom>
         </p:spPr>
       </p:pic>
-      <p:pic>
-        <p:nvPicPr>
-          <p:cNvPr id="25" name="Immagine 15" descr="Immagine che contiene testo, pianta&#10;&#10;Descrizione generata automaticamente">
+      <p:sp>
+        <p:nvSpPr>
+          <p:cNvPr id="20" name="CustomShape 3">
             <a:extLst>
               <a:ext uri="{FF2B5EF4-FFF2-40B4-BE49-F238E27FC236}">
-                <a16:creationId xmlns:a16="http://schemas.microsoft.com/office/drawing/2014/main" id="{2EF7029E-304C-4974-B408-5C81A58AD451}"/>
+                <a16:creationId xmlns:a16="http://schemas.microsoft.com/office/drawing/2014/main" id="{34E9A942-65C8-4087-A26B-44438609F2B4}"/>
               </a:ext>
             </a:extLst>
           </p:cNvPr>
-          <p:cNvPicPr>
-            <a:picLocks noChangeAspect="1"/>
-          </p:cNvPicPr>
-          <p:nvPr/>
-        </p:nvPicPr>
-        <p:blipFill>
-          <a:blip r:embed="rId8"/>
-          <a:stretch>
-            <a:fillRect/>
-          </a:stretch>
-        </p:blipFill>
-        <p:spPr>
-          <a:xfrm>
-            <a:off x="3498192" y="3773307"/>
-            <a:ext cx="3724165" cy="975523"/>
-          </a:xfrm>
-          <a:prstGeom prst="rect">
-            <a:avLst/>
-          </a:prstGeom>
-        </p:spPr>
-      </p:pic>
+          <p:cNvSpPr/>
+          <p:nvPr/>
+        </p:nvSpPr>
+        <p:spPr>
+          <a:xfrm>
+            <a:off x="8850574" y="460817"/>
+            <a:ext cx="1939184" cy="521766"/>
+          </a:xfrm>
+          <a:prstGeom prst="rect">
+            <a:avLst/>
+          </a:prstGeom>
+          <a:noFill/>
+          <a:ln w="0">
+            <a:noFill/>
+          </a:ln>
+        </p:spPr>
+        <p:style>
+          <a:lnRef idx="0">
+            <a:scrgbClr r="0" g="0" b="0"/>
+          </a:lnRef>
+          <a:fillRef idx="0">
+            <a:scrgbClr r="0" g="0" b="0"/>
+          </a:fillRef>
+          <a:effectRef idx="0">
+            <a:scrgbClr r="0" g="0" b="0"/>
+          </a:effectRef>
+          <a:fontRef idx="minor"/>
+        </p:style>
+        <p:txBody>
+          <a:bodyPr wrap="square" lIns="90000" tIns="45000" rIns="90000" bIns="45000" anchor="t">
+            <a:spAutoFit/>
+          </a:bodyPr>
+          <a:lstStyle/>
+          <a:p>
+            <a:pPr marL="635">
+              <a:lnSpc>
+                <a:spcPct val="100000"/>
+              </a:lnSpc>
+              <a:buClr>
+                <a:srgbClr val="000000"/>
+              </a:buClr>
+            </a:pPr>
+            <a:r>
+              <a:rPr lang="it-IT" sz="2800" spc="-1" dirty="0">
+                <a:latin typeface="Arial"/>
+              </a:rPr>
+              <a:t>Compiti:</a:t>
+            </a:r>
+            <a:endParaRPr lang="it-IT" sz="2000" spc="-1" dirty="0"/>
+          </a:p>
+        </p:txBody>
+      </p:sp>
     </p:spTree>
     <p:extLst>
       <p:ext uri="{BB962C8B-B14F-4D97-AF65-F5344CB8AC3E}">
@@ -17741,7 +19124,10 @@
               </a:lnSpc>
             </a:pPr>
             <a:r>
-              <a:rPr lang="it-IT" spc="-1">
+              <a:rPr lang="en-US" sz="1800" b="0" strike="noStrike" spc="-1" dirty="0">
+                <a:solidFill>
+                  <a:srgbClr val="000000"/>
+                </a:solidFill>
                 <a:latin typeface="Calibri"/>
               </a:rPr>
               <a:t>8</a:t>
@@ -17761,7 +19147,7 @@
         <p:spPr>
           <a:xfrm>
             <a:off x="1212149" y="203515"/>
-            <a:ext cx="5650540" cy="767987"/>
+            <a:ext cx="4003920" cy="767987"/>
           </a:xfrm>
           <a:prstGeom prst="rect">
             <a:avLst/>
@@ -17784,7 +19170,7 @@
           <a:fontRef idx="minor"/>
         </p:style>
         <p:txBody>
-          <a:bodyPr wrap="square" lIns="90000" tIns="45000" rIns="90000" bIns="45000" anchor="t" anchorCtr="1">
+          <a:bodyPr lIns="90000" tIns="45000" rIns="90000" bIns="45000" anchor="t" anchorCtr="1">
             <a:spAutoFit/>
           </a:bodyPr>
           <a:lstStyle/>
@@ -17808,7 +19194,7 @@
                 <a:latin typeface="Calibri"/>
                 <a:ea typeface="DejaVu Sans"/>
               </a:rPr>
-              <a:t> nella Blockchain</a:t>
+              <a:t> nell'app</a:t>
             </a:r>
             <a:endParaRPr lang="it-IT" sz="4400" b="0" strike="noStrike" spc="-1">
               <a:latin typeface="Arial"/>
@@ -17818,10 +19204,10 @@
       </p:sp>
       <p:sp>
         <p:nvSpPr>
-          <p:cNvPr id="2" name="CustomShape 3">
+          <p:cNvPr id="13" name="CustomShape 3">
             <a:extLst>
               <a:ext uri="{FF2B5EF4-FFF2-40B4-BE49-F238E27FC236}">
-                <a16:creationId xmlns:a16="http://schemas.microsoft.com/office/drawing/2014/main" id="{3FD0E505-C5E3-4B07-BD05-C49B68B98C48}"/>
+                <a16:creationId xmlns:a16="http://schemas.microsoft.com/office/drawing/2014/main" id="{804E9F07-7D3B-42F5-9ACB-6A50EB788A57}"/>
               </a:ext>
             </a:extLst>
           </p:cNvPr>
@@ -17830,8 +19216,8 @@
         </p:nvSpPr>
         <p:spPr>
           <a:xfrm>
-            <a:off x="2316644" y="1257852"/>
-            <a:ext cx="1203460" cy="521766"/>
+            <a:off x="2163678" y="1674829"/>
+            <a:ext cx="1343597" cy="521766"/>
           </a:xfrm>
           <a:prstGeom prst="rect">
             <a:avLst/>
@@ -17868,21 +19254,23 @@
               </a:buClr>
             </a:pPr>
             <a:r>
-              <a:rPr lang="it-IT" sz="2800" spc="-1">
+              <a:rPr lang="it-IT" sz="2800" spc="-1" dirty="0">
                 <a:latin typeface="Arial"/>
               </a:rPr>
-              <a:t>Enti</a:t>
-            </a:r>
-            <a:endParaRPr lang="it-IT" sz="2000" spc="-1"/>
+              <a:t>Admin</a:t>
+            </a:r>
+            <a:endParaRPr lang="it-IT" sz="2800" b="0" strike="noStrike" spc="-1" dirty="0">
+              <a:latin typeface="Arial"/>
+            </a:endParaRPr>
           </a:p>
         </p:txBody>
       </p:sp>
       <p:sp>
         <p:nvSpPr>
-          <p:cNvPr id="4" name="CustomShape 3">
+          <p:cNvPr id="18" name="CustomShape 3">
             <a:extLst>
               <a:ext uri="{FF2B5EF4-FFF2-40B4-BE49-F238E27FC236}">
-                <a16:creationId xmlns:a16="http://schemas.microsoft.com/office/drawing/2014/main" id="{ACC415A4-0EE4-47F3-869D-FD204BB535BE}"/>
+                <a16:creationId xmlns:a16="http://schemas.microsoft.com/office/drawing/2014/main" id="{75A5F9DB-357A-4032-883F-61DBC3F87E63}"/>
               </a:ext>
             </a:extLst>
           </p:cNvPr>
@@ -17891,8 +19279,8 @@
         </p:nvSpPr>
         <p:spPr>
           <a:xfrm>
-            <a:off x="2246574" y="3237300"/>
-            <a:ext cx="1343597" cy="521766"/>
+            <a:off x="8850574" y="460817"/>
+            <a:ext cx="1939184" cy="521766"/>
           </a:xfrm>
           <a:prstGeom prst="rect">
             <a:avLst/>
@@ -17929,23 +19317,21 @@
               </a:buClr>
             </a:pPr>
             <a:r>
-              <a:rPr lang="it-IT" sz="2800" spc="-1" err="1">
+              <a:rPr lang="it-IT" sz="2800" spc="-1" dirty="0">
                 <a:latin typeface="Arial"/>
               </a:rPr>
-              <a:t>Owner</a:t>
-            </a:r>
-            <a:endParaRPr lang="it-IT" sz="2800" b="0" strike="noStrike" spc="-1" err="1">
-              <a:latin typeface="Arial"/>
-            </a:endParaRPr>
+              <a:t>Compiti:</a:t>
+            </a:r>
+            <a:endParaRPr lang="it-IT" sz="2000" spc="-1" dirty="0"/>
           </a:p>
         </p:txBody>
       </p:sp>
       <p:sp>
         <p:nvSpPr>
-          <p:cNvPr id="5" name="CustomShape 3">
+          <p:cNvPr id="19" name="CustomShape 3">
             <a:extLst>
               <a:ext uri="{FF2B5EF4-FFF2-40B4-BE49-F238E27FC236}">
-                <a16:creationId xmlns:a16="http://schemas.microsoft.com/office/drawing/2014/main" id="{46927341-DFA6-49D1-A396-EBE49B4526E9}"/>
+                <a16:creationId xmlns:a16="http://schemas.microsoft.com/office/drawing/2014/main" id="{7598379E-CBF0-48A2-B7E9-DFAB55D858BB}"/>
               </a:ext>
             </a:extLst>
           </p:cNvPr>
@@ -17954,8 +19340,8 @@
         </p:nvSpPr>
         <p:spPr>
           <a:xfrm>
-            <a:off x="7414160" y="1117713"/>
-            <a:ext cx="3612079" cy="1198875"/>
+            <a:off x="7979401" y="1464621"/>
+            <a:ext cx="3927389" cy="1198875"/>
           </a:xfrm>
           <a:prstGeom prst="rect">
             <a:avLst/>
@@ -17983,126 +19369,6 @@
           </a:bodyPr>
           <a:lstStyle/>
           <a:p>
-            <a:pPr marL="635">
-              <a:buClr>
-                <a:srgbClr val="000000"/>
-              </a:buClr>
-            </a:pPr>
-            <a:r>
-              <a:rPr lang="it-IT" sz="2400" spc="-1"/>
-              <a:t>Effettuano transazioni per il salvataggio dei vari codici </a:t>
-            </a:r>
-            <a:r>
-              <a:rPr lang="it-IT" sz="2400" spc="-1" err="1"/>
-              <a:t>hash</a:t>
-            </a:r>
-          </a:p>
-        </p:txBody>
-      </p:sp>
-      <p:sp>
-        <p:nvSpPr>
-          <p:cNvPr id="6" name="CustomShape 3">
-            <a:extLst>
-              <a:ext uri="{FF2B5EF4-FFF2-40B4-BE49-F238E27FC236}">
-                <a16:creationId xmlns:a16="http://schemas.microsoft.com/office/drawing/2014/main" id="{A369ED9A-AAD2-4924-A7AC-DEC1CBBDB290}"/>
-              </a:ext>
-            </a:extLst>
-          </p:cNvPr>
-          <p:cNvSpPr/>
-          <p:nvPr/>
-        </p:nvSpPr>
-        <p:spPr>
-          <a:xfrm>
-            <a:off x="8132367" y="460817"/>
-            <a:ext cx="1939184" cy="521766"/>
-          </a:xfrm>
-          <a:prstGeom prst="rect">
-            <a:avLst/>
-          </a:prstGeom>
-          <a:noFill/>
-          <a:ln w="0">
-            <a:noFill/>
-          </a:ln>
-        </p:spPr>
-        <p:style>
-          <a:lnRef idx="0">
-            <a:scrgbClr r="0" g="0" b="0"/>
-          </a:lnRef>
-          <a:fillRef idx="0">
-            <a:scrgbClr r="0" g="0" b="0"/>
-          </a:fillRef>
-          <a:effectRef idx="0">
-            <a:scrgbClr r="0" g="0" b="0"/>
-          </a:effectRef>
-          <a:fontRef idx="minor"/>
-        </p:style>
-        <p:txBody>
-          <a:bodyPr wrap="square" lIns="90000" tIns="45000" rIns="90000" bIns="45000" anchor="t">
-            <a:spAutoFit/>
-          </a:bodyPr>
-          <a:lstStyle/>
-          <a:p>
-            <a:pPr marL="635">
-              <a:lnSpc>
-                <a:spcPct val="100000"/>
-              </a:lnSpc>
-              <a:buClr>
-                <a:srgbClr val="000000"/>
-              </a:buClr>
-            </a:pPr>
-            <a:r>
-              <a:rPr lang="it-IT" sz="2800" spc="-1">
-                <a:latin typeface="Arial"/>
-              </a:rPr>
-              <a:t>Compiti:</a:t>
-            </a:r>
-            <a:endParaRPr lang="it-IT" sz="2000" spc="-1"/>
-          </a:p>
-        </p:txBody>
-      </p:sp>
-      <p:sp>
-        <p:nvSpPr>
-          <p:cNvPr id="7" name="CustomShape 3">
-            <a:extLst>
-              <a:ext uri="{FF2B5EF4-FFF2-40B4-BE49-F238E27FC236}">
-                <a16:creationId xmlns:a16="http://schemas.microsoft.com/office/drawing/2014/main" id="{F5613D30-60D2-4ABE-B68A-657F700C50DE}"/>
-              </a:ext>
-            </a:extLst>
-          </p:cNvPr>
-          <p:cNvSpPr/>
-          <p:nvPr/>
-        </p:nvSpPr>
-        <p:spPr>
-          <a:xfrm>
-            <a:off x="7098849" y="3062126"/>
-            <a:ext cx="3927389" cy="1568206"/>
-          </a:xfrm>
-          <a:prstGeom prst="rect">
-            <a:avLst/>
-          </a:prstGeom>
-          <a:noFill/>
-          <a:ln w="0">
-            <a:noFill/>
-          </a:ln>
-        </p:spPr>
-        <p:style>
-          <a:lnRef idx="0">
-            <a:scrgbClr r="0" g="0" b="0"/>
-          </a:lnRef>
-          <a:fillRef idx="0">
-            <a:scrgbClr r="0" g="0" b="0"/>
-          </a:fillRef>
-          <a:effectRef idx="0">
-            <a:scrgbClr r="0" g="0" b="0"/>
-          </a:effectRef>
-          <a:fontRef idx="minor"/>
-        </p:style>
-        <p:txBody>
-          <a:bodyPr wrap="square" lIns="90000" tIns="45000" rIns="90000" bIns="45000" anchor="t">
-            <a:spAutoFit/>
-          </a:bodyPr>
-          <a:lstStyle/>
-          <a:p>
             <a:pPr marL="343535" indent="-342900">
               <a:buClr>
                 <a:srgbClr val="000000"/>
@@ -18112,8 +19378,9 @@
             </a:pPr>
             <a:r>
               <a:rPr lang="it-IT" sz="2400" spc="-1"/>
-              <a:t>Gestisce i permessi di utilizzo dei contratti</a:t>
-            </a:r>
+              <a:t>Possedere e utilizzare la private Key</a:t>
+            </a:r>
+            <a:endParaRPr lang="it-IT" err="1"/>
           </a:p>
           <a:p>
             <a:pPr marL="343535" indent="-342900">
@@ -18125,17 +19392,17 @@
             </a:pPr>
             <a:r>
               <a:rPr lang="it-IT" sz="2400" spc="-1"/>
-              <a:t>Gestisce i nodi della blockchain</a:t>
+              <a:t>Interrogare il sistema</a:t>
             </a:r>
           </a:p>
         </p:txBody>
       </p:sp>
       <p:pic>
         <p:nvPicPr>
-          <p:cNvPr id="17" name="Immagine 15" descr="Immagine che contiene testo, pianta&#10;&#10;Descrizione generata automaticamente">
+          <p:cNvPr id="7" name="Immagine 7">
             <a:extLst>
               <a:ext uri="{FF2B5EF4-FFF2-40B4-BE49-F238E27FC236}">
-                <a16:creationId xmlns:a16="http://schemas.microsoft.com/office/drawing/2014/main" id="{62A91282-97F1-444B-91FE-ECE346C6F9BD}"/>
+                <a16:creationId xmlns:a16="http://schemas.microsoft.com/office/drawing/2014/main" id="{BE36A627-466A-46D4-BEBA-B87AF55A0ED0}"/>
               </a:ext>
             </a:extLst>
           </p:cNvPr>
@@ -18144,16 +19411,15 @@
           </p:cNvPicPr>
           <p:nvPr/>
         </p:nvPicPr>
-        <p:blipFill>
+        <p:blipFill rotWithShape="1">
           <a:blip r:embed="rId4"/>
-          <a:stretch>
-            <a:fillRect/>
-          </a:stretch>
+          <a:srcRect l="8626" t="23034" r="7348" b="4096"/>
+          <a:stretch/>
         </p:blipFill>
         <p:spPr>
           <a:xfrm>
-            <a:off x="3393090" y="1075653"/>
-            <a:ext cx="3951889" cy="975523"/>
+            <a:off x="7582003" y="3145534"/>
+            <a:ext cx="4324787" cy="2117777"/>
           </a:xfrm>
           <a:prstGeom prst="rect">
             <a:avLst/>
@@ -18162,10 +19428,10 @@
       </p:pic>
       <p:pic>
         <p:nvPicPr>
-          <p:cNvPr id="19" name="Immagine 15" descr="Immagine che contiene testo, pianta&#10;&#10;Descrizione generata automaticamente">
+          <p:cNvPr id="8" name="Immagine 8">
             <a:extLst>
               <a:ext uri="{FF2B5EF4-FFF2-40B4-BE49-F238E27FC236}">
-                <a16:creationId xmlns:a16="http://schemas.microsoft.com/office/drawing/2014/main" id="{9B93A0A6-9DD7-4DFA-B01A-14EFF64813B2}"/>
+                <a16:creationId xmlns:a16="http://schemas.microsoft.com/office/drawing/2014/main" id="{8C5C439D-DE83-4ABB-A19D-0E6B0530ACBF}"/>
               </a:ext>
             </a:extLst>
           </p:cNvPr>
@@ -18174,16 +19440,45 @@
           </p:cNvPicPr>
           <p:nvPr/>
         </p:nvPicPr>
+        <p:blipFill rotWithShape="1">
+          <a:blip r:embed="rId5"/>
+          <a:srcRect l="-639" r="319" b="-610"/>
+          <a:stretch/>
+        </p:blipFill>
+        <p:spPr>
+          <a:xfrm>
+            <a:off x="1970125" y="2857179"/>
+            <a:ext cx="5345260" cy="2784203"/>
+          </a:xfrm>
+          <a:prstGeom prst="rect">
+            <a:avLst/>
+          </a:prstGeom>
+        </p:spPr>
+      </p:pic>
+      <p:pic>
+        <p:nvPicPr>
+          <p:cNvPr id="25" name="Immagine 15" descr="Immagine che contiene testo, pianta&#10;&#10;Descrizione generata automaticamente">
+            <a:extLst>
+              <a:ext uri="{FF2B5EF4-FFF2-40B4-BE49-F238E27FC236}">
+                <a16:creationId xmlns:a16="http://schemas.microsoft.com/office/drawing/2014/main" id="{2EF7029E-304C-4974-B408-5C81A58AD451}"/>
+              </a:ext>
+            </a:extLst>
+          </p:cNvPr>
+          <p:cNvPicPr>
+            <a:picLocks noChangeAspect="1"/>
+          </p:cNvPicPr>
+          <p:nvPr/>
+        </p:nvPicPr>
         <p:blipFill>
-          <a:blip r:embed="rId4"/>
+          <a:blip r:embed="rId6"/>
           <a:stretch>
             <a:fillRect/>
           </a:stretch>
         </p:blipFill>
         <p:spPr>
           <a:xfrm>
-            <a:off x="3436882" y="3063859"/>
-            <a:ext cx="3724165" cy="975523"/>
+            <a:off x="3353986" y="1501388"/>
+            <a:ext cx="4324787" cy="975523"/>
           </a:xfrm>
           <a:prstGeom prst="rect">
             <a:avLst/>
@@ -18193,7 +19488,7 @@
     </p:spTree>
     <p:extLst>
       <p:ext uri="{BB962C8B-B14F-4D97-AF65-F5344CB8AC3E}">
-        <p14:creationId xmlns:p14="http://schemas.microsoft.com/office/powerpoint/2010/main" val="362960261"/>
+        <p14:creationId xmlns:p14="http://schemas.microsoft.com/office/powerpoint/2010/main" val="4117749699"/>
       </p:ext>
     </p:extLst>
   </p:cSld>
@@ -18222,43 +19517,7 @@
       </p:grpSpPr>
       <p:pic>
         <p:nvPicPr>
-          <p:cNvPr id="5" name="Immagine 4">
-            <a:extLst>
-              <a:ext uri="{FF2B5EF4-FFF2-40B4-BE49-F238E27FC236}">
-                <a16:creationId xmlns:a16="http://schemas.microsoft.com/office/drawing/2014/main" id="{5C5CE8B5-F40B-4E9E-BAD6-82C776F9BC5E}"/>
-              </a:ext>
-            </a:extLst>
-          </p:cNvPr>
-          <p:cNvPicPr>
-            <a:picLocks noChangeAspect="1"/>
-          </p:cNvPicPr>
-          <p:nvPr/>
-        </p:nvPicPr>
-        <p:blipFill>
-          <a:blip r:embed="rId2" cstate="print">
-            <a:extLst>
-              <a:ext uri="{28A0092B-C50C-407E-A947-70E740481C1C}">
-                <a14:useLocalDpi xmlns:a14="http://schemas.microsoft.com/office/drawing/2010/main" val="0"/>
-              </a:ext>
-            </a:extLst>
-          </a:blip>
-          <a:stretch>
-            <a:fillRect/>
-          </a:stretch>
-        </p:blipFill>
-        <p:spPr>
-          <a:xfrm rot="19140000" flipH="1" flipV="1">
-            <a:off x="5551064" y="2081157"/>
-            <a:ext cx="1571984" cy="1415559"/>
-          </a:xfrm>
-          <a:prstGeom prst="rect">
-            <a:avLst/>
-          </a:prstGeom>
-        </p:spPr>
-      </p:pic>
-      <p:pic>
-        <p:nvPicPr>
-          <p:cNvPr id="179" name="Immagine 19"/>
+          <p:cNvPr id="171" name="Immagine 19"/>
           <p:cNvPicPr/>
           <p:nvPr/>
         </p:nvPicPr>
@@ -18269,7 +19528,7 @@
         </p:blipFill>
         <p:spPr>
           <a:xfrm rot="5400000" flipH="1">
-            <a:off x="-2368440" y="2372760"/>
+            <a:off x="-2368800" y="2372760"/>
             <a:ext cx="6855840" cy="2114640"/>
           </a:xfrm>
           <a:prstGeom prst="rect">
@@ -18282,7 +19541,7 @@
       </p:pic>
       <p:sp>
         <p:nvSpPr>
-          <p:cNvPr id="180" name="CustomShape 1"/>
+          <p:cNvPr id="172" name="CustomShape 1"/>
           <p:cNvSpPr/>
           <p:nvPr/>
         </p:nvSpPr>
@@ -18323,15 +19582,12 @@
               </a:lnSpc>
             </a:pPr>
             <a:r>
-              <a:rPr lang="it-IT" spc="-1">
-                <a:solidFill>
-                  <a:srgbClr val="000000"/>
-                </a:solidFill>
+              <a:rPr lang="en-US" sz="1800" b="0" strike="noStrike" spc="-1" dirty="0">
                 <a:latin typeface="Calibri"/>
               </a:rPr>
               <a:t>9</a:t>
             </a:r>
-            <a:endParaRPr lang="it-IT" sz="1800" b="0" strike="noStrike" spc="-1">
+            <a:endParaRPr lang="it-IT" sz="1800" b="0" strike="noStrike" spc="-1" dirty="0">
               <a:latin typeface="Calibri"/>
             </a:endParaRPr>
           </a:p>
@@ -18339,46 +19595,14 @@
       </p:sp>
       <p:sp>
         <p:nvSpPr>
-          <p:cNvPr id="181" name="CustomShape 2"/>
+          <p:cNvPr id="173" name="CustomShape 2"/>
           <p:cNvSpPr/>
           <p:nvPr/>
         </p:nvSpPr>
         <p:spPr>
           <a:xfrm>
-            <a:off x="7854480" y="475920"/>
-            <a:ext cx="2230560" cy="911520"/>
-          </a:xfrm>
-          <a:prstGeom prst="rect">
-            <a:avLst/>
-          </a:prstGeom>
-          <a:noFill/>
-          <a:ln w="0">
-            <a:noFill/>
-          </a:ln>
-        </p:spPr>
-        <p:style>
-          <a:lnRef idx="0">
-            <a:scrgbClr r="0" g="0" b="0"/>
-          </a:lnRef>
-          <a:fillRef idx="0">
-            <a:scrgbClr r="0" g="0" b="0"/>
-          </a:fillRef>
-          <a:effectRef idx="0">
-            <a:scrgbClr r="0" g="0" b="0"/>
-          </a:effectRef>
-          <a:fontRef idx="minor"/>
-        </p:style>
-      </p:sp>
-      <p:sp>
-        <p:nvSpPr>
-          <p:cNvPr id="182" name="CustomShape 3"/>
-          <p:cNvSpPr/>
-          <p:nvPr/>
-        </p:nvSpPr>
-        <p:spPr>
-          <a:xfrm>
-            <a:off x="1239120" y="149760"/>
-            <a:ext cx="4602960" cy="759960"/>
+            <a:off x="1212149" y="203515"/>
+            <a:ext cx="5650540" cy="767987"/>
           </a:xfrm>
           <a:prstGeom prst="rect">
             <a:avLst/>
@@ -18401,16 +19625,12 @@
           <a:fontRef idx="minor"/>
         </p:style>
         <p:txBody>
-          <a:bodyPr lIns="90000" tIns="45000" rIns="90000" bIns="45000" anchor="t" anchorCtr="1">
+          <a:bodyPr wrap="square" lIns="90000" tIns="45000" rIns="90000" bIns="45000" anchor="t" anchorCtr="1">
             <a:spAutoFit/>
           </a:bodyPr>
           <a:lstStyle/>
           <a:p>
-            <a:pPr algn="ctr">
-              <a:lnSpc>
-                <a:spcPct val="100000"/>
-              </a:lnSpc>
-            </a:pPr>
+            <a:pPr algn="ctr"/>
             <a:r>
               <a:rPr lang="it-IT" sz="4400" b="1" strike="noStrike" spc="-1">
                 <a:solidFill>
@@ -18419,7 +19639,17 @@
                 <a:latin typeface="Calibri"/>
                 <a:ea typeface="DejaVu Sans"/>
               </a:rPr>
-              <a:t>Informazioni</a:t>
+              <a:t>Attori</a:t>
+            </a:r>
+            <a:r>
+              <a:rPr lang="it-IT" sz="4400" b="1" spc="-1">
+                <a:solidFill>
+                  <a:srgbClr val="000000"/>
+                </a:solidFill>
+                <a:latin typeface="Calibri"/>
+                <a:ea typeface="DejaVu Sans"/>
+              </a:rPr>
+              <a:t> nella Blockchain</a:t>
             </a:r>
             <a:endParaRPr lang="it-IT" sz="4400" b="0" strike="noStrike" spc="-1">
               <a:latin typeface="Arial"/>
@@ -18427,108 +19657,22 @@
           </a:p>
         </p:txBody>
       </p:sp>
-      <p:pic>
-        <p:nvPicPr>
-          <p:cNvPr id="183" name="Immagine 182"/>
-          <p:cNvPicPr/>
-          <p:nvPr/>
-        </p:nvPicPr>
-        <p:blipFill>
-          <a:blip r:embed="rId4"/>
-          <a:stretch/>
-        </p:blipFill>
-        <p:spPr>
-          <a:xfrm>
-            <a:off x="5755680" y="905040"/>
-            <a:ext cx="1161360" cy="649800"/>
-          </a:xfrm>
-          <a:prstGeom prst="rect">
-            <a:avLst/>
-          </a:prstGeom>
-          <a:ln w="0">
-            <a:noFill/>
-          </a:ln>
-        </p:spPr>
-      </p:pic>
-      <p:pic>
-        <p:nvPicPr>
-          <p:cNvPr id="184" name="Immagine 7"/>
-          <p:cNvPicPr/>
-          <p:nvPr/>
-        </p:nvPicPr>
-        <p:blipFill>
-          <a:blip r:embed="rId5"/>
-          <a:stretch/>
-        </p:blipFill>
-        <p:spPr>
-          <a:xfrm>
-            <a:off x="5724000" y="1555920"/>
-            <a:ext cx="1193040" cy="894240"/>
-          </a:xfrm>
-          <a:prstGeom prst="rect">
-            <a:avLst/>
-          </a:prstGeom>
-          <a:ln w="0">
-            <a:noFill/>
-          </a:ln>
-        </p:spPr>
-      </p:pic>
-      <p:pic>
-        <p:nvPicPr>
-          <p:cNvPr id="185" name="Immagine 7"/>
-          <p:cNvPicPr/>
-          <p:nvPr/>
-        </p:nvPicPr>
-        <p:blipFill>
-          <a:blip r:embed="rId5"/>
-          <a:stretch/>
-        </p:blipFill>
-        <p:spPr>
-          <a:xfrm>
-            <a:off x="1980000" y="1596600"/>
-            <a:ext cx="1193040" cy="894240"/>
-          </a:xfrm>
-          <a:prstGeom prst="rect">
-            <a:avLst/>
-          </a:prstGeom>
-          <a:ln w="0">
-            <a:noFill/>
-          </a:ln>
-        </p:spPr>
-      </p:pic>
-      <p:pic>
-        <p:nvPicPr>
-          <p:cNvPr id="186" name="Immagine 7"/>
-          <p:cNvPicPr/>
-          <p:nvPr/>
-        </p:nvPicPr>
-        <p:blipFill>
-          <a:blip r:embed="rId5"/>
-          <a:stretch/>
-        </p:blipFill>
-        <p:spPr>
-          <a:xfrm>
-            <a:off x="9828000" y="1555920"/>
-            <a:ext cx="1193040" cy="894240"/>
-          </a:xfrm>
-          <a:prstGeom prst="rect">
-            <a:avLst/>
-          </a:prstGeom>
-          <a:ln w="0">
-            <a:noFill/>
-          </a:ln>
-        </p:spPr>
-      </p:pic>
-      <p:sp>
-        <p:nvSpPr>
-          <p:cNvPr id="189" name="TextShape 6"/>
+      <p:sp>
+        <p:nvSpPr>
+          <p:cNvPr id="2" name="CustomShape 3">
+            <a:extLst>
+              <a:ext uri="{FF2B5EF4-FFF2-40B4-BE49-F238E27FC236}">
+                <a16:creationId xmlns:a16="http://schemas.microsoft.com/office/drawing/2014/main" id="{3FD0E505-C5E3-4B07-BD05-C49B68B98C48}"/>
+              </a:ext>
+            </a:extLst>
+          </p:cNvPr>
           <p:cNvSpPr/>
           <p:nvPr/>
         </p:nvSpPr>
         <p:spPr>
           <a:xfrm>
-            <a:off x="1980000" y="2491920"/>
-            <a:ext cx="1265040" cy="363960"/>
+            <a:off x="2316644" y="1257852"/>
+            <a:ext cx="1203460" cy="521766"/>
           </a:xfrm>
           <a:prstGeom prst="rect">
             <a:avLst/>
@@ -18551,339 +19695,284 @@
           <a:fontRef idx="minor"/>
         </p:style>
         <p:txBody>
-          <a:bodyPr lIns="90000" tIns="45000" rIns="90000" bIns="45000" anchor="t">
+          <a:bodyPr wrap="square" lIns="90000" tIns="45000" rIns="90000" bIns="45000" anchor="t">
             <a:spAutoFit/>
           </a:bodyPr>
           <a:lstStyle/>
           <a:p>
-            <a:pPr>
-              <a:lnSpc>
-                <a:spcPct val="100000"/>
-              </a:lnSpc>
-            </a:pPr>
-            <a:r>
-              <a:rPr lang="it-IT" sz="1800" b="0" strike="noStrike" spc="-1">
-                <a:solidFill>
-                  <a:srgbClr val="000000"/>
-                </a:solidFill>
-                <a:latin typeface="Arial"/>
-                <a:ea typeface="DejaVu Sans"/>
-              </a:rPr>
-              <a:t>START</a:t>
-            </a:r>
-            <a:endParaRPr lang="it-IT" sz="1800" b="0" strike="noStrike" spc="-1">
-              <a:latin typeface="Arial"/>
-            </a:endParaRPr>
-          </a:p>
-        </p:txBody>
-      </p:sp>
-      <p:sp>
-        <p:nvSpPr>
-          <p:cNvPr id="190" name="TextShape 7"/>
-          <p:cNvSpPr/>
-          <p:nvPr/>
-        </p:nvSpPr>
-        <p:spPr>
-          <a:xfrm>
-            <a:off x="5757092" y="2602093"/>
-            <a:ext cx="1193040" cy="363960"/>
-          </a:xfrm>
-          <a:prstGeom prst="rect">
-            <a:avLst/>
-          </a:prstGeom>
-          <a:noFill/>
-          <a:ln w="0">
-            <a:noFill/>
-          </a:ln>
-        </p:spPr>
-        <p:style>
-          <a:lnRef idx="0">
-            <a:scrgbClr r="0" g="0" b="0"/>
-          </a:lnRef>
-          <a:fillRef idx="0">
-            <a:scrgbClr r="0" g="0" b="0"/>
-          </a:fillRef>
-          <a:effectRef idx="0">
-            <a:scrgbClr r="0" g="0" b="0"/>
-          </a:effectRef>
-          <a:fontRef idx="minor"/>
-        </p:style>
-        <p:txBody>
-          <a:bodyPr lIns="90000" tIns="45000" rIns="90000" bIns="45000" anchor="t">
-            <a:spAutoFit/>
-          </a:bodyPr>
-          <a:lstStyle/>
-          <a:p>
-            <a:pPr>
-              <a:lnSpc>
-                <a:spcPct val="100000"/>
-              </a:lnSpc>
-            </a:pPr>
-            <a:r>
-              <a:rPr lang="it-IT" sz="1800" b="0" strike="noStrike" spc="-1">
-                <a:solidFill>
-                  <a:srgbClr val="000000"/>
-                </a:solidFill>
-                <a:latin typeface="Arial"/>
-                <a:ea typeface="DejaVu Sans"/>
-              </a:rPr>
-              <a:t>STAND</a:t>
-            </a:r>
-            <a:endParaRPr lang="it-IT" sz="1800" b="0" strike="noStrike" spc="-1">
-              <a:latin typeface="Arial"/>
-            </a:endParaRPr>
-          </a:p>
-        </p:txBody>
-      </p:sp>
-      <p:sp>
-        <p:nvSpPr>
-          <p:cNvPr id="191" name="TextShape 8"/>
-          <p:cNvSpPr/>
-          <p:nvPr/>
-        </p:nvSpPr>
-        <p:spPr>
-          <a:xfrm>
-            <a:off x="10014120" y="2347920"/>
-            <a:ext cx="1294920" cy="363960"/>
-          </a:xfrm>
-          <a:prstGeom prst="rect">
-            <a:avLst/>
-          </a:prstGeom>
-          <a:noFill/>
-          <a:ln w="0">
-            <a:noFill/>
-          </a:ln>
-        </p:spPr>
-        <p:style>
-          <a:lnRef idx="0">
-            <a:scrgbClr r="0" g="0" b="0"/>
-          </a:lnRef>
-          <a:fillRef idx="0">
-            <a:scrgbClr r="0" g="0" b="0"/>
-          </a:fillRef>
-          <a:effectRef idx="0">
-            <a:scrgbClr r="0" g="0" b="0"/>
-          </a:effectRef>
-          <a:fontRef idx="minor"/>
-        </p:style>
-        <p:txBody>
-          <a:bodyPr lIns="90000" tIns="45000" rIns="90000" bIns="45000" anchor="t">
-            <a:spAutoFit/>
-          </a:bodyPr>
-          <a:lstStyle/>
-          <a:p>
-            <a:pPr>
-              <a:lnSpc>
-                <a:spcPct val="100000"/>
-              </a:lnSpc>
-            </a:pPr>
-            <a:r>
-              <a:rPr lang="it-IT" sz="1800" b="0" strike="noStrike" spc="-1">
-                <a:solidFill>
-                  <a:srgbClr val="000000"/>
-                </a:solidFill>
-                <a:latin typeface="Arial"/>
-                <a:ea typeface="DejaVu Sans"/>
-              </a:rPr>
-              <a:t>END</a:t>
-            </a:r>
-            <a:endParaRPr lang="it-IT" sz="1800" b="0" strike="noStrike" spc="-1">
-              <a:latin typeface="Arial"/>
-            </a:endParaRPr>
-          </a:p>
-        </p:txBody>
-      </p:sp>
-      <p:sp>
-        <p:nvSpPr>
-          <p:cNvPr id="194" name="Rettangolo 193"/>
-          <p:cNvSpPr/>
-          <p:nvPr/>
-        </p:nvSpPr>
-        <p:spPr>
-          <a:xfrm>
-            <a:off x="1843793" y="3670069"/>
-            <a:ext cx="7019640" cy="2382921"/>
-          </a:xfrm>
-          <a:prstGeom prst="rect">
-            <a:avLst/>
-          </a:prstGeom>
-          <a:noFill/>
-          <a:ln w="0">
-            <a:noFill/>
-          </a:ln>
-        </p:spPr>
-        <p:style>
-          <a:lnRef idx="0">
-            <a:scrgbClr r="0" g="0" b="0"/>
-          </a:lnRef>
-          <a:fillRef idx="0">
-            <a:scrgbClr r="0" g="0" b="0"/>
-          </a:fillRef>
-          <a:effectRef idx="0">
-            <a:scrgbClr r="0" g="0" b="0"/>
-          </a:effectRef>
-          <a:fontRef idx="minor"/>
-        </p:style>
-        <p:txBody>
-          <a:bodyPr lIns="90000" tIns="45000" rIns="90000" bIns="45000" anchor="t">
-            <a:noAutofit/>
-          </a:bodyPr>
-          <a:lstStyle/>
-          <a:p>
-            <a:pPr>
-              <a:lnSpc>
-                <a:spcPct val="100000"/>
-              </a:lnSpc>
-            </a:pPr>
-            <a:r>
-              <a:rPr lang="it-IT" sz="1800" b="0" strike="noStrike" spc="-1">
-                <a:latin typeface="Arial"/>
-              </a:rPr>
-              <a:t>I dati raccolti vengono salvati utilizzando la modalità centralizzata</a:t>
-            </a:r>
-          </a:p>
-          <a:p>
-            <a:pPr>
-              <a:lnSpc>
-                <a:spcPct val="100000"/>
-              </a:lnSpc>
-            </a:pPr>
-            <a:endParaRPr lang="it-IT" sz="1800" b="0" strike="noStrike" spc="-1">
-              <a:latin typeface="Arial"/>
-            </a:endParaRPr>
-          </a:p>
-          <a:p>
-            <a:pPr>
-              <a:lnSpc>
-                <a:spcPct val="100000"/>
-              </a:lnSpc>
-            </a:pPr>
-            <a:r>
-              <a:rPr lang="it-IT" sz="1800" b="0" strike="noStrike" spc="-1">
-                <a:latin typeface="Arial"/>
-              </a:rPr>
-              <a:t>I dati corrispondono ad una Tratta effettuata da:</a:t>
-            </a:r>
-          </a:p>
-          <a:p>
-            <a:pPr marL="215900" indent="-215900">
-              <a:buClr>
-                <a:srgbClr val="000000"/>
-              </a:buClr>
-              <a:buSzPct val="45000"/>
-              <a:buFont typeface="Wingdings" charset="2"/>
-              <a:buChar char=""/>
-            </a:pPr>
-            <a:r>
-              <a:rPr lang="it-IT" sz="1800" b="0" strike="noStrike" spc="-1">
-                <a:latin typeface="Arial"/>
-              </a:rPr>
-              <a:t>Un utente</a:t>
-            </a:r>
-            <a:r>
-              <a:rPr lang="it-IT" spc="-1">
-                <a:latin typeface="Arial"/>
-              </a:rPr>
-              <a:t> </a:t>
-            </a:r>
-            <a:r>
-              <a:rPr lang="it-IT" sz="1800" b="0" strike="noStrike" spc="-1">
-                <a:latin typeface="Arial"/>
-              </a:rPr>
-              <a:t>/ </a:t>
-            </a:r>
-            <a:r>
-              <a:rPr lang="it-IT" spc="-1">
-                <a:latin typeface="Arial"/>
-              </a:rPr>
-              <a:t>dipendente</a:t>
-            </a:r>
-            <a:endParaRPr lang="it-IT" sz="1800" b="0" strike="noStrike" spc="-1">
-              <a:latin typeface="Arial"/>
-            </a:endParaRPr>
-          </a:p>
-          <a:p>
-            <a:pPr marL="215900" indent="-215900">
+            <a:pPr marL="635">
               <a:lnSpc>
                 <a:spcPct val="100000"/>
               </a:lnSpc>
               <a:buClr>
                 <a:srgbClr val="000000"/>
               </a:buClr>
-              <a:buSzPct val="45000"/>
-              <a:buFont typeface="Wingdings" charset="2"/>
-              <a:buChar char=""/>
             </a:pPr>
             <a:r>
-              <a:rPr lang="it-IT" sz="1800" b="0" strike="noStrike" spc="-1">
+              <a:rPr lang="it-IT" sz="2800" spc="-1">
                 <a:latin typeface="Arial"/>
               </a:rPr>
-              <a:t>Un determinato veicolo</a:t>
-            </a:r>
-          </a:p>
-          <a:p>
-            <a:pPr marL="215900" indent="-215900">
-              <a:buClr>
-                <a:srgbClr val="000000"/>
-              </a:buClr>
-              <a:buSzPct val="45000"/>
-              <a:buFont typeface="Wingdings" charset="2"/>
-              <a:buChar char=""/>
-            </a:pPr>
-            <a:r>
-              <a:rPr lang="it-IT" sz="1800" b="0" strike="noStrike" spc="-1">
-                <a:latin typeface="Arial"/>
-              </a:rPr>
-              <a:t>Varie Fermate</a:t>
-            </a:r>
-            <a:r>
-              <a:rPr lang="it-IT" spc="-1">
-                <a:latin typeface="Arial"/>
-              </a:rPr>
-              <a:t> </a:t>
-            </a:r>
-            <a:r>
-              <a:rPr lang="it-IT" sz="1800" b="0" strike="noStrike" spc="-1">
-                <a:latin typeface="Arial"/>
-              </a:rPr>
-              <a:t>/ Stand</a:t>
-            </a:r>
-          </a:p>
-          <a:p>
-            <a:pPr>
-              <a:lnSpc>
-                <a:spcPct val="100000"/>
-              </a:lnSpc>
-            </a:pPr>
-            <a:endParaRPr lang="it-IT" sz="1800" b="0" strike="noStrike" spc="-1">
-              <a:latin typeface="Arial"/>
-            </a:endParaRPr>
-          </a:p>
-          <a:p>
-            <a:pPr>
+              <a:t>Enti</a:t>
+            </a:r>
+            <a:endParaRPr lang="it-IT" sz="2000" spc="-1"/>
+          </a:p>
+        </p:txBody>
+      </p:sp>
+      <p:sp>
+        <p:nvSpPr>
+          <p:cNvPr id="4" name="CustomShape 3">
+            <a:extLst>
+              <a:ext uri="{FF2B5EF4-FFF2-40B4-BE49-F238E27FC236}">
+                <a16:creationId xmlns:a16="http://schemas.microsoft.com/office/drawing/2014/main" id="{ACC415A4-0EE4-47F3-869D-FD204BB535BE}"/>
+              </a:ext>
+            </a:extLst>
+          </p:cNvPr>
+          <p:cNvSpPr/>
+          <p:nvPr/>
+        </p:nvSpPr>
+        <p:spPr>
+          <a:xfrm>
+            <a:off x="2246574" y="3237300"/>
+            <a:ext cx="1343597" cy="521766"/>
+          </a:xfrm>
+          <a:prstGeom prst="rect">
+            <a:avLst/>
+          </a:prstGeom>
+          <a:noFill/>
+          <a:ln w="0">
+            <a:noFill/>
+          </a:ln>
+        </p:spPr>
+        <p:style>
+          <a:lnRef idx="0">
+            <a:scrgbClr r="0" g="0" b="0"/>
+          </a:lnRef>
+          <a:fillRef idx="0">
+            <a:scrgbClr r="0" g="0" b="0"/>
+          </a:fillRef>
+          <a:effectRef idx="0">
+            <a:scrgbClr r="0" g="0" b="0"/>
+          </a:effectRef>
+          <a:fontRef idx="minor"/>
+        </p:style>
+        <p:txBody>
+          <a:bodyPr wrap="square" lIns="90000" tIns="45000" rIns="90000" bIns="45000" anchor="t">
+            <a:spAutoFit/>
+          </a:bodyPr>
+          <a:lstStyle/>
+          <a:p>
+            <a:pPr marL="635">
               <a:lnSpc>
                 <a:spcPct val="100000"/>
               </a:lnSpc>
               <a:buClr>
                 <a:srgbClr val="000000"/>
               </a:buClr>
-              <a:buSzPct val="45000"/>
             </a:pPr>
             <a:r>
-              <a:rPr lang="it-IT" sz="1800" b="0" strike="noStrike" spc="-1">
+              <a:rPr lang="it-IT" sz="2800" spc="-1" err="1">
                 <a:latin typeface="Arial"/>
               </a:rPr>
-              <a:t>Più tratte vengono raccolte utilizzando un unico ID identificativo </a:t>
+              <a:t>Owner</a:t>
+            </a:r>
+            <a:endParaRPr lang="it-IT" sz="2800" b="0" strike="noStrike" spc="-1" err="1">
+              <a:latin typeface="Arial"/>
+            </a:endParaRPr>
+          </a:p>
+        </p:txBody>
+      </p:sp>
+      <p:sp>
+        <p:nvSpPr>
+          <p:cNvPr id="5" name="CustomShape 3">
+            <a:extLst>
+              <a:ext uri="{FF2B5EF4-FFF2-40B4-BE49-F238E27FC236}">
+                <a16:creationId xmlns:a16="http://schemas.microsoft.com/office/drawing/2014/main" id="{46927341-DFA6-49D1-A396-EBE49B4526E9}"/>
+              </a:ext>
+            </a:extLst>
+          </p:cNvPr>
+          <p:cNvSpPr/>
+          <p:nvPr/>
+        </p:nvSpPr>
+        <p:spPr>
+          <a:xfrm>
+            <a:off x="7414160" y="1117713"/>
+            <a:ext cx="3612079" cy="1568206"/>
+          </a:xfrm>
+          <a:prstGeom prst="rect">
+            <a:avLst/>
+          </a:prstGeom>
+          <a:noFill/>
+          <a:ln w="0">
+            <a:noFill/>
+          </a:ln>
+        </p:spPr>
+        <p:style>
+          <a:lnRef idx="0">
+            <a:scrgbClr r="0" g="0" b="0"/>
+          </a:lnRef>
+          <a:fillRef idx="0">
+            <a:scrgbClr r="0" g="0" b="0"/>
+          </a:fillRef>
+          <a:effectRef idx="0">
+            <a:scrgbClr r="0" g="0" b="0"/>
+          </a:effectRef>
+          <a:fontRef idx="minor"/>
+        </p:style>
+        <p:txBody>
+          <a:bodyPr wrap="square" lIns="90000" tIns="45000" rIns="90000" bIns="45000" anchor="t">
+            <a:spAutoFit/>
+          </a:bodyPr>
+          <a:lstStyle/>
+          <a:p>
+            <a:pPr marL="635">
+              <a:buClr>
+                <a:srgbClr val="000000"/>
+              </a:buClr>
+            </a:pPr>
+            <a:r>
+              <a:rPr lang="it-IT" sz="2400" spc="-1" dirty="0"/>
+              <a:t>Effettuano transazioni per il salvataggio di informazioni nella blockchain</a:t>
+            </a:r>
+          </a:p>
+        </p:txBody>
+      </p:sp>
+      <p:sp>
+        <p:nvSpPr>
+          <p:cNvPr id="6" name="CustomShape 3">
+            <a:extLst>
+              <a:ext uri="{FF2B5EF4-FFF2-40B4-BE49-F238E27FC236}">
+                <a16:creationId xmlns:a16="http://schemas.microsoft.com/office/drawing/2014/main" id="{A369ED9A-AAD2-4924-A7AC-DEC1CBBDB290}"/>
+              </a:ext>
+            </a:extLst>
+          </p:cNvPr>
+          <p:cNvSpPr/>
+          <p:nvPr/>
+        </p:nvSpPr>
+        <p:spPr>
+          <a:xfrm>
+            <a:off x="8132367" y="460817"/>
+            <a:ext cx="1939184" cy="521766"/>
+          </a:xfrm>
+          <a:prstGeom prst="rect">
+            <a:avLst/>
+          </a:prstGeom>
+          <a:noFill/>
+          <a:ln w="0">
+            <a:noFill/>
+          </a:ln>
+        </p:spPr>
+        <p:style>
+          <a:lnRef idx="0">
+            <a:scrgbClr r="0" g="0" b="0"/>
+          </a:lnRef>
+          <a:fillRef idx="0">
+            <a:scrgbClr r="0" g="0" b="0"/>
+          </a:fillRef>
+          <a:effectRef idx="0">
+            <a:scrgbClr r="0" g="0" b="0"/>
+          </a:effectRef>
+          <a:fontRef idx="minor"/>
+        </p:style>
+        <p:txBody>
+          <a:bodyPr wrap="square" lIns="90000" tIns="45000" rIns="90000" bIns="45000" anchor="t">
+            <a:spAutoFit/>
+          </a:bodyPr>
+          <a:lstStyle/>
+          <a:p>
+            <a:pPr marL="635">
+              <a:lnSpc>
+                <a:spcPct val="100000"/>
+              </a:lnSpc>
+              <a:buClr>
+                <a:srgbClr val="000000"/>
+              </a:buClr>
+            </a:pPr>
+            <a:r>
+              <a:rPr lang="it-IT" sz="2800" spc="-1">
+                <a:latin typeface="Arial"/>
+              </a:rPr>
+              <a:t>Compiti:</a:t>
+            </a:r>
+            <a:endParaRPr lang="it-IT" sz="2000" spc="-1"/>
+          </a:p>
+        </p:txBody>
+      </p:sp>
+      <p:sp>
+        <p:nvSpPr>
+          <p:cNvPr id="7" name="CustomShape 3">
+            <a:extLst>
+              <a:ext uri="{FF2B5EF4-FFF2-40B4-BE49-F238E27FC236}">
+                <a16:creationId xmlns:a16="http://schemas.microsoft.com/office/drawing/2014/main" id="{F5613D30-60D2-4ABE-B68A-657F700C50DE}"/>
+              </a:ext>
+            </a:extLst>
+          </p:cNvPr>
+          <p:cNvSpPr/>
+          <p:nvPr/>
+        </p:nvSpPr>
+        <p:spPr>
+          <a:xfrm>
+            <a:off x="7098849" y="3062126"/>
+            <a:ext cx="3927389" cy="1568206"/>
+          </a:xfrm>
+          <a:prstGeom prst="rect">
+            <a:avLst/>
+          </a:prstGeom>
+          <a:noFill/>
+          <a:ln w="0">
+            <a:noFill/>
+          </a:ln>
+        </p:spPr>
+        <p:style>
+          <a:lnRef idx="0">
+            <a:scrgbClr r="0" g="0" b="0"/>
+          </a:lnRef>
+          <a:fillRef idx="0">
+            <a:scrgbClr r="0" g="0" b="0"/>
+          </a:fillRef>
+          <a:effectRef idx="0">
+            <a:scrgbClr r="0" g="0" b="0"/>
+          </a:effectRef>
+          <a:fontRef idx="minor"/>
+        </p:style>
+        <p:txBody>
+          <a:bodyPr wrap="square" lIns="90000" tIns="45000" rIns="90000" bIns="45000" anchor="t">
+            <a:spAutoFit/>
+          </a:bodyPr>
+          <a:lstStyle/>
+          <a:p>
+            <a:pPr marL="343535" indent="-342900">
+              <a:buClr>
+                <a:srgbClr val="000000"/>
+              </a:buClr>
+              <a:buFont typeface="Arial"/>
+              <a:buChar char="•"/>
+            </a:pPr>
+            <a:r>
+              <a:rPr lang="it-IT" sz="2400" spc="-1"/>
+              <a:t>Gestisce i permessi di utilizzo dei contratti</a:t>
+            </a:r>
+          </a:p>
+          <a:p>
+            <a:pPr marL="343535" indent="-342900">
+              <a:buClr>
+                <a:srgbClr val="000000"/>
+              </a:buClr>
+              <a:buFont typeface="Arial"/>
+              <a:buChar char="•"/>
+            </a:pPr>
+            <a:r>
+              <a:rPr lang="it-IT" sz="2400" spc="-1"/>
+              <a:t>Gestisce i nodi della blockchain</a:t>
             </a:r>
           </a:p>
         </p:txBody>
       </p:sp>
       <p:pic>
         <p:nvPicPr>
-          <p:cNvPr id="3" name="Immagine 2">
+          <p:cNvPr id="17" name="Immagine 15" descr="Immagine che contiene testo, pianta&#10;&#10;Descrizione generata automaticamente">
             <a:extLst>
               <a:ext uri="{FF2B5EF4-FFF2-40B4-BE49-F238E27FC236}">
-                <a16:creationId xmlns:a16="http://schemas.microsoft.com/office/drawing/2014/main" id="{7B527B60-FA3F-4042-8A34-55E6D9311E2C}"/>
+                <a16:creationId xmlns:a16="http://schemas.microsoft.com/office/drawing/2014/main" id="{62A91282-97F1-444B-91FE-ECE346C6F9BD}"/>
               </a:ext>
             </a:extLst>
           </p:cNvPr>
@@ -18893,21 +19982,15 @@
           <p:nvPr/>
         </p:nvPicPr>
         <p:blipFill>
-          <a:blip r:embed="rId6" cstate="print">
-            <a:extLst>
-              <a:ext uri="{28A0092B-C50C-407E-A947-70E740481C1C}">
-                <a14:useLocalDpi xmlns:a14="http://schemas.microsoft.com/office/drawing/2010/main" val="0"/>
-              </a:ext>
-            </a:extLst>
-          </a:blip>
+          <a:blip r:embed="rId4"/>
           <a:stretch>
             <a:fillRect/>
           </a:stretch>
         </p:blipFill>
         <p:spPr>
           <a:xfrm>
-            <a:off x="3359160" y="1589676"/>
-            <a:ext cx="2219761" cy="891042"/>
+            <a:off x="3393090" y="1075653"/>
+            <a:ext cx="3951889" cy="975523"/>
           </a:xfrm>
           <a:prstGeom prst="rect">
             <a:avLst/>
@@ -18916,10 +19999,10 @@
       </p:pic>
       <p:pic>
         <p:nvPicPr>
-          <p:cNvPr id="20" name="Immagine 19">
+          <p:cNvPr id="19" name="Immagine 15" descr="Immagine che contiene testo, pianta&#10;&#10;Descrizione generata automaticamente">
             <a:extLst>
               <a:ext uri="{FF2B5EF4-FFF2-40B4-BE49-F238E27FC236}">
-                <a16:creationId xmlns:a16="http://schemas.microsoft.com/office/drawing/2014/main" id="{6D640CF1-71CB-45C5-879B-D35B190DA269}"/>
+                <a16:creationId xmlns:a16="http://schemas.microsoft.com/office/drawing/2014/main" id="{9B93A0A6-9DD7-4DFA-B01A-14EFF64813B2}"/>
               </a:ext>
             </a:extLst>
           </p:cNvPr>
@@ -18929,51 +20012,15 @@
           <p:nvPr/>
         </p:nvPicPr>
         <p:blipFill>
-          <a:blip r:embed="rId7" cstate="print">
-            <a:extLst>
-              <a:ext uri="{28A0092B-C50C-407E-A947-70E740481C1C}">
-                <a14:useLocalDpi xmlns:a14="http://schemas.microsoft.com/office/drawing/2010/main" val="0"/>
-              </a:ext>
-            </a:extLst>
-          </a:blip>
+          <a:blip r:embed="rId4"/>
           <a:stretch>
             <a:fillRect/>
           </a:stretch>
         </p:blipFill>
         <p:spPr>
           <a:xfrm>
-            <a:off x="7062119" y="1524007"/>
-            <a:ext cx="2589068" cy="891042"/>
-          </a:xfrm>
-          <a:prstGeom prst="rect">
-            <a:avLst/>
-          </a:prstGeom>
-        </p:spPr>
-      </p:pic>
-      <p:pic>
-        <p:nvPicPr>
-          <p:cNvPr id="2" name="Immagine 3">
-            <a:extLst>
-              <a:ext uri="{FF2B5EF4-FFF2-40B4-BE49-F238E27FC236}">
-                <a16:creationId xmlns:a16="http://schemas.microsoft.com/office/drawing/2014/main" id="{40687350-4C41-4DEC-8CD9-EBF377F7E3CD}"/>
-              </a:ext>
-            </a:extLst>
-          </p:cNvPr>
-          <p:cNvPicPr>
-            <a:picLocks noChangeAspect="1"/>
-          </p:cNvPicPr>
-          <p:nvPr/>
-        </p:nvPicPr>
-        <p:blipFill>
-          <a:blip r:embed="rId8"/>
-          <a:stretch>
-            <a:fillRect/>
-          </a:stretch>
-        </p:blipFill>
-        <p:spPr>
-          <a:xfrm rot="4800000">
-            <a:off x="8499365" y="4506901"/>
-            <a:ext cx="2743200" cy="2205990"/>
+            <a:off x="3436882" y="3063859"/>
+            <a:ext cx="3724165" cy="975523"/>
           </a:xfrm>
           <a:prstGeom prst="rect">
             <a:avLst/>
@@ -18981,6 +20028,11 @@
         </p:spPr>
       </p:pic>
     </p:spTree>
+    <p:extLst>
+      <p:ext uri="{BB962C8B-B14F-4D97-AF65-F5344CB8AC3E}">
+        <p14:creationId xmlns:p14="http://schemas.microsoft.com/office/powerpoint/2010/main" val="362960261"/>
+      </p:ext>
+    </p:extLst>
   </p:cSld>
   <p:clrMapOvr>
     <a:masterClrMapping/>
